--- a/esercitazione_7/documents/Esercitazione 7.pptx
+++ b/esercitazione_7/documents/Esercitazione 7.pptx
@@ -4,17 +4,19 @@
   <p:sldMasterIdLst>
     <p:sldMasterId id="2147483648" r:id="rId1"/>
   </p:sldMasterIdLst>
+  <p:notesMasterIdLst>
+    <p:notesMasterId r:id="rId11"/>
+  </p:notesMasterIdLst>
   <p:sldIdLst>
     <p:sldId id="256" r:id="rId2"/>
     <p:sldId id="257" r:id="rId3"/>
     <p:sldId id="258" r:id="rId4"/>
-    <p:sldId id="259" r:id="rId5"/>
-    <p:sldId id="260" r:id="rId6"/>
-    <p:sldId id="261" r:id="rId7"/>
-    <p:sldId id="265" r:id="rId8"/>
-    <p:sldId id="266" r:id="rId9"/>
-    <p:sldId id="262" r:id="rId10"/>
-    <p:sldId id="263" r:id="rId11"/>
+    <p:sldId id="260" r:id="rId5"/>
+    <p:sldId id="259" r:id="rId6"/>
+    <p:sldId id="265" r:id="rId7"/>
+    <p:sldId id="261" r:id="rId8"/>
+    <p:sldId id="262" r:id="rId9"/>
+    <p:sldId id="263" r:id="rId10"/>
   </p:sldIdLst>
   <p:sldSz cx="18288000" cy="10287000"/>
   <p:notesSz cx="6858000" cy="9144000"/>
@@ -169,6 +171,523 @@
 </p1510:revInfo>
 </file>
 
+<file path=ppt/notesMasters/notesMaster1.xml><?xml version="1.0" encoding="utf-8"?>
+<p:notesMaster xmlns:a="http://schemas.openxmlformats.org/drawingml/2006/main" xmlns:r="http://schemas.openxmlformats.org/officeDocument/2006/relationships" xmlns:p="http://schemas.openxmlformats.org/presentationml/2006/main">
+  <p:cSld>
+    <p:bg>
+      <p:bgRef idx="1001">
+        <a:schemeClr val="bg1"/>
+      </p:bgRef>
+    </p:bg>
+    <p:spTree>
+      <p:nvGrpSpPr>
+        <p:cNvPr id="1" name=""/>
+        <p:cNvGrpSpPr/>
+        <p:nvPr/>
+      </p:nvGrpSpPr>
+      <p:grpSpPr>
+        <a:xfrm>
+          <a:off x="0" y="0"/>
+          <a:ext cx="0" cy="0"/>
+          <a:chOff x="0" y="0"/>
+          <a:chExt cx="0" cy="0"/>
+        </a:xfrm>
+      </p:grpSpPr>
+      <p:sp>
+        <p:nvSpPr>
+          <p:cNvPr id="2" name="Segnaposto intestazione 1"/>
+          <p:cNvSpPr>
+            <a:spLocks noGrp="1"/>
+          </p:cNvSpPr>
+          <p:nvPr>
+            <p:ph type="hdr" sz="quarter"/>
+          </p:nvPr>
+        </p:nvSpPr>
+        <p:spPr>
+          <a:xfrm>
+            <a:off x="0" y="0"/>
+            <a:ext cx="2971800" cy="458788"/>
+          </a:xfrm>
+          <a:prstGeom prst="rect">
+            <a:avLst/>
+          </a:prstGeom>
+        </p:spPr>
+        <p:txBody>
+          <a:bodyPr vert="horz" lIns="91440" tIns="45720" rIns="91440" bIns="45720" rtlCol="0"/>
+          <a:lstStyle>
+            <a:lvl1pPr algn="l">
+              <a:defRPr sz="1200"/>
+            </a:lvl1pPr>
+          </a:lstStyle>
+          <a:p>
+            <a:endParaRPr lang="it-IT"/>
+          </a:p>
+        </p:txBody>
+      </p:sp>
+      <p:sp>
+        <p:nvSpPr>
+          <p:cNvPr id="3" name="Segnaposto data 2"/>
+          <p:cNvSpPr>
+            <a:spLocks noGrp="1"/>
+          </p:cNvSpPr>
+          <p:nvPr>
+            <p:ph type="dt" idx="1"/>
+          </p:nvPr>
+        </p:nvSpPr>
+        <p:spPr>
+          <a:xfrm>
+            <a:off x="3884613" y="0"/>
+            <a:ext cx="2971800" cy="458788"/>
+          </a:xfrm>
+          <a:prstGeom prst="rect">
+            <a:avLst/>
+          </a:prstGeom>
+        </p:spPr>
+        <p:txBody>
+          <a:bodyPr vert="horz" lIns="91440" tIns="45720" rIns="91440" bIns="45720" rtlCol="0"/>
+          <a:lstStyle>
+            <a:lvl1pPr algn="r">
+              <a:defRPr sz="1200"/>
+            </a:lvl1pPr>
+          </a:lstStyle>
+          <a:p>
+            <a:fld id="{2D9D8698-A85F-4E8D-A911-A70E7F743B9B}" type="datetimeFigureOut">
+              <a:rPr lang="it-IT" smtClean="0"/>
+              <a:t>30/11/2021</a:t>
+            </a:fld>
+            <a:endParaRPr lang="it-IT"/>
+          </a:p>
+        </p:txBody>
+      </p:sp>
+      <p:sp>
+        <p:nvSpPr>
+          <p:cNvPr id="4" name="Segnaposto immagine diapositiva 3"/>
+          <p:cNvSpPr>
+            <a:spLocks noGrp="1" noRot="1" noChangeAspect="1"/>
+          </p:cNvSpPr>
+          <p:nvPr>
+            <p:ph type="sldImg" idx="2"/>
+          </p:nvPr>
+        </p:nvSpPr>
+        <p:spPr>
+          <a:xfrm>
+            <a:off x="685800" y="1143000"/>
+            <a:ext cx="5486400" cy="3086100"/>
+          </a:xfrm>
+          <a:prstGeom prst="rect">
+            <a:avLst/>
+          </a:prstGeom>
+          <a:noFill/>
+          <a:ln w="12700">
+            <a:solidFill>
+              <a:prstClr val="black"/>
+            </a:solidFill>
+          </a:ln>
+        </p:spPr>
+        <p:txBody>
+          <a:bodyPr vert="horz" lIns="91440" tIns="45720" rIns="91440" bIns="45720" rtlCol="0" anchor="ctr"/>
+          <a:lstStyle/>
+          <a:p>
+            <a:endParaRPr lang="it-IT"/>
+          </a:p>
+        </p:txBody>
+      </p:sp>
+      <p:sp>
+        <p:nvSpPr>
+          <p:cNvPr id="5" name="Segnaposto note 4"/>
+          <p:cNvSpPr>
+            <a:spLocks noGrp="1"/>
+          </p:cNvSpPr>
+          <p:nvPr>
+            <p:ph type="body" sz="quarter" idx="3"/>
+          </p:nvPr>
+        </p:nvSpPr>
+        <p:spPr>
+          <a:xfrm>
+            <a:off x="685800" y="4400550"/>
+            <a:ext cx="5486400" cy="3600450"/>
+          </a:xfrm>
+          <a:prstGeom prst="rect">
+            <a:avLst/>
+          </a:prstGeom>
+        </p:spPr>
+        <p:txBody>
+          <a:bodyPr vert="horz" lIns="91440" tIns="45720" rIns="91440" bIns="45720" rtlCol="0"/>
+          <a:lstStyle/>
+          <a:p>
+            <a:pPr lvl="0"/>
+            <a:r>
+              <a:rPr lang="it-IT"/>
+              <a:t>Fare clic per modificare gli stili del testo dello schema</a:t>
+            </a:r>
+          </a:p>
+          <a:p>
+            <a:pPr lvl="1"/>
+            <a:r>
+              <a:rPr lang="it-IT"/>
+              <a:t>Secondo livello</a:t>
+            </a:r>
+          </a:p>
+          <a:p>
+            <a:pPr lvl="2"/>
+            <a:r>
+              <a:rPr lang="it-IT"/>
+              <a:t>Terzo livello</a:t>
+            </a:r>
+          </a:p>
+          <a:p>
+            <a:pPr lvl="3"/>
+            <a:r>
+              <a:rPr lang="it-IT"/>
+              <a:t>Quarto livello</a:t>
+            </a:r>
+          </a:p>
+          <a:p>
+            <a:pPr lvl="4"/>
+            <a:r>
+              <a:rPr lang="it-IT"/>
+              <a:t>Quinto livello</a:t>
+            </a:r>
+          </a:p>
+        </p:txBody>
+      </p:sp>
+      <p:sp>
+        <p:nvSpPr>
+          <p:cNvPr id="6" name="Segnaposto piè di pagina 5"/>
+          <p:cNvSpPr>
+            <a:spLocks noGrp="1"/>
+          </p:cNvSpPr>
+          <p:nvPr>
+            <p:ph type="ftr" sz="quarter" idx="4"/>
+          </p:nvPr>
+        </p:nvSpPr>
+        <p:spPr>
+          <a:xfrm>
+            <a:off x="0" y="8685213"/>
+            <a:ext cx="2971800" cy="458787"/>
+          </a:xfrm>
+          <a:prstGeom prst="rect">
+            <a:avLst/>
+          </a:prstGeom>
+        </p:spPr>
+        <p:txBody>
+          <a:bodyPr vert="horz" lIns="91440" tIns="45720" rIns="91440" bIns="45720" rtlCol="0" anchor="b"/>
+          <a:lstStyle>
+            <a:lvl1pPr algn="l">
+              <a:defRPr sz="1200"/>
+            </a:lvl1pPr>
+          </a:lstStyle>
+          <a:p>
+            <a:endParaRPr lang="it-IT"/>
+          </a:p>
+        </p:txBody>
+      </p:sp>
+      <p:sp>
+        <p:nvSpPr>
+          <p:cNvPr id="7" name="Segnaposto numero diapositiva 6"/>
+          <p:cNvSpPr>
+            <a:spLocks noGrp="1"/>
+          </p:cNvSpPr>
+          <p:nvPr>
+            <p:ph type="sldNum" sz="quarter" idx="5"/>
+          </p:nvPr>
+        </p:nvSpPr>
+        <p:spPr>
+          <a:xfrm>
+            <a:off x="3884613" y="8685213"/>
+            <a:ext cx="2971800" cy="458787"/>
+          </a:xfrm>
+          <a:prstGeom prst="rect">
+            <a:avLst/>
+          </a:prstGeom>
+        </p:spPr>
+        <p:txBody>
+          <a:bodyPr vert="horz" lIns="91440" tIns="45720" rIns="91440" bIns="45720" rtlCol="0" anchor="b"/>
+          <a:lstStyle>
+            <a:lvl1pPr algn="r">
+              <a:defRPr sz="1200"/>
+            </a:lvl1pPr>
+          </a:lstStyle>
+          <a:p>
+            <a:fld id="{1390D436-F419-41D7-BF0B-7131BBFAEA6E}" type="slidenum">
+              <a:rPr lang="it-IT" smtClean="0"/>
+              <a:t>‹N›</a:t>
+            </a:fld>
+            <a:endParaRPr lang="it-IT"/>
+          </a:p>
+        </p:txBody>
+      </p:sp>
+    </p:spTree>
+    <p:extLst>
+      <p:ext uri="{BB962C8B-B14F-4D97-AF65-F5344CB8AC3E}">
+        <p14:creationId xmlns:p14="http://schemas.microsoft.com/office/powerpoint/2010/main" val="1475749032"/>
+      </p:ext>
+    </p:extLst>
+  </p:cSld>
+  <p:clrMap bg1="lt1" tx1="dk1" bg2="lt2" tx2="dk2" accent1="accent1" accent2="accent2" accent3="accent3" accent4="accent4" accent5="accent5" accent6="accent6" hlink="hlink" folHlink="folHlink"/>
+  <p:notesStyle>
+    <a:lvl1pPr marL="0" algn="l" defTabSz="914400" rtl="0" eaLnBrk="1" latinLnBrk="0" hangingPunct="1">
+      <a:defRPr sz="1200" kern="1200">
+        <a:solidFill>
+          <a:schemeClr val="tx1"/>
+        </a:solidFill>
+        <a:latin typeface="+mn-lt"/>
+        <a:ea typeface="+mn-ea"/>
+        <a:cs typeface="+mn-cs"/>
+      </a:defRPr>
+    </a:lvl1pPr>
+    <a:lvl2pPr marL="457200" algn="l" defTabSz="914400" rtl="0" eaLnBrk="1" latinLnBrk="0" hangingPunct="1">
+      <a:defRPr sz="1200" kern="1200">
+        <a:solidFill>
+          <a:schemeClr val="tx1"/>
+        </a:solidFill>
+        <a:latin typeface="+mn-lt"/>
+        <a:ea typeface="+mn-ea"/>
+        <a:cs typeface="+mn-cs"/>
+      </a:defRPr>
+    </a:lvl2pPr>
+    <a:lvl3pPr marL="914400" algn="l" defTabSz="914400" rtl="0" eaLnBrk="1" latinLnBrk="0" hangingPunct="1">
+      <a:defRPr sz="1200" kern="1200">
+        <a:solidFill>
+          <a:schemeClr val="tx1"/>
+        </a:solidFill>
+        <a:latin typeface="+mn-lt"/>
+        <a:ea typeface="+mn-ea"/>
+        <a:cs typeface="+mn-cs"/>
+      </a:defRPr>
+    </a:lvl3pPr>
+    <a:lvl4pPr marL="1371600" algn="l" defTabSz="914400" rtl="0" eaLnBrk="1" latinLnBrk="0" hangingPunct="1">
+      <a:defRPr sz="1200" kern="1200">
+        <a:solidFill>
+          <a:schemeClr val="tx1"/>
+        </a:solidFill>
+        <a:latin typeface="+mn-lt"/>
+        <a:ea typeface="+mn-ea"/>
+        <a:cs typeface="+mn-cs"/>
+      </a:defRPr>
+    </a:lvl4pPr>
+    <a:lvl5pPr marL="1828800" algn="l" defTabSz="914400" rtl="0" eaLnBrk="1" latinLnBrk="0" hangingPunct="1">
+      <a:defRPr sz="1200" kern="1200">
+        <a:solidFill>
+          <a:schemeClr val="tx1"/>
+        </a:solidFill>
+        <a:latin typeface="+mn-lt"/>
+        <a:ea typeface="+mn-ea"/>
+        <a:cs typeface="+mn-cs"/>
+      </a:defRPr>
+    </a:lvl5pPr>
+    <a:lvl6pPr marL="2286000" algn="l" defTabSz="914400" rtl="0" eaLnBrk="1" latinLnBrk="0" hangingPunct="1">
+      <a:defRPr sz="1200" kern="1200">
+        <a:solidFill>
+          <a:schemeClr val="tx1"/>
+        </a:solidFill>
+        <a:latin typeface="+mn-lt"/>
+        <a:ea typeface="+mn-ea"/>
+        <a:cs typeface="+mn-cs"/>
+      </a:defRPr>
+    </a:lvl6pPr>
+    <a:lvl7pPr marL="2743200" algn="l" defTabSz="914400" rtl="0" eaLnBrk="1" latinLnBrk="0" hangingPunct="1">
+      <a:defRPr sz="1200" kern="1200">
+        <a:solidFill>
+          <a:schemeClr val="tx1"/>
+        </a:solidFill>
+        <a:latin typeface="+mn-lt"/>
+        <a:ea typeface="+mn-ea"/>
+        <a:cs typeface="+mn-cs"/>
+      </a:defRPr>
+    </a:lvl7pPr>
+    <a:lvl8pPr marL="3200400" algn="l" defTabSz="914400" rtl="0" eaLnBrk="1" latinLnBrk="0" hangingPunct="1">
+      <a:defRPr sz="1200" kern="1200">
+        <a:solidFill>
+          <a:schemeClr val="tx1"/>
+        </a:solidFill>
+        <a:latin typeface="+mn-lt"/>
+        <a:ea typeface="+mn-ea"/>
+        <a:cs typeface="+mn-cs"/>
+      </a:defRPr>
+    </a:lvl8pPr>
+    <a:lvl9pPr marL="3657600" algn="l" defTabSz="914400" rtl="0" eaLnBrk="1" latinLnBrk="0" hangingPunct="1">
+      <a:defRPr sz="1200" kern="1200">
+        <a:solidFill>
+          <a:schemeClr val="tx1"/>
+        </a:solidFill>
+        <a:latin typeface="+mn-lt"/>
+        <a:ea typeface="+mn-ea"/>
+        <a:cs typeface="+mn-cs"/>
+      </a:defRPr>
+    </a:lvl9pPr>
+  </p:notesStyle>
+</p:notesMaster>
+</file>
+
+<file path=ppt/notesSlides/notesSlide1.xml><?xml version="1.0" encoding="utf-8"?>
+<p:notes xmlns:a="http://schemas.openxmlformats.org/drawingml/2006/main" xmlns:r="http://schemas.openxmlformats.org/officeDocument/2006/relationships" xmlns:p="http://schemas.openxmlformats.org/presentationml/2006/main">
+  <p:cSld>
+    <p:spTree>
+      <p:nvGrpSpPr>
+        <p:cNvPr id="1" name=""/>
+        <p:cNvGrpSpPr/>
+        <p:nvPr/>
+      </p:nvGrpSpPr>
+      <p:grpSpPr>
+        <a:xfrm>
+          <a:off x="0" y="0"/>
+          <a:ext cx="0" cy="0"/>
+          <a:chOff x="0" y="0"/>
+          <a:chExt cx="0" cy="0"/>
+        </a:xfrm>
+      </p:grpSpPr>
+      <p:sp>
+        <p:nvSpPr>
+          <p:cNvPr id="2" name="Segnaposto immagine diapositiva 1"/>
+          <p:cNvSpPr>
+            <a:spLocks noGrp="1" noRot="1" noChangeAspect="1"/>
+          </p:cNvSpPr>
+          <p:nvPr>
+            <p:ph type="sldImg"/>
+          </p:nvPr>
+        </p:nvSpPr>
+        <p:spPr/>
+      </p:sp>
+      <p:sp>
+        <p:nvSpPr>
+          <p:cNvPr id="3" name="Segnaposto note 2"/>
+          <p:cNvSpPr>
+            <a:spLocks noGrp="1"/>
+          </p:cNvSpPr>
+          <p:nvPr>
+            <p:ph type="body" idx="1"/>
+          </p:nvPr>
+        </p:nvSpPr>
+        <p:spPr/>
+        <p:txBody>
+          <a:bodyPr/>
+          <a:lstStyle/>
+          <a:p>
+            <a:endParaRPr lang="it-IT" dirty="0"/>
+          </a:p>
+        </p:txBody>
+      </p:sp>
+      <p:sp>
+        <p:nvSpPr>
+          <p:cNvPr id="4" name="Segnaposto numero diapositiva 3"/>
+          <p:cNvSpPr>
+            <a:spLocks noGrp="1"/>
+          </p:cNvSpPr>
+          <p:nvPr>
+            <p:ph type="sldNum" sz="quarter" idx="5"/>
+          </p:nvPr>
+        </p:nvSpPr>
+        <p:spPr/>
+        <p:txBody>
+          <a:bodyPr/>
+          <a:lstStyle/>
+          <a:p>
+            <a:fld id="{1390D436-F419-41D7-BF0B-7131BBFAEA6E}" type="slidenum">
+              <a:rPr lang="it-IT" smtClean="0"/>
+              <a:t>5</a:t>
+            </a:fld>
+            <a:endParaRPr lang="it-IT"/>
+          </a:p>
+        </p:txBody>
+      </p:sp>
+    </p:spTree>
+    <p:extLst>
+      <p:ext uri="{BB962C8B-B14F-4D97-AF65-F5344CB8AC3E}">
+        <p14:creationId xmlns:p14="http://schemas.microsoft.com/office/powerpoint/2010/main" val="123122533"/>
+      </p:ext>
+    </p:extLst>
+  </p:cSld>
+  <p:clrMapOvr>
+    <a:masterClrMapping/>
+  </p:clrMapOvr>
+</p:notes>
+</file>
+
+<file path=ppt/notesSlides/notesSlide2.xml><?xml version="1.0" encoding="utf-8"?>
+<p:notes xmlns:a="http://schemas.openxmlformats.org/drawingml/2006/main" xmlns:r="http://schemas.openxmlformats.org/officeDocument/2006/relationships" xmlns:p="http://schemas.openxmlformats.org/presentationml/2006/main">
+  <p:cSld>
+    <p:spTree>
+      <p:nvGrpSpPr>
+        <p:cNvPr id="1" name=""/>
+        <p:cNvGrpSpPr/>
+        <p:nvPr/>
+      </p:nvGrpSpPr>
+      <p:grpSpPr>
+        <a:xfrm>
+          <a:off x="0" y="0"/>
+          <a:ext cx="0" cy="0"/>
+          <a:chOff x="0" y="0"/>
+          <a:chExt cx="0" cy="0"/>
+        </a:xfrm>
+      </p:grpSpPr>
+      <p:sp>
+        <p:nvSpPr>
+          <p:cNvPr id="2" name="Segnaposto immagine diapositiva 1"/>
+          <p:cNvSpPr>
+            <a:spLocks noGrp="1" noRot="1" noChangeAspect="1"/>
+          </p:cNvSpPr>
+          <p:nvPr>
+            <p:ph type="sldImg"/>
+          </p:nvPr>
+        </p:nvSpPr>
+        <p:spPr/>
+      </p:sp>
+      <p:sp>
+        <p:nvSpPr>
+          <p:cNvPr id="3" name="Segnaposto note 2"/>
+          <p:cNvSpPr>
+            <a:spLocks noGrp="1"/>
+          </p:cNvSpPr>
+          <p:nvPr>
+            <p:ph type="body" idx="1"/>
+          </p:nvPr>
+        </p:nvSpPr>
+        <p:spPr/>
+        <p:txBody>
+          <a:bodyPr/>
+          <a:lstStyle/>
+          <a:p>
+            <a:endParaRPr lang="it-IT" dirty="0"/>
+          </a:p>
+        </p:txBody>
+      </p:sp>
+      <p:sp>
+        <p:nvSpPr>
+          <p:cNvPr id="4" name="Segnaposto numero diapositiva 3"/>
+          <p:cNvSpPr>
+            <a:spLocks noGrp="1"/>
+          </p:cNvSpPr>
+          <p:nvPr>
+            <p:ph type="sldNum" sz="quarter" idx="5"/>
+          </p:nvPr>
+        </p:nvSpPr>
+        <p:spPr/>
+        <p:txBody>
+          <a:bodyPr/>
+          <a:lstStyle/>
+          <a:p>
+            <a:fld id="{1390D436-F419-41D7-BF0B-7131BBFAEA6E}" type="slidenum">
+              <a:rPr lang="it-IT" smtClean="0"/>
+              <a:t>6</a:t>
+            </a:fld>
+            <a:endParaRPr lang="it-IT"/>
+          </a:p>
+        </p:txBody>
+      </p:sp>
+    </p:spTree>
+    <p:extLst>
+      <p:ext uri="{BB962C8B-B14F-4D97-AF65-F5344CB8AC3E}">
+        <p14:creationId xmlns:p14="http://schemas.microsoft.com/office/powerpoint/2010/main" val="2358087568"/>
+      </p:ext>
+    </p:extLst>
+  </p:cSld>
+  <p:clrMapOvr>
+    <a:masterClrMapping/>
+  </p:clrMapOvr>
+</p:notes>
+</file>
+
 <file path=ppt/slideLayouts/slideLayout1.xml><?xml version="1.0" encoding="utf-8"?>
 <p:sldLayout xmlns:a="http://schemas.openxmlformats.org/drawingml/2006/main" xmlns:r="http://schemas.openxmlformats.org/officeDocument/2006/relationships" xmlns:p="http://schemas.openxmlformats.org/presentationml/2006/main" type="title" preserve="1">
   <p:cSld name="Title Slide">
@@ -349,7 +868,7 @@
             <a:fld id="{1D8BD707-D9CF-40AE-B4C6-C98DA3205C09}" type="datetimeFigureOut">
               <a:rPr lang="en-US" smtClean="0"/>
               <a:pPr/>
-              <a:t>11/28/2021</a:t>
+              <a:t>11/30/2021</a:t>
             </a:fld>
             <a:endParaRPr lang="en-US"/>
           </a:p>
@@ -392,7 +911,7 @@
             <a:fld id="{B6F15528-21DE-4FAA-801E-634DDDAF4B2B}" type="slidenum">
               <a:rPr lang="en-US" smtClean="0"/>
               <a:pPr/>
-              <a:t>‹#›</a:t>
+              <a:t>‹N›</a:t>
             </a:fld>
             <a:endParaRPr lang="en-US"/>
           </a:p>
@@ -514,7 +1033,7 @@
             <a:fld id="{1D8BD707-D9CF-40AE-B4C6-C98DA3205C09}" type="datetimeFigureOut">
               <a:rPr lang="en-US" smtClean="0"/>
               <a:pPr/>
-              <a:t>11/28/2021</a:t>
+              <a:t>11/30/2021</a:t>
             </a:fld>
             <a:endParaRPr lang="en-US"/>
           </a:p>
@@ -557,7 +1076,7 @@
             <a:fld id="{B6F15528-21DE-4FAA-801E-634DDDAF4B2B}" type="slidenum">
               <a:rPr lang="en-US" smtClean="0"/>
               <a:pPr/>
-              <a:t>‹#›</a:t>
+              <a:t>‹N›</a:t>
             </a:fld>
             <a:endParaRPr lang="en-US"/>
           </a:p>
@@ -689,7 +1208,7 @@
             <a:fld id="{1D8BD707-D9CF-40AE-B4C6-C98DA3205C09}" type="datetimeFigureOut">
               <a:rPr lang="en-US" smtClean="0"/>
               <a:pPr/>
-              <a:t>11/28/2021</a:t>
+              <a:t>11/30/2021</a:t>
             </a:fld>
             <a:endParaRPr lang="en-US"/>
           </a:p>
@@ -732,7 +1251,7 @@
             <a:fld id="{B6F15528-21DE-4FAA-801E-634DDDAF4B2B}" type="slidenum">
               <a:rPr lang="en-US" smtClean="0"/>
               <a:pPr/>
-              <a:t>‹#›</a:t>
+              <a:t>‹N›</a:t>
             </a:fld>
             <a:endParaRPr lang="en-US"/>
           </a:p>
@@ -854,7 +1373,7 @@
             <a:fld id="{1D8BD707-D9CF-40AE-B4C6-C98DA3205C09}" type="datetimeFigureOut">
               <a:rPr lang="en-US" smtClean="0"/>
               <a:pPr/>
-              <a:t>11/28/2021</a:t>
+              <a:t>11/30/2021</a:t>
             </a:fld>
             <a:endParaRPr lang="en-US"/>
           </a:p>
@@ -897,7 +1416,7 @@
             <a:fld id="{B6F15528-21DE-4FAA-801E-634DDDAF4B2B}" type="slidenum">
               <a:rPr lang="en-US" smtClean="0"/>
               <a:pPr/>
-              <a:t>‹#›</a:t>
+              <a:t>‹N›</a:t>
             </a:fld>
             <a:endParaRPr lang="en-US"/>
           </a:p>
@@ -1096,7 +1615,7 @@
             <a:fld id="{1D8BD707-D9CF-40AE-B4C6-C98DA3205C09}" type="datetimeFigureOut">
               <a:rPr lang="en-US" smtClean="0"/>
               <a:pPr/>
-              <a:t>11/28/2021</a:t>
+              <a:t>11/30/2021</a:t>
             </a:fld>
             <a:endParaRPr lang="en-US"/>
           </a:p>
@@ -1139,7 +1658,7 @@
             <a:fld id="{B6F15528-21DE-4FAA-801E-634DDDAF4B2B}" type="slidenum">
               <a:rPr lang="en-US" smtClean="0"/>
               <a:pPr/>
-              <a:t>‹#›</a:t>
+              <a:t>‹N›</a:t>
             </a:fld>
             <a:endParaRPr lang="en-US"/>
           </a:p>
@@ -1378,7 +1897,7 @@
             <a:fld id="{1D8BD707-D9CF-40AE-B4C6-C98DA3205C09}" type="datetimeFigureOut">
               <a:rPr lang="en-US" smtClean="0"/>
               <a:pPr/>
-              <a:t>11/28/2021</a:t>
+              <a:t>11/30/2021</a:t>
             </a:fld>
             <a:endParaRPr lang="en-US"/>
           </a:p>
@@ -1421,7 +1940,7 @@
             <a:fld id="{B6F15528-21DE-4FAA-801E-634DDDAF4B2B}" type="slidenum">
               <a:rPr lang="en-US" smtClean="0"/>
               <a:pPr/>
-              <a:t>‹#›</a:t>
+              <a:t>‹N›</a:t>
             </a:fld>
             <a:endParaRPr lang="en-US"/>
           </a:p>
@@ -1794,7 +2313,7 @@
             <a:fld id="{1D8BD707-D9CF-40AE-B4C6-C98DA3205C09}" type="datetimeFigureOut">
               <a:rPr lang="en-US" smtClean="0"/>
               <a:pPr/>
-              <a:t>11/28/2021</a:t>
+              <a:t>11/30/2021</a:t>
             </a:fld>
             <a:endParaRPr lang="en-US"/>
           </a:p>
@@ -1837,7 +2356,7 @@
             <a:fld id="{B6F15528-21DE-4FAA-801E-634DDDAF4B2B}" type="slidenum">
               <a:rPr lang="en-US" smtClean="0"/>
               <a:pPr/>
-              <a:t>‹#›</a:t>
+              <a:t>‹N›</a:t>
             </a:fld>
             <a:endParaRPr lang="en-US"/>
           </a:p>
@@ -1908,7 +2427,7 @@
             <a:fld id="{1D8BD707-D9CF-40AE-B4C6-C98DA3205C09}" type="datetimeFigureOut">
               <a:rPr lang="en-US" smtClean="0"/>
               <a:pPr/>
-              <a:t>11/28/2021</a:t>
+              <a:t>11/30/2021</a:t>
             </a:fld>
             <a:endParaRPr lang="en-US"/>
           </a:p>
@@ -1951,7 +2470,7 @@
             <a:fld id="{B6F15528-21DE-4FAA-801E-634DDDAF4B2B}" type="slidenum">
               <a:rPr lang="en-US" smtClean="0"/>
               <a:pPr/>
-              <a:t>‹#›</a:t>
+              <a:t>‹N›</a:t>
             </a:fld>
             <a:endParaRPr lang="en-US"/>
           </a:p>
@@ -2000,7 +2519,7 @@
             <a:fld id="{1D8BD707-D9CF-40AE-B4C6-C98DA3205C09}" type="datetimeFigureOut">
               <a:rPr lang="en-US" smtClean="0"/>
               <a:pPr/>
-              <a:t>11/28/2021</a:t>
+              <a:t>11/30/2021</a:t>
             </a:fld>
             <a:endParaRPr lang="en-US"/>
           </a:p>
@@ -2043,7 +2562,7 @@
             <a:fld id="{B6F15528-21DE-4FAA-801E-634DDDAF4B2B}" type="slidenum">
               <a:rPr lang="en-US" smtClean="0"/>
               <a:pPr/>
-              <a:t>‹#›</a:t>
+              <a:t>‹N›</a:t>
             </a:fld>
             <a:endParaRPr lang="en-US"/>
           </a:p>
@@ -2272,7 +2791,7 @@
             <a:fld id="{1D8BD707-D9CF-40AE-B4C6-C98DA3205C09}" type="datetimeFigureOut">
               <a:rPr lang="en-US" smtClean="0"/>
               <a:pPr/>
-              <a:t>11/28/2021</a:t>
+              <a:t>11/30/2021</a:t>
             </a:fld>
             <a:endParaRPr lang="en-US"/>
           </a:p>
@@ -2315,7 +2834,7 @@
             <a:fld id="{B6F15528-21DE-4FAA-801E-634DDDAF4B2B}" type="slidenum">
               <a:rPr lang="en-US" smtClean="0"/>
               <a:pPr/>
-              <a:t>‹#›</a:t>
+              <a:t>‹N›</a:t>
             </a:fld>
             <a:endParaRPr lang="en-US"/>
           </a:p>
@@ -2521,7 +3040,7 @@
             <a:fld id="{1D8BD707-D9CF-40AE-B4C6-C98DA3205C09}" type="datetimeFigureOut">
               <a:rPr lang="en-US" smtClean="0"/>
               <a:pPr/>
-              <a:t>11/28/2021</a:t>
+              <a:t>11/30/2021</a:t>
             </a:fld>
             <a:endParaRPr lang="en-US"/>
           </a:p>
@@ -2564,7 +3083,7 @@
             <a:fld id="{B6F15528-21DE-4FAA-801E-634DDDAF4B2B}" type="slidenum">
               <a:rPr lang="en-US" smtClean="0"/>
               <a:pPr/>
-              <a:t>‹#›</a:t>
+              <a:t>‹N›</a:t>
             </a:fld>
             <a:endParaRPr lang="en-US"/>
           </a:p>
@@ -2582,9 +3101,12 @@
 <p:sldMaster xmlns:a="http://schemas.openxmlformats.org/drawingml/2006/main" xmlns:r="http://schemas.openxmlformats.org/officeDocument/2006/relationships" xmlns:p="http://schemas.openxmlformats.org/presentationml/2006/main">
   <p:cSld>
     <p:bg>
-      <p:bgRef idx="1001">
-        <a:schemeClr val="bg1"/>
-      </p:bgRef>
+      <p:bgPr>
+        <a:solidFill>
+          <a:srgbClr val="FF914D"/>
+        </a:solidFill>
+        <a:effectLst/>
+      </p:bgPr>
     </p:bg>
     <p:spTree>
       <p:nvGrpSpPr>
@@ -2729,7 +3251,7 @@
             <a:fld id="{1D8BD707-D9CF-40AE-B4C6-C98DA3205C09}" type="datetimeFigureOut">
               <a:rPr lang="en-US" smtClean="0"/>
               <a:pPr/>
-              <a:t>11/28/2021</a:t>
+              <a:t>11/30/2021</a:t>
             </a:fld>
             <a:endParaRPr lang="en-US"/>
           </a:p>
@@ -2808,7 +3330,7 @@
             <a:fld id="{B6F15528-21DE-4FAA-801E-634DDDAF4B2B}" type="slidenum">
               <a:rPr lang="en-US" smtClean="0"/>
               <a:pPr/>
-              <a:t>‹#›</a:t>
+              <a:t>‹N›</a:t>
             </a:fld>
             <a:endParaRPr lang="en-US"/>
           </a:p>
@@ -3086,14 +3608,6 @@
 <file path=ppt/slides/slide1.xml><?xml version="1.0" encoding="utf-8"?>
 <p:sld xmlns:a="http://schemas.openxmlformats.org/drawingml/2006/main" xmlns:r="http://schemas.openxmlformats.org/officeDocument/2006/relationships" xmlns:p="http://schemas.openxmlformats.org/presentationml/2006/main">
   <p:cSld>
-    <p:bg>
-      <p:bgPr>
-        <a:solidFill>
-          <a:srgbClr val="FF914D"/>
-        </a:solidFill>
-        <a:effectLst/>
-      </p:bgPr>
-    </p:bg>
     <p:spTree>
       <p:nvGrpSpPr>
         <p:cNvPr id="1" name=""/>
@@ -3556,423 +4070,9 @@
 </p:sld>
 </file>
 
-<file path=ppt/slides/slide10.xml><?xml version="1.0" encoding="utf-8"?>
-<p:sld xmlns:a="http://schemas.openxmlformats.org/drawingml/2006/main" xmlns:r="http://schemas.openxmlformats.org/officeDocument/2006/relationships" xmlns:p="http://schemas.openxmlformats.org/presentationml/2006/main">
-  <p:cSld>
-    <p:bg>
-      <p:bgPr>
-        <a:solidFill>
-          <a:srgbClr val="FF914D"/>
-        </a:solidFill>
-        <a:effectLst/>
-      </p:bgPr>
-    </p:bg>
-    <p:spTree>
-      <p:nvGrpSpPr>
-        <p:cNvPr id="1" name=""/>
-        <p:cNvGrpSpPr/>
-        <p:nvPr/>
-      </p:nvGrpSpPr>
-      <p:grpSpPr>
-        <a:xfrm>
-          <a:off x="0" y="0"/>
-          <a:ext cx="0" cy="0"/>
-          <a:chOff x="0" y="0"/>
-          <a:chExt cx="0" cy="0"/>
-        </a:xfrm>
-      </p:grpSpPr>
-      <p:grpSp>
-        <p:nvGrpSpPr>
-          <p:cNvPr id="2" name="Group 2"/>
-          <p:cNvGrpSpPr/>
-          <p:nvPr/>
-        </p:nvGrpSpPr>
-        <p:grpSpPr>
-          <a:xfrm>
-            <a:off x="0" y="0"/>
-            <a:ext cx="6502854" cy="10287000"/>
-            <a:chOff x="0" y="0"/>
-            <a:chExt cx="2199731" cy="3479800"/>
-          </a:xfrm>
-        </p:grpSpPr>
-        <p:sp>
-          <p:nvSpPr>
-            <p:cNvPr id="3" name="Freeform 3"/>
-            <p:cNvSpPr/>
-            <p:nvPr/>
-          </p:nvSpPr>
-          <p:spPr>
-            <a:xfrm>
-              <a:off x="0" y="0"/>
-              <a:ext cx="2199731" cy="3479800"/>
-            </a:xfrm>
-            <a:custGeom>
-              <a:avLst/>
-              <a:gdLst/>
-              <a:ahLst/>
-              <a:cxnLst/>
-              <a:rect l="l" t="t" r="r" b="b"/>
-              <a:pathLst>
-                <a:path w="2199731" h="3479800">
-                  <a:moveTo>
-                    <a:pt x="0" y="0"/>
-                  </a:moveTo>
-                  <a:lnTo>
-                    <a:pt x="2199731" y="0"/>
-                  </a:lnTo>
-                  <a:lnTo>
-                    <a:pt x="2199731" y="3479800"/>
-                  </a:lnTo>
-                  <a:lnTo>
-                    <a:pt x="0" y="3479800"/>
-                  </a:lnTo>
-                  <a:close/>
-                </a:path>
-              </a:pathLst>
-            </a:custGeom>
-            <a:solidFill>
-              <a:srgbClr val="004AAD"/>
-            </a:solidFill>
-          </p:spPr>
-        </p:sp>
-      </p:grpSp>
-      <p:pic>
-        <p:nvPicPr>
-          <p:cNvPr id="4" name="Picture 4"/>
-          <p:cNvPicPr>
-            <a:picLocks noChangeAspect="1"/>
-          </p:cNvPicPr>
-          <p:nvPr/>
-        </p:nvPicPr>
-        <p:blipFill>
-          <a:blip r:embed="rId2">
-            <a:extLst>
-              <a:ext uri="{28A0092B-C50C-407E-A947-70E740481C1C}">
-                <a14:useLocalDpi xmlns:a14="http://schemas.microsoft.com/office/drawing/2010/main" val="0"/>
-              </a:ext>
-              <a:ext uri="{96DAC541-7B7A-43D3-8B79-37D633B846F1}">
-                <asvg:svgBlip xmlns:asvg="http://schemas.microsoft.com/office/drawing/2016/SVG/main" r:embed="rId3"/>
-              </a:ext>
-            </a:extLst>
-          </a:blip>
-          <a:srcRect/>
-          <a:stretch>
-            <a:fillRect/>
-          </a:stretch>
-        </p:blipFill>
-        <p:spPr>
-          <a:xfrm>
-            <a:off x="1280064" y="1714500"/>
-            <a:ext cx="3942727" cy="4114800"/>
-          </a:xfrm>
-          <a:prstGeom prst="rect">
-            <a:avLst/>
-          </a:prstGeom>
-        </p:spPr>
-      </p:pic>
-      <p:sp>
-        <p:nvSpPr>
-          <p:cNvPr id="5" name="TextBox 5"/>
-          <p:cNvSpPr txBox="1"/>
-          <p:nvPr/>
-        </p:nvSpPr>
-        <p:spPr>
-          <a:xfrm>
-            <a:off x="10204581" y="3904615"/>
-            <a:ext cx="4083695" cy="1533525"/>
-          </a:xfrm>
-          <a:prstGeom prst="rect">
-            <a:avLst/>
-          </a:prstGeom>
-        </p:spPr>
-        <p:txBody>
-          <a:bodyPr lIns="0" tIns="0" rIns="0" bIns="0" rtlCol="0" anchor="t">
-            <a:spAutoFit/>
-          </a:bodyPr>
-          <a:lstStyle/>
-          <a:p>
-            <a:pPr algn="ctr">
-              <a:lnSpc>
-                <a:spcPts val="12599"/>
-              </a:lnSpc>
-            </a:pPr>
-            <a:r>
-              <a:rPr lang="en-US" sz="9000">
-                <a:solidFill>
-                  <a:srgbClr val="000000"/>
-                </a:solidFill>
-                <a:latin typeface="Open Sans Extra Bold"/>
-              </a:rPr>
-              <a:t>Grazie!</a:t>
-            </a:r>
-          </a:p>
-        </p:txBody>
-      </p:sp>
-      <p:sp>
-        <p:nvSpPr>
-          <p:cNvPr id="7" name="TextBox 7"/>
-          <p:cNvSpPr txBox="1"/>
-          <p:nvPr/>
-        </p:nvSpPr>
-        <p:spPr>
-          <a:xfrm>
-            <a:off x="1698483" y="6360020"/>
-            <a:ext cx="3681264" cy="2380615"/>
-          </a:xfrm>
-          <a:prstGeom prst="rect">
-            <a:avLst/>
-          </a:prstGeom>
-        </p:spPr>
-        <p:txBody>
-          <a:bodyPr lIns="0" tIns="0" rIns="0" bIns="0" rtlCol="0" anchor="t">
-            <a:spAutoFit/>
-          </a:bodyPr>
-          <a:lstStyle/>
-          <a:p>
-            <a:pPr algn="ctr">
-              <a:lnSpc>
-                <a:spcPts val="4759"/>
-              </a:lnSpc>
-            </a:pPr>
-            <a:r>
-              <a:rPr lang="en-US" sz="3399">
-                <a:solidFill>
-                  <a:srgbClr val="FFFFFF"/>
-                </a:solidFill>
-                <a:latin typeface="Open Sans Light"/>
-              </a:rPr>
-              <a:t>Bernardini Claudio</a:t>
-            </a:r>
-          </a:p>
-          <a:p>
-            <a:pPr algn="ctr">
-              <a:lnSpc>
-                <a:spcPts val="4759"/>
-              </a:lnSpc>
-            </a:pPr>
-            <a:r>
-              <a:rPr lang="en-US" sz="3399">
-                <a:solidFill>
-                  <a:srgbClr val="FFFFFF"/>
-                </a:solidFill>
-                <a:latin typeface="Open Sans Light"/>
-              </a:rPr>
-              <a:t>Corsetti Luca</a:t>
-            </a:r>
-          </a:p>
-          <a:p>
-            <a:pPr algn="ctr">
-              <a:lnSpc>
-                <a:spcPts val="4759"/>
-              </a:lnSpc>
-            </a:pPr>
-            <a:r>
-              <a:rPr lang="en-US" sz="3399">
-                <a:solidFill>
-                  <a:srgbClr val="FFFFFF"/>
-                </a:solidFill>
-                <a:latin typeface="Open Sans Light"/>
-              </a:rPr>
-              <a:t> Giardina Gianluca</a:t>
-            </a:r>
-          </a:p>
-          <a:p>
-            <a:pPr algn="ctr">
-              <a:lnSpc>
-                <a:spcPts val="4759"/>
-              </a:lnSpc>
-            </a:pPr>
-            <a:r>
-              <a:rPr lang="en-US" sz="3399">
-                <a:solidFill>
-                  <a:srgbClr val="FFFFFF"/>
-                </a:solidFill>
-                <a:latin typeface="Open Sans Light"/>
-              </a:rPr>
-              <a:t>Straccali Leonardo </a:t>
-            </a:r>
-          </a:p>
-        </p:txBody>
-      </p:sp>
-      <p:sp>
-        <p:nvSpPr>
-          <p:cNvPr id="8" name="TextBox 8"/>
-          <p:cNvSpPr txBox="1"/>
-          <p:nvPr/>
-        </p:nvSpPr>
-        <p:spPr>
-          <a:xfrm>
-            <a:off x="13793242" y="448310"/>
-            <a:ext cx="3718471" cy="580390"/>
-          </a:xfrm>
-          <a:prstGeom prst="rect">
-            <a:avLst/>
-          </a:prstGeom>
-        </p:spPr>
-        <p:txBody>
-          <a:bodyPr lIns="0" tIns="0" rIns="0" bIns="0" rtlCol="0" anchor="t">
-            <a:spAutoFit/>
-          </a:bodyPr>
-          <a:lstStyle/>
-          <a:p>
-            <a:pPr algn="ctr">
-              <a:lnSpc>
-                <a:spcPts val="4759"/>
-              </a:lnSpc>
-            </a:pPr>
-            <a:r>
-              <a:rPr lang="en-US" sz="3350" dirty="0">
-                <a:solidFill>
-                  <a:srgbClr val="000000"/>
-                </a:solidFill>
-                <a:latin typeface="Open Sans Light"/>
-              </a:rPr>
-              <a:t>30 Novembre 2021</a:t>
-            </a:r>
-          </a:p>
-        </p:txBody>
-      </p:sp>
-      <p:grpSp>
-        <p:nvGrpSpPr>
-          <p:cNvPr id="9" name="Group 9"/>
-          <p:cNvGrpSpPr/>
-          <p:nvPr/>
-        </p:nvGrpSpPr>
-        <p:grpSpPr>
-          <a:xfrm>
-            <a:off x="16658290" y="8740635"/>
-            <a:ext cx="1289957" cy="1289957"/>
-            <a:chOff x="0" y="0"/>
-            <a:chExt cx="1719943" cy="1719943"/>
-          </a:xfrm>
-        </p:grpSpPr>
-        <p:grpSp>
-          <p:nvGrpSpPr>
-            <p:cNvPr id="10" name="Group 10"/>
-            <p:cNvGrpSpPr/>
-            <p:nvPr/>
-          </p:nvGrpSpPr>
-          <p:grpSpPr>
-            <a:xfrm>
-              <a:off x="0" y="0"/>
-              <a:ext cx="1719943" cy="1719943"/>
-              <a:chOff x="0" y="0"/>
-              <a:chExt cx="6350000" cy="6350000"/>
-            </a:xfrm>
-          </p:grpSpPr>
-          <p:sp>
-            <p:nvSpPr>
-              <p:cNvPr id="11" name="Freeform 11"/>
-              <p:cNvSpPr/>
-              <p:nvPr/>
-            </p:nvSpPr>
-            <p:spPr>
-              <a:xfrm>
-                <a:off x="14167" y="0"/>
-                <a:ext cx="6321665" cy="6350000"/>
-              </a:xfrm>
-              <a:custGeom>
-                <a:avLst/>
-                <a:gdLst/>
-                <a:ahLst/>
-                <a:cxnLst/>
-                <a:rect l="l" t="t" r="r" b="b"/>
-                <a:pathLst>
-                  <a:path w="6321665" h="6350000">
-                    <a:moveTo>
-                      <a:pt x="3160833" y="0"/>
-                    </a:moveTo>
-                    <a:lnTo>
-                      <a:pt x="3160833" y="0"/>
-                    </a:lnTo>
-                    <a:cubicBezTo>
-                      <a:pt x="4908795" y="7817"/>
-                      <a:pt x="6321666" y="1427021"/>
-                      <a:pt x="6321666" y="3175000"/>
-                    </a:cubicBezTo>
-                    <a:cubicBezTo>
-                      <a:pt x="6321666" y="4922979"/>
-                      <a:pt x="4908795" y="6342183"/>
-                      <a:pt x="3160833" y="6350000"/>
-                    </a:cubicBezTo>
-                    <a:cubicBezTo>
-                      <a:pt x="1412871" y="6342183"/>
-                      <a:pt x="0" y="4922979"/>
-                      <a:pt x="0" y="3175000"/>
-                    </a:cubicBezTo>
-                    <a:cubicBezTo>
-                      <a:pt x="0" y="1427021"/>
-                      <a:pt x="1412871" y="7817"/>
-                      <a:pt x="3160833" y="0"/>
-                    </a:cubicBezTo>
-                    <a:close/>
-                  </a:path>
-                </a:pathLst>
-              </a:custGeom>
-              <a:solidFill>
-                <a:srgbClr val="004AAD"/>
-              </a:solidFill>
-            </p:spPr>
-          </p:sp>
-        </p:grpSp>
-        <p:sp>
-          <p:nvSpPr>
-            <p:cNvPr id="12" name="TextBox 12"/>
-            <p:cNvSpPr txBox="1"/>
-            <p:nvPr/>
-          </p:nvSpPr>
-          <p:spPr>
-            <a:xfrm>
-              <a:off x="350345" y="477173"/>
-              <a:ext cx="1019250" cy="765595"/>
-            </a:xfrm>
-            <a:prstGeom prst="rect">
-              <a:avLst/>
-            </a:prstGeom>
-          </p:spPr>
-          <p:txBody>
-            <a:bodyPr wrap="square" lIns="0" tIns="0" rIns="0" bIns="0" rtlCol="0" anchor="t">
-              <a:spAutoFit/>
-            </a:bodyPr>
-            <a:lstStyle/>
-            <a:p>
-              <a:pPr algn="ctr">
-                <a:lnSpc>
-                  <a:spcPts val="4759"/>
-                </a:lnSpc>
-              </a:pPr>
-              <a:r>
-                <a:rPr lang="en-US" sz="3399" dirty="0">
-                  <a:solidFill>
-                    <a:srgbClr val="FFFFFF"/>
-                  </a:solidFill>
-                  <a:latin typeface="Open Sans Light Bold"/>
-                </a:rPr>
-                <a:t>10</a:t>
-              </a:r>
-            </a:p>
-          </p:txBody>
-        </p:sp>
-      </p:grpSp>
-    </p:spTree>
-  </p:cSld>
-  <p:clrMapOvr>
-    <a:masterClrMapping/>
-  </p:clrMapOvr>
-</p:sld>
-</file>
-
 <file path=ppt/slides/slide2.xml><?xml version="1.0" encoding="utf-8"?>
 <p:sld xmlns:a="http://schemas.openxmlformats.org/drawingml/2006/main" xmlns:r="http://schemas.openxmlformats.org/officeDocument/2006/relationships" xmlns:p="http://schemas.openxmlformats.org/presentationml/2006/main">
   <p:cSld>
-    <p:bg>
-      <p:bgPr>
-        <a:solidFill>
-          <a:srgbClr val="FF914D"/>
-        </a:solidFill>
-        <a:effectLst/>
-      </p:bgPr>
-    </p:bg>
     <p:spTree>
       <p:nvGrpSpPr>
         <p:cNvPr id="1" name=""/>
@@ -4984,14 +5084,6 @@
 <file path=ppt/slides/slide3.xml><?xml version="1.0" encoding="utf-8"?>
 <p:sld xmlns:a="http://schemas.openxmlformats.org/drawingml/2006/main" xmlns:r="http://schemas.openxmlformats.org/officeDocument/2006/relationships" xmlns:p="http://schemas.openxmlformats.org/presentationml/2006/main">
   <p:cSld>
-    <p:bg>
-      <p:bgPr>
-        <a:solidFill>
-          <a:srgbClr val="FF914D"/>
-        </a:solidFill>
-        <a:effectLst/>
-      </p:bgPr>
-    </p:bg>
     <p:spTree>
       <p:nvGrpSpPr>
         <p:cNvPr id="1" name=""/>
@@ -5061,6 +5153,228 @@
           </p:spPr>
         </p:sp>
       </p:grpSp>
+      <p:sp>
+        <p:nvSpPr>
+          <p:cNvPr id="9" name="TextBox 9"/>
+          <p:cNvSpPr txBox="1"/>
+          <p:nvPr/>
+        </p:nvSpPr>
+        <p:spPr>
+          <a:xfrm>
+            <a:off x="191450" y="4991100"/>
+            <a:ext cx="8237897" cy="874214"/>
+          </a:xfrm>
+          <a:prstGeom prst="rect">
+            <a:avLst/>
+          </a:prstGeom>
+        </p:spPr>
+        <p:txBody>
+          <a:bodyPr wrap="square" lIns="0" tIns="0" rIns="0" bIns="0" rtlCol="0" anchor="t">
+            <a:spAutoFit/>
+          </a:bodyPr>
+          <a:lstStyle/>
+          <a:p>
+            <a:pPr>
+              <a:lnSpc>
+                <a:spcPts val="7279"/>
+              </a:lnSpc>
+            </a:pPr>
+            <a:r>
+              <a:rPr lang="en-US" sz="5199" dirty="0" err="1">
+                <a:latin typeface="Open Sans"/>
+              </a:rPr>
+              <a:t>RegistryRemotoTagServer</a:t>
+            </a:r>
+            <a:endParaRPr lang="en-US" sz="5199" dirty="0">
+              <a:latin typeface="Open Sans"/>
+            </a:endParaRPr>
+          </a:p>
+        </p:txBody>
+      </p:sp>
+      <p:sp>
+        <p:nvSpPr>
+          <p:cNvPr id="45" name="TextBox 9">
+            <a:extLst>
+              <a:ext uri="{FF2B5EF4-FFF2-40B4-BE49-F238E27FC236}">
+                <a16:creationId xmlns:a16="http://schemas.microsoft.com/office/drawing/2014/main" id="{3BCB89D9-BB6F-4555-A476-0FC512CA9E56}"/>
+              </a:ext>
+            </a:extLst>
+          </p:cNvPr>
+          <p:cNvSpPr txBox="1"/>
+          <p:nvPr/>
+        </p:nvSpPr>
+        <p:spPr>
+          <a:xfrm>
+            <a:off x="296080" y="216330"/>
+            <a:ext cx="8237897" cy="874214"/>
+          </a:xfrm>
+          <a:prstGeom prst="rect">
+            <a:avLst/>
+          </a:prstGeom>
+        </p:spPr>
+        <p:txBody>
+          <a:bodyPr wrap="square" lIns="0" tIns="0" rIns="0" bIns="0" rtlCol="0" anchor="t">
+            <a:spAutoFit/>
+          </a:bodyPr>
+          <a:lstStyle/>
+          <a:p>
+            <a:pPr>
+              <a:lnSpc>
+                <a:spcPts val="7279"/>
+              </a:lnSpc>
+            </a:pPr>
+            <a:r>
+              <a:rPr lang="en-US" sz="5199" dirty="0" err="1">
+                <a:latin typeface="Open Sans"/>
+              </a:rPr>
+              <a:t>RegistryRemotoTagClient</a:t>
+            </a:r>
+            <a:endParaRPr lang="en-US" sz="5199" dirty="0">
+              <a:latin typeface="Open Sans"/>
+            </a:endParaRPr>
+          </a:p>
+        </p:txBody>
+      </p:sp>
+      <p:pic>
+        <p:nvPicPr>
+          <p:cNvPr id="51" name="Immagine 50">
+            <a:extLst>
+              <a:ext uri="{FF2B5EF4-FFF2-40B4-BE49-F238E27FC236}">
+                <a16:creationId xmlns:a16="http://schemas.microsoft.com/office/drawing/2014/main" id="{912C8309-A32C-4EF7-B981-883CFC1D5BD9}"/>
+              </a:ext>
+            </a:extLst>
+          </p:cNvPr>
+          <p:cNvPicPr>
+            <a:picLocks noChangeAspect="1"/>
+          </p:cNvPicPr>
+          <p:nvPr/>
+        </p:nvPicPr>
+        <p:blipFill>
+          <a:blip r:embed="rId2"/>
+          <a:stretch>
+            <a:fillRect/>
+          </a:stretch>
+        </p:blipFill>
+        <p:spPr>
+          <a:xfrm>
+            <a:off x="151977" y="7124700"/>
+            <a:ext cx="8382000" cy="2066925"/>
+          </a:xfrm>
+          <a:prstGeom prst="rect">
+            <a:avLst/>
+          </a:prstGeom>
+        </p:spPr>
+      </p:pic>
+      <p:pic>
+        <p:nvPicPr>
+          <p:cNvPr id="55" name="Immagine 54">
+            <a:extLst>
+              <a:ext uri="{FF2B5EF4-FFF2-40B4-BE49-F238E27FC236}">
+                <a16:creationId xmlns:a16="http://schemas.microsoft.com/office/drawing/2014/main" id="{79156FAF-5C70-470B-9FFB-560EB13B5874}"/>
+              </a:ext>
+            </a:extLst>
+          </p:cNvPr>
+          <p:cNvPicPr>
+            <a:picLocks noChangeAspect="1"/>
+          </p:cNvPicPr>
+          <p:nvPr/>
+        </p:nvPicPr>
+        <p:blipFill>
+          <a:blip r:embed="rId3"/>
+          <a:stretch>
+            <a:fillRect/>
+          </a:stretch>
+        </p:blipFill>
+        <p:spPr>
+          <a:xfrm>
+            <a:off x="318664" y="2083889"/>
+            <a:ext cx="8048625" cy="1647825"/>
+          </a:xfrm>
+          <a:prstGeom prst="rect">
+            <a:avLst/>
+          </a:prstGeom>
+        </p:spPr>
+      </p:pic>
+      <p:pic>
+        <p:nvPicPr>
+          <p:cNvPr id="62" name="Immagine 61">
+            <a:extLst>
+              <a:ext uri="{FF2B5EF4-FFF2-40B4-BE49-F238E27FC236}">
+                <a16:creationId xmlns:a16="http://schemas.microsoft.com/office/drawing/2014/main" id="{7C386F95-8C09-4A9C-A64B-4B9F8B60A8AF}"/>
+              </a:ext>
+            </a:extLst>
+          </p:cNvPr>
+          <p:cNvPicPr>
+            <a:picLocks noChangeAspect="1"/>
+          </p:cNvPicPr>
+          <p:nvPr/>
+        </p:nvPicPr>
+        <p:blipFill>
+          <a:blip r:embed="rId4"/>
+          <a:stretch>
+            <a:fillRect/>
+          </a:stretch>
+        </p:blipFill>
+        <p:spPr>
+          <a:xfrm>
+            <a:off x="9067800" y="1362292"/>
+            <a:ext cx="8620593" cy="8714936"/>
+          </a:xfrm>
+          <a:prstGeom prst="rect">
+            <a:avLst/>
+          </a:prstGeom>
+        </p:spPr>
+      </p:pic>
+      <p:sp>
+        <p:nvSpPr>
+          <p:cNvPr id="58" name="TextBox 9">
+            <a:extLst>
+              <a:ext uri="{FF2B5EF4-FFF2-40B4-BE49-F238E27FC236}">
+                <a16:creationId xmlns:a16="http://schemas.microsoft.com/office/drawing/2014/main" id="{8B41B30E-C240-4F20-A7EF-4C7C3F49C78D}"/>
+              </a:ext>
+            </a:extLst>
+          </p:cNvPr>
+          <p:cNvSpPr txBox="1"/>
+          <p:nvPr/>
+        </p:nvSpPr>
+        <p:spPr>
+          <a:xfrm>
+            <a:off x="9055846" y="207422"/>
+            <a:ext cx="8237897" cy="874214"/>
+          </a:xfrm>
+          <a:prstGeom prst="rect">
+            <a:avLst/>
+          </a:prstGeom>
+        </p:spPr>
+        <p:txBody>
+          <a:bodyPr wrap="square" lIns="0" tIns="0" rIns="0" bIns="0" rtlCol="0" anchor="t">
+            <a:spAutoFit/>
+          </a:bodyPr>
+          <a:lstStyle/>
+          <a:p>
+            <a:pPr>
+              <a:lnSpc>
+                <a:spcPts val="7279"/>
+              </a:lnSpc>
+            </a:pPr>
+            <a:r>
+              <a:rPr lang="en-US" sz="5199" dirty="0" err="1">
+                <a:solidFill>
+                  <a:schemeClr val="bg1"/>
+                </a:solidFill>
+                <a:latin typeface="Open Sans"/>
+              </a:rPr>
+              <a:t>RegistryRemotoTagImpl</a:t>
+            </a:r>
+            <a:endParaRPr lang="en-US" sz="5199" dirty="0">
+              <a:solidFill>
+                <a:schemeClr val="bg1"/>
+              </a:solidFill>
+              <a:latin typeface="Open Sans"/>
+            </a:endParaRPr>
+          </a:p>
+        </p:txBody>
+      </p:sp>
       <p:grpSp>
         <p:nvGrpSpPr>
           <p:cNvPr id="4" name="Group 4"/>
@@ -5183,213 +5497,51 @@
           </p:txBody>
         </p:sp>
       </p:grpSp>
-      <p:sp>
-        <p:nvSpPr>
-          <p:cNvPr id="8" name="TextBox 8"/>
-          <p:cNvSpPr txBox="1"/>
-          <p:nvPr/>
-        </p:nvSpPr>
-        <p:spPr>
-          <a:xfrm>
-            <a:off x="383721" y="516255"/>
-            <a:ext cx="6282867" cy="920115"/>
-          </a:xfrm>
-          <a:prstGeom prst="rect">
-            <a:avLst/>
-          </a:prstGeom>
-        </p:spPr>
-        <p:txBody>
-          <a:bodyPr lIns="0" tIns="0" rIns="0" bIns="0" rtlCol="0" anchor="t">
-            <a:spAutoFit/>
-          </a:bodyPr>
-          <a:lstStyle/>
-          <a:p>
-            <a:pPr>
-              <a:lnSpc>
-                <a:spcPts val="7559"/>
-              </a:lnSpc>
-            </a:pPr>
-            <a:r>
-              <a:rPr lang="en-US" sz="5400" b="1" dirty="0" err="1">
-                <a:latin typeface="Open Sans Extra Bold"/>
-                <a:ea typeface="+mn-lt"/>
-                <a:cs typeface="+mn-lt"/>
-              </a:rPr>
-              <a:t>cercaTag</a:t>
-            </a:r>
-            <a:r>
-              <a:rPr lang="en-US" sz="5400" b="1" dirty="0">
-                <a:latin typeface="Open Sans Extra Bold"/>
-                <a:ea typeface="+mn-lt"/>
-                <a:cs typeface="+mn-lt"/>
-              </a:rPr>
-              <a:t>(tag)</a:t>
-            </a:r>
-            <a:endParaRPr lang="en-US" b="1" dirty="0">
-              <a:latin typeface="Open Sans Extra Bold"/>
-            </a:endParaRPr>
-          </a:p>
-        </p:txBody>
-      </p:sp>
-      <p:sp>
-        <p:nvSpPr>
-          <p:cNvPr id="9" name="TextBox 9"/>
-          <p:cNvSpPr txBox="1"/>
-          <p:nvPr/>
-        </p:nvSpPr>
-        <p:spPr>
-          <a:xfrm>
-            <a:off x="383721" y="1884589"/>
-            <a:ext cx="2511879" cy="877570"/>
-          </a:xfrm>
-          <a:prstGeom prst="rect">
-            <a:avLst/>
-          </a:prstGeom>
-        </p:spPr>
-        <p:txBody>
-          <a:bodyPr wrap="square" lIns="0" tIns="0" rIns="0" bIns="0" rtlCol="0" anchor="t">
-            <a:spAutoFit/>
-          </a:bodyPr>
-          <a:lstStyle/>
-          <a:p>
-            <a:pPr>
-              <a:lnSpc>
-                <a:spcPts val="7279"/>
-              </a:lnSpc>
-            </a:pPr>
-            <a:r>
-              <a:rPr lang="en-US" sz="5199" dirty="0" err="1">
-                <a:solidFill>
-                  <a:srgbClr val="000000"/>
-                </a:solidFill>
-                <a:latin typeface="Open Sans"/>
-              </a:rPr>
-              <a:t>Cliente</a:t>
-            </a:r>
-            <a:endParaRPr lang="en-US" sz="5199" dirty="0">
-              <a:solidFill>
-                <a:srgbClr val="000000"/>
-              </a:solidFill>
-              <a:latin typeface="Open Sans"/>
-            </a:endParaRPr>
-          </a:p>
-        </p:txBody>
-      </p:sp>
-      <p:sp>
-        <p:nvSpPr>
-          <p:cNvPr id="10" name="TextBox 10"/>
-          <p:cNvSpPr txBox="1"/>
-          <p:nvPr/>
-        </p:nvSpPr>
-        <p:spPr>
-          <a:xfrm>
-            <a:off x="9128949" y="558800"/>
-            <a:ext cx="2759273" cy="877570"/>
-          </a:xfrm>
-          <a:prstGeom prst="rect">
-            <a:avLst/>
-          </a:prstGeom>
-        </p:spPr>
-        <p:txBody>
-          <a:bodyPr lIns="0" tIns="0" rIns="0" bIns="0" rtlCol="0" anchor="t">
-            <a:spAutoFit/>
-          </a:bodyPr>
-          <a:lstStyle/>
-          <a:p>
-            <a:pPr>
-              <a:lnSpc>
-                <a:spcPts val="7279"/>
-              </a:lnSpc>
-            </a:pPr>
-            <a:r>
-              <a:rPr lang="en-US" sz="5199" dirty="0" err="1">
-                <a:solidFill>
-                  <a:srgbClr val="FFFFFF"/>
-                </a:solidFill>
-                <a:latin typeface="Open Sans"/>
-              </a:rPr>
-              <a:t>Servitore</a:t>
-            </a:r>
-            <a:endParaRPr lang="en-US" sz="5199" dirty="0">
-              <a:solidFill>
-                <a:srgbClr val="FFFFFF"/>
-              </a:solidFill>
-              <a:latin typeface="Open Sans"/>
-            </a:endParaRPr>
-          </a:p>
-        </p:txBody>
-      </p:sp>
-      <p:sp>
-        <p:nvSpPr>
-          <p:cNvPr id="11" name="TextBox 11"/>
-          <p:cNvSpPr txBox="1"/>
-          <p:nvPr/>
-        </p:nvSpPr>
-        <p:spPr>
-          <a:xfrm>
-            <a:off x="10508586" y="8604205"/>
-            <a:ext cx="6387405" cy="949089"/>
-          </a:xfrm>
-          <a:prstGeom prst="rect">
-            <a:avLst/>
-          </a:prstGeom>
-        </p:spPr>
-        <p:txBody>
-          <a:bodyPr lIns="0" tIns="0" rIns="0" bIns="0" rtlCol="0" anchor="t">
-            <a:spAutoFit/>
-          </a:bodyPr>
-          <a:lstStyle/>
-          <a:p>
-            <a:pPr>
-              <a:lnSpc>
-                <a:spcPts val="3863"/>
-              </a:lnSpc>
-            </a:pPr>
-            <a:r>
-              <a:rPr lang="en-US" sz="2759">
-                <a:solidFill>
-                  <a:srgbClr val="FFFFFF"/>
-                </a:solidFill>
-                <a:latin typeface="Open Sans Light"/>
-              </a:rPr>
-              <a:t>Elaborazione richiesta e restituzione del </a:t>
-            </a:r>
-          </a:p>
-          <a:p>
-            <a:pPr>
-              <a:lnSpc>
-                <a:spcPts val="3863"/>
-              </a:lnSpc>
-            </a:pPr>
-            <a:r>
-              <a:rPr lang="en-US" sz="2759">
-                <a:solidFill>
-                  <a:srgbClr val="FFFFFF"/>
-                </a:solidFill>
-                <a:latin typeface="Open Sans Light"/>
-              </a:rPr>
-              <a:t>risultato</a:t>
-            </a:r>
-          </a:p>
-        </p:txBody>
-      </p:sp>
+    </p:spTree>
+  </p:cSld>
+  <p:clrMapOvr>
+    <a:masterClrMapping/>
+  </p:clrMapOvr>
+</p:sld>
+</file>
+
+<file path=ppt/slides/slide4.xml><?xml version="1.0" encoding="utf-8"?>
+<p:sld xmlns:a="http://schemas.openxmlformats.org/drawingml/2006/main" xmlns:r="http://schemas.openxmlformats.org/officeDocument/2006/relationships" xmlns:p="http://schemas.openxmlformats.org/presentationml/2006/main">
+  <p:cSld>
+    <p:spTree>
+      <p:nvGrpSpPr>
+        <p:cNvPr id="1" name=""/>
+        <p:cNvGrpSpPr/>
+        <p:nvPr/>
+      </p:nvGrpSpPr>
+      <p:grpSpPr>
+        <a:xfrm>
+          <a:off x="0" y="0"/>
+          <a:ext cx="0" cy="0"/>
+          <a:chOff x="0" y="0"/>
+          <a:chExt cx="0" cy="0"/>
+        </a:xfrm>
+      </p:grpSpPr>
       <p:grpSp>
         <p:nvGrpSpPr>
-          <p:cNvPr id="12" name="Group 12"/>
+          <p:cNvPr id="4" name="Group 4"/>
           <p:cNvGrpSpPr/>
           <p:nvPr/>
         </p:nvGrpSpPr>
         <p:grpSpPr>
           <a:xfrm>
-            <a:off x="395375" y="2969434"/>
+            <a:off x="16648765" y="8740635"/>
             <a:ext cx="1289957" cy="1289957"/>
             <a:chOff x="0" y="0"/>
             <a:chExt cx="1719943" cy="1719943"/>
           </a:xfrm>
+          <a:solidFill>
+            <a:srgbClr val="004AAD"/>
+          </a:solidFill>
         </p:grpSpPr>
         <p:grpSp>
           <p:nvGrpSpPr>
-            <p:cNvPr id="13" name="Group 13"/>
+            <p:cNvPr id="5" name="Group 5"/>
             <p:cNvGrpSpPr/>
             <p:nvPr/>
           </p:nvGrpSpPr>
@@ -5400,10 +5552,11 @@
               <a:chOff x="0" y="0"/>
               <a:chExt cx="6350000" cy="6350000"/>
             </a:xfrm>
+            <a:grpFill/>
           </p:grpSpPr>
           <p:sp>
             <p:nvSpPr>
-              <p:cNvPr id="14" name="Freeform 14"/>
+              <p:cNvPr id="6" name="Freeform 6"/>
               <p:cNvSpPr/>
               <p:nvPr/>
             </p:nvSpPr>
@@ -5450,252 +5603,25 @@
                   </a:path>
                 </a:pathLst>
               </a:custGeom>
-              <a:solidFill>
-                <a:srgbClr val="004AAD"/>
-              </a:solidFill>
+              <a:grpFill/>
             </p:spPr>
           </p:sp>
         </p:grpSp>
         <p:sp>
           <p:nvSpPr>
-            <p:cNvPr id="15" name="TextBox 15"/>
+            <p:cNvPr id="7" name="TextBox 7"/>
             <p:cNvSpPr txBox="1"/>
             <p:nvPr/>
           </p:nvSpPr>
           <p:spPr>
             <a:xfrm>
               <a:off x="696856" y="450820"/>
-              <a:ext cx="326231" cy="751628"/>
+              <a:ext cx="326231" cy="765595"/>
             </a:xfrm>
             <a:prstGeom prst="rect">
               <a:avLst/>
             </a:prstGeom>
-          </p:spPr>
-          <p:txBody>
-            <a:bodyPr lIns="0" tIns="0" rIns="0" bIns="0" rtlCol="0" anchor="t">
-              <a:spAutoFit/>
-            </a:bodyPr>
-            <a:lstStyle/>
-            <a:p>
-              <a:pPr algn="ctr">
-                <a:lnSpc>
-                  <a:spcPts val="4759"/>
-                </a:lnSpc>
-              </a:pPr>
-              <a:r>
-                <a:rPr lang="en-US" sz="3399">
-                  <a:solidFill>
-                    <a:srgbClr val="FFFFFF"/>
-                  </a:solidFill>
-                  <a:latin typeface="Open Sans Light Bold"/>
-                </a:rPr>
-                <a:t>1</a:t>
-              </a:r>
-            </a:p>
-          </p:txBody>
-        </p:sp>
-      </p:grpSp>
-      <p:sp>
-        <p:nvSpPr>
-          <p:cNvPr id="16" name="TextBox 16"/>
-          <p:cNvSpPr txBox="1"/>
-          <p:nvPr/>
-        </p:nvSpPr>
-        <p:spPr>
-          <a:xfrm>
-            <a:off x="1962451" y="3116056"/>
-            <a:ext cx="6153852" cy="949089"/>
-          </a:xfrm>
-          <a:prstGeom prst="rect">
-            <a:avLst/>
-          </a:prstGeom>
-        </p:spPr>
-        <p:txBody>
-          <a:bodyPr lIns="0" tIns="0" rIns="0" bIns="0" rtlCol="0" anchor="t">
-            <a:spAutoFit/>
-          </a:bodyPr>
-          <a:lstStyle/>
-          <a:p>
-            <a:pPr>
-              <a:lnSpc>
-                <a:spcPts val="3863"/>
-              </a:lnSpc>
-              <a:spcBef>
-                <a:spcPct val="0"/>
-              </a:spcBef>
-            </a:pPr>
-            <a:r>
-              <a:rPr lang="en-US" sz="2759" dirty="0" err="1">
-                <a:solidFill>
-                  <a:srgbClr val="000000"/>
-                </a:solidFill>
-                <a:latin typeface="Open Sans Light"/>
-              </a:rPr>
-              <a:t>Recupero</a:t>
-            </a:r>
-            <a:r>
-              <a:rPr lang="en-US" sz="2759" dirty="0">
-                <a:solidFill>
-                  <a:srgbClr val="000000"/>
-                </a:solidFill>
-                <a:latin typeface="Open Sans Light"/>
-              </a:rPr>
-              <a:t> </a:t>
-            </a:r>
-            <a:r>
-              <a:rPr lang="en-US" sz="2759" dirty="0" err="1">
-                <a:solidFill>
-                  <a:srgbClr val="000000"/>
-                </a:solidFill>
-                <a:latin typeface="Open Sans Light"/>
-              </a:rPr>
-              <a:t>riferimento</a:t>
-            </a:r>
-            <a:r>
-              <a:rPr lang="en-US" sz="2759" dirty="0">
-                <a:solidFill>
-                  <a:srgbClr val="000000"/>
-                </a:solidFill>
-                <a:latin typeface="Open Sans Light"/>
-              </a:rPr>
-              <a:t> </a:t>
-            </a:r>
-            <a:r>
-              <a:rPr lang="en-US" sz="2759" dirty="0" err="1">
-                <a:solidFill>
-                  <a:srgbClr val="000000"/>
-                </a:solidFill>
-                <a:latin typeface="Open Sans Light"/>
-              </a:rPr>
-              <a:t>oggetto</a:t>
-            </a:r>
-            <a:r>
-              <a:rPr lang="en-US" sz="2759" dirty="0">
-                <a:solidFill>
-                  <a:srgbClr val="000000"/>
-                </a:solidFill>
-                <a:latin typeface="Open Sans Light"/>
-              </a:rPr>
-              <a:t> </a:t>
-            </a:r>
-            <a:r>
-              <a:rPr lang="en-US" sz="2759" dirty="0" err="1">
-                <a:solidFill>
-                  <a:srgbClr val="000000"/>
-                </a:solidFill>
-                <a:latin typeface="Open Sans Light"/>
-              </a:rPr>
-              <a:t>remoto</a:t>
-            </a:r>
-            <a:r>
-              <a:rPr lang="en-US" sz="2759" dirty="0">
-                <a:solidFill>
-                  <a:srgbClr val="000000"/>
-                </a:solidFill>
-                <a:latin typeface="Open Sans Light"/>
-              </a:rPr>
-              <a:t> da RMI Registry</a:t>
-            </a:r>
-          </a:p>
-        </p:txBody>
-      </p:sp>
-      <p:grpSp>
-        <p:nvGrpSpPr>
-          <p:cNvPr id="17" name="Group 17"/>
-          <p:cNvGrpSpPr/>
-          <p:nvPr/>
-        </p:nvGrpSpPr>
-        <p:grpSpPr>
-          <a:xfrm>
-            <a:off x="388015" y="6402781"/>
-            <a:ext cx="1289957" cy="1289957"/>
-            <a:chOff x="0" y="0"/>
-            <a:chExt cx="1719943" cy="1719943"/>
-          </a:xfrm>
-        </p:grpSpPr>
-        <p:grpSp>
-          <p:nvGrpSpPr>
-            <p:cNvPr id="18" name="Group 18"/>
-            <p:cNvGrpSpPr/>
-            <p:nvPr/>
-          </p:nvGrpSpPr>
-          <p:grpSpPr>
-            <a:xfrm>
-              <a:off x="0" y="0"/>
-              <a:ext cx="1719943" cy="1719943"/>
-              <a:chOff x="0" y="0"/>
-              <a:chExt cx="6350000" cy="6350000"/>
-            </a:xfrm>
-          </p:grpSpPr>
-          <p:sp>
-            <p:nvSpPr>
-              <p:cNvPr id="19" name="Freeform 19"/>
-              <p:cNvSpPr/>
-              <p:nvPr/>
-            </p:nvSpPr>
-            <p:spPr>
-              <a:xfrm>
-                <a:off x="14167" y="0"/>
-                <a:ext cx="6321665" cy="6350000"/>
-              </a:xfrm>
-              <a:custGeom>
-                <a:avLst/>
-                <a:gdLst/>
-                <a:ahLst/>
-                <a:cxnLst/>
-                <a:rect l="l" t="t" r="r" b="b"/>
-                <a:pathLst>
-                  <a:path w="6321665" h="6350000">
-                    <a:moveTo>
-                      <a:pt x="3160833" y="0"/>
-                    </a:moveTo>
-                    <a:lnTo>
-                      <a:pt x="3160833" y="0"/>
-                    </a:lnTo>
-                    <a:cubicBezTo>
-                      <a:pt x="4908795" y="7817"/>
-                      <a:pt x="6321666" y="1427021"/>
-                      <a:pt x="6321666" y="3175000"/>
-                    </a:cubicBezTo>
-                    <a:cubicBezTo>
-                      <a:pt x="6321666" y="4922979"/>
-                      <a:pt x="4908795" y="6342183"/>
-                      <a:pt x="3160833" y="6350000"/>
-                    </a:cubicBezTo>
-                    <a:cubicBezTo>
-                      <a:pt x="1412871" y="6342183"/>
-                      <a:pt x="0" y="4922979"/>
-                      <a:pt x="0" y="3175000"/>
-                    </a:cubicBezTo>
-                    <a:cubicBezTo>
-                      <a:pt x="0" y="1427021"/>
-                      <a:pt x="1412871" y="7817"/>
-                      <a:pt x="3160833" y="0"/>
-                    </a:cubicBezTo>
-                    <a:close/>
-                  </a:path>
-                </a:pathLst>
-              </a:custGeom>
-              <a:solidFill>
-                <a:srgbClr val="004AAD"/>
-              </a:solidFill>
-            </p:spPr>
-          </p:sp>
-        </p:grpSp>
-        <p:sp>
-          <p:nvSpPr>
-            <p:cNvPr id="20" name="TextBox 20"/>
-            <p:cNvSpPr txBox="1"/>
-            <p:nvPr/>
-          </p:nvSpPr>
-          <p:spPr>
-            <a:xfrm>
-              <a:off x="696856" y="450820"/>
-              <a:ext cx="326231" cy="751628"/>
-            </a:xfrm>
-            <a:prstGeom prst="rect">
-              <a:avLst/>
-            </a:prstGeom>
+            <a:grpFill/>
           </p:spPr>
           <p:txBody>
             <a:bodyPr lIns="0" tIns="0" rIns="0" bIns="0" rtlCol="0" anchor="t">
@@ -5715,510 +5641,22 @@
                   </a:solidFill>
                   <a:latin typeface="Open Sans Light Bold"/>
                 </a:rPr>
-                <a:t>2</a:t>
+                <a:t>4</a:t>
               </a:r>
             </a:p>
           </p:txBody>
         </p:sp>
       </p:grpSp>
-      <p:grpSp>
-        <p:nvGrpSpPr>
-          <p:cNvPr id="21" name="Group 21"/>
-          <p:cNvGrpSpPr/>
-          <p:nvPr/>
-        </p:nvGrpSpPr>
-        <p:grpSpPr>
-          <a:xfrm>
-            <a:off x="388015" y="8514885"/>
-            <a:ext cx="1289957" cy="1289957"/>
-            <a:chOff x="0" y="0"/>
-            <a:chExt cx="1719943" cy="1719943"/>
-          </a:xfrm>
-        </p:grpSpPr>
-        <p:grpSp>
-          <p:nvGrpSpPr>
-            <p:cNvPr id="22" name="Group 22"/>
-            <p:cNvGrpSpPr/>
-            <p:nvPr/>
-          </p:nvGrpSpPr>
-          <p:grpSpPr>
-            <a:xfrm>
-              <a:off x="0" y="0"/>
-              <a:ext cx="1719943" cy="1719943"/>
-              <a:chOff x="0" y="0"/>
-              <a:chExt cx="6350000" cy="6350000"/>
-            </a:xfrm>
-          </p:grpSpPr>
-          <p:sp>
-            <p:nvSpPr>
-              <p:cNvPr id="23" name="Freeform 23"/>
-              <p:cNvSpPr/>
-              <p:nvPr/>
-            </p:nvSpPr>
-            <p:spPr>
-              <a:xfrm>
-                <a:off x="14167" y="0"/>
-                <a:ext cx="6321665" cy="6350000"/>
-              </a:xfrm>
-              <a:custGeom>
-                <a:avLst/>
-                <a:gdLst/>
-                <a:ahLst/>
-                <a:cxnLst/>
-                <a:rect l="l" t="t" r="r" b="b"/>
-                <a:pathLst>
-                  <a:path w="6321665" h="6350000">
-                    <a:moveTo>
-                      <a:pt x="3160833" y="0"/>
-                    </a:moveTo>
-                    <a:lnTo>
-                      <a:pt x="3160833" y="0"/>
-                    </a:lnTo>
-                    <a:cubicBezTo>
-                      <a:pt x="4908795" y="7817"/>
-                      <a:pt x="6321666" y="1427021"/>
-                      <a:pt x="6321666" y="3175000"/>
-                    </a:cubicBezTo>
-                    <a:cubicBezTo>
-                      <a:pt x="6321666" y="4922979"/>
-                      <a:pt x="4908795" y="6342183"/>
-                      <a:pt x="3160833" y="6350000"/>
-                    </a:cubicBezTo>
-                    <a:cubicBezTo>
-                      <a:pt x="1412871" y="6342183"/>
-                      <a:pt x="0" y="4922979"/>
-                      <a:pt x="0" y="3175000"/>
-                    </a:cubicBezTo>
-                    <a:cubicBezTo>
-                      <a:pt x="0" y="1427021"/>
-                      <a:pt x="1412871" y="7817"/>
-                      <a:pt x="3160833" y="0"/>
-                    </a:cubicBezTo>
-                    <a:close/>
-                  </a:path>
-                </a:pathLst>
-              </a:custGeom>
-              <a:solidFill>
-                <a:srgbClr val="004AAD"/>
-              </a:solidFill>
-            </p:spPr>
-          </p:sp>
-        </p:grpSp>
-        <p:sp>
-          <p:nvSpPr>
-            <p:cNvPr id="24" name="TextBox 24"/>
-            <p:cNvSpPr txBox="1"/>
-            <p:nvPr/>
-          </p:nvSpPr>
-          <p:spPr>
-            <a:xfrm>
-              <a:off x="696856" y="450820"/>
-              <a:ext cx="326231" cy="751628"/>
-            </a:xfrm>
-            <a:prstGeom prst="rect">
-              <a:avLst/>
-            </a:prstGeom>
-          </p:spPr>
-          <p:txBody>
-            <a:bodyPr lIns="0" tIns="0" rIns="0" bIns="0" rtlCol="0" anchor="t">
-              <a:spAutoFit/>
-            </a:bodyPr>
-            <a:lstStyle/>
-            <a:p>
-              <a:pPr algn="ctr">
-                <a:lnSpc>
-                  <a:spcPts val="4759"/>
-                </a:lnSpc>
-              </a:pPr>
-              <a:r>
-                <a:rPr lang="en-US" sz="3399" dirty="0">
-                  <a:solidFill>
-                    <a:srgbClr val="FFFFFF"/>
-                  </a:solidFill>
-                  <a:latin typeface="Open Sans Light Bold"/>
-                </a:rPr>
-                <a:t>3</a:t>
-              </a:r>
-            </a:p>
-          </p:txBody>
-        </p:sp>
-      </p:grpSp>
-      <p:grpSp>
-        <p:nvGrpSpPr>
-          <p:cNvPr id="25" name="Group 25"/>
-          <p:cNvGrpSpPr/>
-          <p:nvPr/>
-        </p:nvGrpSpPr>
-        <p:grpSpPr>
-          <a:xfrm>
-            <a:off x="8980192" y="2020345"/>
-            <a:ext cx="1289957" cy="1289957"/>
-            <a:chOff x="0" y="0"/>
-            <a:chExt cx="1719943" cy="1719943"/>
-          </a:xfrm>
-        </p:grpSpPr>
-        <p:grpSp>
-          <p:nvGrpSpPr>
-            <p:cNvPr id="26" name="Group 26"/>
-            <p:cNvGrpSpPr/>
-            <p:nvPr/>
-          </p:nvGrpSpPr>
-          <p:grpSpPr>
-            <a:xfrm>
-              <a:off x="0" y="0"/>
-              <a:ext cx="1719943" cy="1719943"/>
-              <a:chOff x="0" y="0"/>
-              <a:chExt cx="6350000" cy="6350000"/>
-            </a:xfrm>
-          </p:grpSpPr>
-          <p:sp>
-            <p:nvSpPr>
-              <p:cNvPr id="27" name="Freeform 27"/>
-              <p:cNvSpPr/>
-              <p:nvPr/>
-            </p:nvSpPr>
-            <p:spPr>
-              <a:xfrm>
-                <a:off x="14167" y="0"/>
-                <a:ext cx="6321665" cy="6350000"/>
-              </a:xfrm>
-              <a:custGeom>
-                <a:avLst/>
-                <a:gdLst/>
-                <a:ahLst/>
-                <a:cxnLst/>
-                <a:rect l="l" t="t" r="r" b="b"/>
-                <a:pathLst>
-                  <a:path w="6321665" h="6350000">
-                    <a:moveTo>
-                      <a:pt x="3160833" y="0"/>
-                    </a:moveTo>
-                    <a:lnTo>
-                      <a:pt x="3160833" y="0"/>
-                    </a:lnTo>
-                    <a:cubicBezTo>
-                      <a:pt x="4908795" y="7817"/>
-                      <a:pt x="6321666" y="1427021"/>
-                      <a:pt x="6321666" y="3175000"/>
-                    </a:cubicBezTo>
-                    <a:cubicBezTo>
-                      <a:pt x="6321666" y="4922979"/>
-                      <a:pt x="4908795" y="6342183"/>
-                      <a:pt x="3160833" y="6350000"/>
-                    </a:cubicBezTo>
-                    <a:cubicBezTo>
-                      <a:pt x="1412871" y="6342183"/>
-                      <a:pt x="0" y="4922979"/>
-                      <a:pt x="0" y="3175000"/>
-                    </a:cubicBezTo>
-                    <a:cubicBezTo>
-                      <a:pt x="0" y="1427021"/>
-                      <a:pt x="1412871" y="7817"/>
-                      <a:pt x="3160833" y="0"/>
-                    </a:cubicBezTo>
-                    <a:close/>
-                  </a:path>
-                </a:pathLst>
-              </a:custGeom>
-              <a:solidFill>
-                <a:srgbClr val="FF914D"/>
-              </a:solidFill>
-            </p:spPr>
-          </p:sp>
-        </p:grpSp>
-        <p:sp>
-          <p:nvSpPr>
-            <p:cNvPr id="28" name="TextBox 28"/>
-            <p:cNvSpPr txBox="1"/>
-            <p:nvPr/>
-          </p:nvSpPr>
-          <p:spPr>
-            <a:xfrm>
-              <a:off x="696856" y="450820"/>
-              <a:ext cx="326231" cy="751628"/>
-            </a:xfrm>
-            <a:prstGeom prst="rect">
-              <a:avLst/>
-            </a:prstGeom>
-          </p:spPr>
-          <p:txBody>
-            <a:bodyPr lIns="0" tIns="0" rIns="0" bIns="0" rtlCol="0" anchor="t">
-              <a:spAutoFit/>
-            </a:bodyPr>
-            <a:lstStyle/>
-            <a:p>
-              <a:pPr algn="ctr">
-                <a:lnSpc>
-                  <a:spcPts val="4759"/>
-                </a:lnSpc>
-              </a:pPr>
-              <a:r>
-                <a:rPr lang="en-US" sz="3399" dirty="0">
-                  <a:solidFill>
-                    <a:srgbClr val="FFFFFF"/>
-                  </a:solidFill>
-                  <a:latin typeface="Open Sans Light Bold"/>
-                </a:rPr>
-                <a:t>1</a:t>
-              </a:r>
-            </a:p>
-          </p:txBody>
-        </p:sp>
-      </p:grpSp>
-      <p:grpSp>
-        <p:nvGrpSpPr>
-          <p:cNvPr id="29" name="Group 29"/>
-          <p:cNvGrpSpPr/>
-          <p:nvPr/>
-        </p:nvGrpSpPr>
-        <p:grpSpPr>
-          <a:xfrm>
-            <a:off x="8977314" y="6345480"/>
-            <a:ext cx="1289957" cy="1289957"/>
-            <a:chOff x="0" y="0"/>
-            <a:chExt cx="1719943" cy="1719943"/>
-          </a:xfrm>
-        </p:grpSpPr>
-        <p:grpSp>
-          <p:nvGrpSpPr>
-            <p:cNvPr id="30" name="Group 30"/>
-            <p:cNvGrpSpPr/>
-            <p:nvPr/>
-          </p:nvGrpSpPr>
-          <p:grpSpPr>
-            <a:xfrm>
-              <a:off x="0" y="0"/>
-              <a:ext cx="1719943" cy="1719943"/>
-              <a:chOff x="0" y="0"/>
-              <a:chExt cx="6350000" cy="6350000"/>
-            </a:xfrm>
-          </p:grpSpPr>
-          <p:sp>
-            <p:nvSpPr>
-              <p:cNvPr id="31" name="Freeform 31"/>
-              <p:cNvSpPr/>
-              <p:nvPr/>
-            </p:nvSpPr>
-            <p:spPr>
-              <a:xfrm>
-                <a:off x="14167" y="0"/>
-                <a:ext cx="6321665" cy="6350000"/>
-              </a:xfrm>
-              <a:custGeom>
-                <a:avLst/>
-                <a:gdLst/>
-                <a:ahLst/>
-                <a:cxnLst/>
-                <a:rect l="l" t="t" r="r" b="b"/>
-                <a:pathLst>
-                  <a:path w="6321665" h="6350000">
-                    <a:moveTo>
-                      <a:pt x="3160833" y="0"/>
-                    </a:moveTo>
-                    <a:lnTo>
-                      <a:pt x="3160833" y="0"/>
-                    </a:lnTo>
-                    <a:cubicBezTo>
-                      <a:pt x="4908795" y="7817"/>
-                      <a:pt x="6321666" y="1427021"/>
-                      <a:pt x="6321666" y="3175000"/>
-                    </a:cubicBezTo>
-                    <a:cubicBezTo>
-                      <a:pt x="6321666" y="4922979"/>
-                      <a:pt x="4908795" y="6342183"/>
-                      <a:pt x="3160833" y="6350000"/>
-                    </a:cubicBezTo>
-                    <a:cubicBezTo>
-                      <a:pt x="1412871" y="6342183"/>
-                      <a:pt x="0" y="4922979"/>
-                      <a:pt x="0" y="3175000"/>
-                    </a:cubicBezTo>
-                    <a:cubicBezTo>
-                      <a:pt x="0" y="1427021"/>
-                      <a:pt x="1412871" y="7817"/>
-                      <a:pt x="3160833" y="0"/>
-                    </a:cubicBezTo>
-                    <a:close/>
-                  </a:path>
-                </a:pathLst>
-              </a:custGeom>
-              <a:solidFill>
-                <a:srgbClr val="FF914D"/>
-              </a:solidFill>
-            </p:spPr>
-          </p:sp>
-        </p:grpSp>
-        <p:sp>
-          <p:nvSpPr>
-            <p:cNvPr id="32" name="TextBox 32"/>
-            <p:cNvSpPr txBox="1"/>
-            <p:nvPr/>
-          </p:nvSpPr>
-          <p:spPr>
-            <a:xfrm>
-              <a:off x="696856" y="450820"/>
-              <a:ext cx="326231" cy="751628"/>
-            </a:xfrm>
-            <a:prstGeom prst="rect">
-              <a:avLst/>
-            </a:prstGeom>
-          </p:spPr>
-          <p:txBody>
-            <a:bodyPr lIns="0" tIns="0" rIns="0" bIns="0" rtlCol="0" anchor="t">
-              <a:spAutoFit/>
-            </a:bodyPr>
-            <a:lstStyle/>
-            <a:p>
-              <a:pPr algn="ctr">
-                <a:lnSpc>
-                  <a:spcPts val="4759"/>
-                </a:lnSpc>
-              </a:pPr>
-              <a:r>
-                <a:rPr lang="en-US" sz="3399" dirty="0">
-                  <a:solidFill>
-                    <a:srgbClr val="FFFFFF"/>
-                  </a:solidFill>
-                  <a:latin typeface="Open Sans Light Bold"/>
-                </a:rPr>
-                <a:t>2</a:t>
-              </a:r>
-            </a:p>
-          </p:txBody>
-        </p:sp>
-      </p:grpSp>
-      <p:grpSp>
-        <p:nvGrpSpPr>
-          <p:cNvPr id="33" name="Group 33"/>
-          <p:cNvGrpSpPr/>
-          <p:nvPr/>
-        </p:nvGrpSpPr>
-        <p:grpSpPr>
-          <a:xfrm>
-            <a:off x="8977314" y="8457584"/>
-            <a:ext cx="1289957" cy="1289957"/>
-            <a:chOff x="0" y="0"/>
-            <a:chExt cx="1719943" cy="1719943"/>
-          </a:xfrm>
-        </p:grpSpPr>
-        <p:grpSp>
-          <p:nvGrpSpPr>
-            <p:cNvPr id="34" name="Group 34"/>
-            <p:cNvGrpSpPr/>
-            <p:nvPr/>
-          </p:nvGrpSpPr>
-          <p:grpSpPr>
-            <a:xfrm>
-              <a:off x="0" y="0"/>
-              <a:ext cx="1719943" cy="1719943"/>
-              <a:chOff x="0" y="0"/>
-              <a:chExt cx="6350000" cy="6350000"/>
-            </a:xfrm>
-          </p:grpSpPr>
-          <p:sp>
-            <p:nvSpPr>
-              <p:cNvPr id="35" name="Freeform 35"/>
-              <p:cNvSpPr/>
-              <p:nvPr/>
-            </p:nvSpPr>
-            <p:spPr>
-              <a:xfrm>
-                <a:off x="14167" y="0"/>
-                <a:ext cx="6321665" cy="6350000"/>
-              </a:xfrm>
-              <a:custGeom>
-                <a:avLst/>
-                <a:gdLst/>
-                <a:ahLst/>
-                <a:cxnLst/>
-                <a:rect l="l" t="t" r="r" b="b"/>
-                <a:pathLst>
-                  <a:path w="6321665" h="6350000">
-                    <a:moveTo>
-                      <a:pt x="3160833" y="0"/>
-                    </a:moveTo>
-                    <a:lnTo>
-                      <a:pt x="3160833" y="0"/>
-                    </a:lnTo>
-                    <a:cubicBezTo>
-                      <a:pt x="4908795" y="7817"/>
-                      <a:pt x="6321666" y="1427021"/>
-                      <a:pt x="6321666" y="3175000"/>
-                    </a:cubicBezTo>
-                    <a:cubicBezTo>
-                      <a:pt x="6321666" y="4922979"/>
-                      <a:pt x="4908795" y="6342183"/>
-                      <a:pt x="3160833" y="6350000"/>
-                    </a:cubicBezTo>
-                    <a:cubicBezTo>
-                      <a:pt x="1412871" y="6342183"/>
-                      <a:pt x="0" y="4922979"/>
-                      <a:pt x="0" y="3175000"/>
-                    </a:cubicBezTo>
-                    <a:cubicBezTo>
-                      <a:pt x="0" y="1427021"/>
-                      <a:pt x="1412871" y="7817"/>
-                      <a:pt x="3160833" y="0"/>
-                    </a:cubicBezTo>
-                    <a:close/>
-                  </a:path>
-                </a:pathLst>
-              </a:custGeom>
-              <a:solidFill>
-                <a:srgbClr val="FF914D"/>
-              </a:solidFill>
-            </p:spPr>
-          </p:sp>
-        </p:grpSp>
-        <p:sp>
-          <p:nvSpPr>
-            <p:cNvPr id="36" name="TextBox 36"/>
-            <p:cNvSpPr txBox="1"/>
-            <p:nvPr/>
-          </p:nvSpPr>
-          <p:spPr>
-            <a:xfrm>
-              <a:off x="696856" y="450820"/>
-              <a:ext cx="326231" cy="751628"/>
-            </a:xfrm>
-            <a:prstGeom prst="rect">
-              <a:avLst/>
-            </a:prstGeom>
-          </p:spPr>
-          <p:txBody>
-            <a:bodyPr lIns="0" tIns="0" rIns="0" bIns="0" rtlCol="0" anchor="t">
-              <a:spAutoFit/>
-            </a:bodyPr>
-            <a:lstStyle/>
-            <a:p>
-              <a:pPr algn="ctr">
-                <a:lnSpc>
-                  <a:spcPts val="4759"/>
-                </a:lnSpc>
-              </a:pPr>
-              <a:r>
-                <a:rPr lang="en-US" sz="3399">
-                  <a:solidFill>
-                    <a:srgbClr val="FFFFFF"/>
-                  </a:solidFill>
-                  <a:latin typeface="Open Sans Light Bold"/>
-                </a:rPr>
-                <a:t>3</a:t>
-              </a:r>
-            </a:p>
-          </p:txBody>
-        </p:sp>
-      </p:grpSp>
-      <p:sp>
-        <p:nvSpPr>
-          <p:cNvPr id="37" name="TextBox 37"/>
+      <p:sp>
+        <p:nvSpPr>
+          <p:cNvPr id="8" name="TextBox 8"/>
           <p:cNvSpPr txBox="1"/>
           <p:nvPr/>
         </p:nvSpPr>
         <p:spPr>
           <a:xfrm>
-            <a:off x="10480082" y="2166967"/>
-            <a:ext cx="7446466" cy="949089"/>
+            <a:off x="350490" y="181872"/>
+            <a:ext cx="7924949" cy="688974"/>
           </a:xfrm>
           <a:prstGeom prst="rect">
             <a:avLst/>
@@ -6232,488 +5670,27 @@
           <a:p>
             <a:pPr>
               <a:lnSpc>
-                <a:spcPts val="3863"/>
+                <a:spcPts val="5600"/>
               </a:lnSpc>
-              <a:spcBef>
-                <a:spcPct val="0"/>
-              </a:spcBef>
             </a:pPr>
             <a:r>
-              <a:rPr lang="en-US" sz="2759" dirty="0" err="1">
-                <a:solidFill>
-                  <a:srgbClr val="FFFFFF"/>
-                </a:solidFill>
-                <a:latin typeface="Open Sans Light"/>
-              </a:rPr>
-              <a:t>Registrare</a:t>
-            </a:r>
-            <a:r>
-              <a:rPr lang="en-US" sz="2759" dirty="0">
-                <a:solidFill>
-                  <a:srgbClr val="FFFFFF"/>
-                </a:solidFill>
-                <a:latin typeface="Open Sans Light"/>
-              </a:rPr>
-              <a:t> il </a:t>
-            </a:r>
-            <a:r>
-              <a:rPr lang="en-US" sz="2759" dirty="0" err="1">
-                <a:solidFill>
-                  <a:srgbClr val="FFFFFF"/>
-                </a:solidFill>
-                <a:latin typeface="Open Sans Light"/>
-              </a:rPr>
-              <a:t>riferimento</a:t>
-            </a:r>
-            <a:r>
-              <a:rPr lang="en-US" sz="2759" dirty="0">
-                <a:solidFill>
-                  <a:srgbClr val="FFFFFF"/>
-                </a:solidFill>
-                <a:latin typeface="Open Sans Light"/>
-              </a:rPr>
-              <a:t> </a:t>
-            </a:r>
-            <a:r>
-              <a:rPr lang="en-US" sz="2759" dirty="0" err="1">
-                <a:solidFill>
-                  <a:srgbClr val="FFFFFF"/>
-                </a:solidFill>
-                <a:latin typeface="Open Sans Light"/>
-              </a:rPr>
-              <a:t>remoto</a:t>
-            </a:r>
-            <a:r>
-              <a:rPr lang="en-US" sz="2759" dirty="0">
-                <a:solidFill>
-                  <a:srgbClr val="FFFFFF"/>
-                </a:solidFill>
-                <a:latin typeface="Open Sans Light"/>
-              </a:rPr>
-              <a:t> </a:t>
-            </a:r>
-            <a:r>
-              <a:rPr lang="en-US" sz="2759" dirty="0" err="1">
-                <a:solidFill>
-                  <a:srgbClr val="FFFFFF"/>
-                </a:solidFill>
-                <a:latin typeface="Open Sans Light"/>
-              </a:rPr>
-              <a:t>sul</a:t>
-            </a:r>
-            <a:r>
-              <a:rPr lang="en-US" sz="2759" dirty="0">
-                <a:solidFill>
-                  <a:srgbClr val="FFFFFF"/>
-                </a:solidFill>
-                <a:latin typeface="Open Sans Light"/>
-              </a:rPr>
-              <a:t> registry </a:t>
-            </a:r>
-            <a:r>
-              <a:rPr lang="en-US" sz="2759" dirty="0" err="1">
-                <a:solidFill>
-                  <a:srgbClr val="FFFFFF"/>
-                </a:solidFill>
-                <a:latin typeface="Open Sans Light"/>
-              </a:rPr>
-              <a:t>alla</a:t>
-            </a:r>
-            <a:r>
-              <a:rPr lang="en-US" sz="2759" dirty="0">
-                <a:solidFill>
-                  <a:srgbClr val="FFFFFF"/>
-                </a:solidFill>
-                <a:latin typeface="Open Sans Light"/>
-              </a:rPr>
-              <a:t> </a:t>
-            </a:r>
-            <a:r>
-              <a:rPr lang="en-US" sz="2759" dirty="0" err="1">
-                <a:solidFill>
-                  <a:srgbClr val="FFFFFF"/>
-                </a:solidFill>
-                <a:latin typeface="Open Sans Light"/>
-              </a:rPr>
-              <a:t>locazione</a:t>
-            </a:r>
-            <a:r>
-              <a:rPr lang="en-US" sz="2759" dirty="0">
-                <a:solidFill>
-                  <a:srgbClr val="FFFFFF"/>
-                </a:solidFill>
-                <a:latin typeface="Open Sans Light"/>
-              </a:rPr>
-              <a:t> </a:t>
-            </a:r>
-            <a:r>
-              <a:rPr lang="en-US" sz="2759" dirty="0" err="1">
-                <a:solidFill>
-                  <a:srgbClr val="FFFFFF"/>
-                </a:solidFill>
-                <a:latin typeface="Open Sans Light"/>
-              </a:rPr>
-              <a:t>corretta</a:t>
-            </a:r>
-            <a:endParaRPr lang="en-US" sz="2759" dirty="0">
-              <a:solidFill>
-                <a:srgbClr val="FFFFFF"/>
-              </a:solidFill>
-              <a:latin typeface="Open Sans Light"/>
-            </a:endParaRPr>
-          </a:p>
-        </p:txBody>
-      </p:sp>
-      <p:sp>
-        <p:nvSpPr>
-          <p:cNvPr id="38" name="TextBox 38"/>
-          <p:cNvSpPr txBox="1"/>
-          <p:nvPr/>
-        </p:nvSpPr>
-        <p:spPr>
-          <a:xfrm>
-            <a:off x="10508586" y="6734989"/>
-            <a:ext cx="6432352" cy="463314"/>
-          </a:xfrm>
-          <a:prstGeom prst="rect">
-            <a:avLst/>
-          </a:prstGeom>
-        </p:spPr>
-        <p:txBody>
-          <a:bodyPr lIns="0" tIns="0" rIns="0" bIns="0" rtlCol="0" anchor="t">
-            <a:spAutoFit/>
-          </a:bodyPr>
-          <a:lstStyle/>
-          <a:p>
-            <a:pPr>
-              <a:lnSpc>
-                <a:spcPts val="3863"/>
-              </a:lnSpc>
-              <a:spcBef>
-                <a:spcPct val="0"/>
-              </a:spcBef>
-            </a:pPr>
-            <a:r>
-              <a:rPr lang="en-US" sz="2759" dirty="0" err="1">
-                <a:solidFill>
-                  <a:srgbClr val="FFFFFF"/>
-                </a:solidFill>
-                <a:latin typeface="Open Sans Light"/>
-              </a:rPr>
-              <a:t>Attesa</a:t>
-            </a:r>
-            <a:r>
-              <a:rPr lang="en-US" sz="2759" dirty="0">
-                <a:solidFill>
-                  <a:srgbClr val="FFFFFF"/>
-                </a:solidFill>
-                <a:latin typeface="Open Sans Light"/>
-              </a:rPr>
-              <a:t> di </a:t>
-            </a:r>
-            <a:r>
-              <a:rPr lang="en-US" sz="2759" dirty="0" err="1">
-                <a:solidFill>
-                  <a:srgbClr val="FFFFFF"/>
-                </a:solidFill>
-                <a:latin typeface="Open Sans Light"/>
-              </a:rPr>
-              <a:t>invocazioni</a:t>
-            </a:r>
-            <a:r>
-              <a:rPr lang="en-US" sz="2759" dirty="0">
-                <a:solidFill>
-                  <a:srgbClr val="FFFFFF"/>
-                </a:solidFill>
-                <a:latin typeface="Open Sans Light"/>
-              </a:rPr>
-              <a:t> da </a:t>
-            </a:r>
-            <a:r>
-              <a:rPr lang="en-US" sz="2759" dirty="0" err="1">
-                <a:solidFill>
-                  <a:srgbClr val="FFFFFF"/>
-                </a:solidFill>
-                <a:latin typeface="Open Sans Light"/>
-              </a:rPr>
-              <a:t>parte</a:t>
-            </a:r>
-            <a:r>
-              <a:rPr lang="en-US" sz="2759" dirty="0">
-                <a:solidFill>
-                  <a:srgbClr val="FFFFFF"/>
-                </a:solidFill>
-                <a:latin typeface="Open Sans Light"/>
-              </a:rPr>
-              <a:t> del </a:t>
-            </a:r>
-            <a:r>
-              <a:rPr lang="en-US" sz="2759" dirty="0" err="1">
-                <a:solidFill>
-                  <a:srgbClr val="FFFFFF"/>
-                </a:solidFill>
-                <a:latin typeface="Open Sans Light"/>
-              </a:rPr>
-              <a:t>cliente</a:t>
-            </a:r>
-            <a:r>
-              <a:rPr lang="en-US" sz="2759" dirty="0">
-                <a:solidFill>
-                  <a:srgbClr val="FFFFFF"/>
-                </a:solidFill>
-                <a:latin typeface="Open Sans Light"/>
-              </a:rPr>
-              <a:t> </a:t>
-            </a:r>
-          </a:p>
-        </p:txBody>
-      </p:sp>
-      <p:sp>
-        <p:nvSpPr>
-          <p:cNvPr id="39" name="TextBox 39"/>
-          <p:cNvSpPr txBox="1"/>
-          <p:nvPr/>
-        </p:nvSpPr>
-        <p:spPr>
-          <a:xfrm>
-            <a:off x="1955091" y="6792290"/>
-            <a:ext cx="6153852" cy="463314"/>
-          </a:xfrm>
-          <a:prstGeom prst="rect">
-            <a:avLst/>
-          </a:prstGeom>
-        </p:spPr>
-        <p:txBody>
-          <a:bodyPr lIns="0" tIns="0" rIns="0" bIns="0" rtlCol="0" anchor="t">
-            <a:spAutoFit/>
-          </a:bodyPr>
-          <a:lstStyle/>
-          <a:p>
-            <a:pPr>
-              <a:lnSpc>
-                <a:spcPts val="3863"/>
-              </a:lnSpc>
-              <a:spcBef>
-                <a:spcPct val="0"/>
-              </a:spcBef>
-            </a:pPr>
-            <a:r>
-              <a:rPr lang="en-US" sz="2759" dirty="0" err="1">
+              <a:rPr lang="en-US" sz="4000" dirty="0">
                 <a:solidFill>
                   <a:srgbClr val="000000"/>
                 </a:solidFill>
-                <a:latin typeface="Open Sans Light"/>
+                <a:latin typeface="Open Sans Extra Bold"/>
               </a:rPr>
-              <a:t>Lettura</a:t>
-            </a:r>
-            <a:r>
-              <a:rPr lang="en-US" sz="2759" dirty="0">
-                <a:solidFill>
-                  <a:srgbClr val="000000"/>
-                </a:solidFill>
-                <a:latin typeface="Open Sans Light"/>
-              </a:rPr>
-              <a:t> </a:t>
-            </a:r>
-            <a:r>
-              <a:rPr lang="en-US" sz="2759" dirty="0" err="1">
-                <a:solidFill>
-                  <a:srgbClr val="000000"/>
-                </a:solidFill>
-                <a:latin typeface="Open Sans Light"/>
-              </a:rPr>
-              <a:t>dell'input</a:t>
-            </a:r>
-            <a:r>
-              <a:rPr lang="en-US" sz="2759" dirty="0">
-                <a:solidFill>
-                  <a:srgbClr val="000000"/>
-                </a:solidFill>
-                <a:latin typeface="Open Sans Light"/>
-              </a:rPr>
-              <a:t> </a:t>
-            </a:r>
-            <a:r>
-              <a:rPr lang="en-US" sz="2759" dirty="0" err="1">
-                <a:solidFill>
-                  <a:srgbClr val="000000"/>
-                </a:solidFill>
-                <a:latin typeface="Open Sans Light"/>
-              </a:rPr>
-              <a:t>dall'utente</a:t>
-            </a:r>
-            <a:endParaRPr lang="en-US" sz="2759" dirty="0">
-              <a:solidFill>
-                <a:srgbClr val="000000"/>
-              </a:solidFill>
-              <a:latin typeface="Open Sans Light"/>
-            </a:endParaRPr>
-          </a:p>
-        </p:txBody>
-      </p:sp>
-      <p:sp>
-        <p:nvSpPr>
-          <p:cNvPr id="40" name="TextBox 40"/>
-          <p:cNvSpPr txBox="1"/>
-          <p:nvPr/>
-        </p:nvSpPr>
-        <p:spPr>
-          <a:xfrm>
-            <a:off x="1955091" y="8418619"/>
-            <a:ext cx="6153852" cy="1466427"/>
-          </a:xfrm>
-          <a:prstGeom prst="rect">
-            <a:avLst/>
-          </a:prstGeom>
-        </p:spPr>
-        <p:txBody>
-          <a:bodyPr lIns="0" tIns="0" rIns="0" bIns="0" rtlCol="0" anchor="t">
-            <a:spAutoFit/>
-          </a:bodyPr>
-          <a:lstStyle/>
-          <a:p>
-            <a:pPr>
-              <a:lnSpc>
-                <a:spcPts val="3863"/>
-              </a:lnSpc>
-              <a:spcBef>
-                <a:spcPct val="0"/>
-              </a:spcBef>
-            </a:pPr>
-            <a:r>
-              <a:rPr lang="en-US" sz="2750" dirty="0" err="1">
-                <a:solidFill>
-                  <a:srgbClr val="000000"/>
-                </a:solidFill>
-                <a:latin typeface="Open Sans Light"/>
-              </a:rPr>
-              <a:t>Invocazione</a:t>
-            </a:r>
-            <a:r>
-              <a:rPr lang="en-US" sz="2750" dirty="0">
-                <a:solidFill>
-                  <a:srgbClr val="000000"/>
-                </a:solidFill>
-                <a:latin typeface="Open Sans Light"/>
-              </a:rPr>
-              <a:t> </a:t>
-            </a:r>
-            <a:r>
-              <a:rPr lang="en-US" sz="2750" dirty="0" err="1">
-                <a:solidFill>
-                  <a:srgbClr val="000000"/>
-                </a:solidFill>
-                <a:latin typeface="Open Sans Light"/>
-              </a:rPr>
-              <a:t>metodo</a:t>
-            </a:r>
-            <a:r>
-              <a:rPr lang="en-US" sz="2750" dirty="0">
-                <a:solidFill>
-                  <a:srgbClr val="000000"/>
-                </a:solidFill>
-                <a:latin typeface="Open Sans Light"/>
-              </a:rPr>
-              <a:t> </a:t>
-            </a:r>
-            <a:r>
-              <a:rPr lang="en-US" sz="2750" dirty="0" err="1">
-                <a:solidFill>
-                  <a:srgbClr val="000000"/>
-                </a:solidFill>
-                <a:latin typeface="Open Sans Light"/>
-              </a:rPr>
-              <a:t>remoto</a:t>
-            </a:r>
-            <a:r>
-              <a:rPr lang="en-US" sz="2750" dirty="0">
-                <a:solidFill>
-                  <a:srgbClr val="000000"/>
-                </a:solidFill>
-                <a:latin typeface="Open Sans Light"/>
-              </a:rPr>
-              <a:t> </a:t>
-            </a:r>
-            <a:r>
-              <a:rPr lang="en-US" sz="2750" dirty="0" err="1">
-                <a:solidFill>
-                  <a:srgbClr val="000000"/>
-                </a:solidFill>
-                <a:latin typeface="Open Sans Light Bold"/>
-              </a:rPr>
-              <a:t>cercaTag</a:t>
-            </a:r>
-            <a:r>
-              <a:rPr lang="en-US" sz="2750" dirty="0">
-                <a:solidFill>
-                  <a:srgbClr val="000000"/>
-                </a:solidFill>
-                <a:latin typeface="Open Sans Light Bold"/>
-              </a:rPr>
-              <a:t>(</a:t>
-            </a:r>
-            <a:r>
-              <a:rPr lang="en-US" sz="2750" dirty="0">
-                <a:solidFill>
-                  <a:srgbClr val="000000"/>
-                </a:solidFill>
-                <a:latin typeface="Open Sans Light Bold"/>
-                <a:ea typeface="Open Sans Light Bold"/>
-                <a:cs typeface="Open Sans Light Bold"/>
-              </a:rPr>
-              <a:t>tag) </a:t>
-            </a:r>
-            <a:r>
-              <a:rPr lang="en-US" sz="2750" dirty="0">
-                <a:solidFill>
-                  <a:srgbClr val="000000"/>
-                </a:solidFill>
-                <a:latin typeface="Open Sans Light"/>
-              </a:rPr>
-              <a:t>e </a:t>
-            </a:r>
-            <a:r>
-              <a:rPr lang="en-US" sz="2750" dirty="0" err="1">
-                <a:solidFill>
-                  <a:srgbClr val="000000"/>
-                </a:solidFill>
-                <a:latin typeface="Open Sans Light"/>
-              </a:rPr>
-              <a:t>presentazione</a:t>
-            </a:r>
-            <a:r>
-              <a:rPr lang="en-US" sz="2750" dirty="0">
-                <a:solidFill>
-                  <a:srgbClr val="000000"/>
-                </a:solidFill>
-                <a:latin typeface="Open Sans Light"/>
-              </a:rPr>
-              <a:t> del </a:t>
-            </a:r>
-            <a:r>
-              <a:rPr lang="en-US" sz="2750" dirty="0" err="1">
-                <a:solidFill>
-                  <a:srgbClr val="000000"/>
-                </a:solidFill>
-                <a:latin typeface="Open Sans Light"/>
-              </a:rPr>
-              <a:t>risultato</a:t>
-            </a:r>
-            <a:endParaRPr lang="en-US" sz="2750" dirty="0">
-              <a:solidFill>
-                <a:srgbClr val="000000"/>
-              </a:solidFill>
-              <a:latin typeface="Open Sans Light"/>
-            </a:endParaRPr>
+              <a:t>Tag Enum Class</a:t>
+            </a:r>
           </a:p>
         </p:txBody>
       </p:sp>
       <p:pic>
         <p:nvPicPr>
-          <p:cNvPr id="42" name="Picture 41">
+          <p:cNvPr id="13" name="Immagine 12">
             <a:extLst>
               <a:ext uri="{FF2B5EF4-FFF2-40B4-BE49-F238E27FC236}">
-                <a16:creationId xmlns:a16="http://schemas.microsoft.com/office/drawing/2014/main" id="{638FC788-BC0B-4F85-BF0C-A3422573D731}"/>
+                <a16:creationId xmlns:a16="http://schemas.microsoft.com/office/drawing/2014/main" id="{4DA0F268-F63A-4C18-8035-119934F11BBD}"/>
               </a:ext>
             </a:extLst>
           </p:cNvPr>
@@ -6730,38 +5707,8 @@
         </p:blipFill>
         <p:spPr>
           <a:xfrm>
-            <a:off x="9499956" y="3474164"/>
-            <a:ext cx="7525800" cy="2619741"/>
-          </a:xfrm>
-          <a:prstGeom prst="rect">
-            <a:avLst/>
-          </a:prstGeom>
-        </p:spPr>
-      </p:pic>
-      <p:pic>
-        <p:nvPicPr>
-          <p:cNvPr id="44" name="Picture 43">
-            <a:extLst>
-              <a:ext uri="{FF2B5EF4-FFF2-40B4-BE49-F238E27FC236}">
-                <a16:creationId xmlns:a16="http://schemas.microsoft.com/office/drawing/2014/main" id="{49E53BBE-9FDA-4DFF-917F-E241537A4AFC}"/>
-              </a:ext>
-            </a:extLst>
-          </p:cNvPr>
-          <p:cNvPicPr>
-            <a:picLocks noChangeAspect="1"/>
-          </p:cNvPicPr>
-          <p:nvPr/>
-        </p:nvPicPr>
-        <p:blipFill>
-          <a:blip r:embed="rId3"/>
-          <a:stretch>
-            <a:fillRect/>
-          </a:stretch>
-        </p:blipFill>
-        <p:spPr>
-          <a:xfrm>
-            <a:off x="881601" y="4348649"/>
-            <a:ext cx="7487695" cy="1933845"/>
+            <a:off x="4495800" y="1697644"/>
+            <a:ext cx="9695546" cy="7042991"/>
           </a:xfrm>
           <a:prstGeom prst="rect">
             <a:avLst/>
@@ -6776,17 +5723,9 @@
 </p:sld>
 </file>
 
-<file path=ppt/slides/slide4.xml><?xml version="1.0" encoding="utf-8"?>
+<file path=ppt/slides/slide5.xml><?xml version="1.0" encoding="utf-8"?>
 <p:sld xmlns:a="http://schemas.openxmlformats.org/drawingml/2006/main" xmlns:r="http://schemas.openxmlformats.org/officeDocument/2006/relationships" xmlns:p="http://schemas.openxmlformats.org/presentationml/2006/main">
   <p:cSld>
-    <p:bg>
-      <p:bgPr>
-        <a:solidFill>
-          <a:srgbClr val="FF914D"/>
-        </a:solidFill>
-        <a:effectLst/>
-      </p:bgPr>
-    </p:bg>
     <p:spTree>
       <p:nvGrpSpPr>
         <p:cNvPr id="1" name=""/>
@@ -6948,405 +5887,7 @@
           <p:spPr>
             <a:xfrm>
               <a:off x="696856" y="450820"/>
-              <a:ext cx="326231" cy="751628"/>
-            </a:xfrm>
-            <a:prstGeom prst="rect">
-              <a:avLst/>
-            </a:prstGeom>
-          </p:spPr>
-          <p:txBody>
-            <a:bodyPr lIns="0" tIns="0" rIns="0" bIns="0" rtlCol="0" anchor="t">
-              <a:spAutoFit/>
-            </a:bodyPr>
-            <a:lstStyle/>
-            <a:p>
-              <a:pPr algn="ctr">
-                <a:lnSpc>
-                  <a:spcPts val="4759"/>
-                </a:lnSpc>
-              </a:pPr>
-              <a:r>
-                <a:rPr lang="en-US" sz="3399">
-                  <a:solidFill>
-                    <a:srgbClr val="FFFFFF"/>
-                  </a:solidFill>
-                  <a:latin typeface="Open Sans Light Bold"/>
-                </a:rPr>
-                <a:t>4</a:t>
-              </a:r>
-            </a:p>
-          </p:txBody>
-        </p:sp>
-      </p:grpSp>
-      <p:sp>
-        <p:nvSpPr>
-          <p:cNvPr id="8" name="TextBox 8"/>
-          <p:cNvSpPr txBox="1"/>
-          <p:nvPr/>
-        </p:nvSpPr>
-        <p:spPr>
-          <a:xfrm>
-            <a:off x="421821" y="659130"/>
-            <a:ext cx="8578392" cy="836896"/>
-          </a:xfrm>
-          <a:prstGeom prst="rect">
-            <a:avLst/>
-          </a:prstGeom>
-        </p:spPr>
-        <p:txBody>
-          <a:bodyPr wrap="square" lIns="0" tIns="0" rIns="0" bIns="0" rtlCol="0" anchor="t">
-            <a:spAutoFit/>
-          </a:bodyPr>
-          <a:lstStyle/>
-          <a:p>
-            <a:pPr>
-              <a:lnSpc>
-                <a:spcPts val="7559"/>
-              </a:lnSpc>
-            </a:pPr>
-            <a:r>
-              <a:rPr lang="en-US" sz="3200" dirty="0" err="1">
-                <a:latin typeface="Open Sans Extra Bold"/>
-                <a:ea typeface="+mn-lt"/>
-                <a:cs typeface="+mn-lt"/>
-              </a:rPr>
-              <a:t>associaTag</a:t>
-            </a:r>
-            <a:r>
-              <a:rPr lang="en-US" sz="3200" dirty="0">
-                <a:latin typeface="Open Sans Extra Bold"/>
-                <a:ea typeface="+mn-lt"/>
-                <a:cs typeface="+mn-lt"/>
-              </a:rPr>
-              <a:t>(</a:t>
-            </a:r>
-            <a:r>
-              <a:rPr lang="en-US" sz="3200" dirty="0" err="1">
-                <a:latin typeface="Open Sans Extra Bold"/>
-                <a:ea typeface="+mn-lt"/>
-                <a:cs typeface="+mn-lt"/>
-              </a:rPr>
-              <a:t>nome_logico_server</a:t>
-            </a:r>
-            <a:r>
-              <a:rPr lang="en-US" sz="3200" dirty="0">
-                <a:latin typeface="Open Sans Extra Bold"/>
-                <a:ea typeface="+mn-lt"/>
-                <a:cs typeface="+mn-lt"/>
-              </a:rPr>
-              <a:t>, tag)</a:t>
-            </a:r>
-            <a:endParaRPr lang="en-US" sz="3200">
-              <a:latin typeface="Open Sans Extra Bold"/>
-              <a:ea typeface="Open Sans Extra Bold"/>
-              <a:cs typeface="Open Sans Extra Bold"/>
-            </a:endParaRPr>
-          </a:p>
-        </p:txBody>
-      </p:sp>
-      <p:sp>
-        <p:nvSpPr>
-          <p:cNvPr id="9" name="TextBox 9"/>
-          <p:cNvSpPr txBox="1"/>
-          <p:nvPr/>
-        </p:nvSpPr>
-        <p:spPr>
-          <a:xfrm>
-            <a:off x="383721" y="1884589"/>
-            <a:ext cx="2740479" cy="877570"/>
-          </a:xfrm>
-          <a:prstGeom prst="rect">
-            <a:avLst/>
-          </a:prstGeom>
-        </p:spPr>
-        <p:txBody>
-          <a:bodyPr wrap="square" lIns="0" tIns="0" rIns="0" bIns="0" rtlCol="0" anchor="t">
-            <a:spAutoFit/>
-          </a:bodyPr>
-          <a:lstStyle/>
-          <a:p>
-            <a:pPr>
-              <a:lnSpc>
-                <a:spcPts val="7279"/>
-              </a:lnSpc>
-            </a:pPr>
-            <a:r>
-              <a:rPr lang="en-US" sz="5199" dirty="0" err="1">
-                <a:solidFill>
-                  <a:srgbClr val="000000"/>
-                </a:solidFill>
-                <a:latin typeface="Open Sans"/>
-              </a:rPr>
-              <a:t>Cliente</a:t>
-            </a:r>
-            <a:endParaRPr lang="en-US" sz="5199" dirty="0">
-              <a:solidFill>
-                <a:srgbClr val="000000"/>
-              </a:solidFill>
-              <a:latin typeface="Open Sans"/>
-            </a:endParaRPr>
-          </a:p>
-        </p:txBody>
-      </p:sp>
-      <p:sp>
-        <p:nvSpPr>
-          <p:cNvPr id="10" name="TextBox 10"/>
-          <p:cNvSpPr txBox="1"/>
-          <p:nvPr/>
-        </p:nvSpPr>
-        <p:spPr>
-          <a:xfrm>
-            <a:off x="9128236" y="660019"/>
-            <a:ext cx="2759273" cy="877570"/>
-          </a:xfrm>
-          <a:prstGeom prst="rect">
-            <a:avLst/>
-          </a:prstGeom>
-        </p:spPr>
-        <p:txBody>
-          <a:bodyPr lIns="0" tIns="0" rIns="0" bIns="0" rtlCol="0" anchor="t">
-            <a:spAutoFit/>
-          </a:bodyPr>
-          <a:lstStyle/>
-          <a:p>
-            <a:pPr>
-              <a:lnSpc>
-                <a:spcPts val="7279"/>
-              </a:lnSpc>
-            </a:pPr>
-            <a:r>
-              <a:rPr lang="en-US" sz="5199" dirty="0" err="1">
-                <a:solidFill>
-                  <a:srgbClr val="FFFFFF"/>
-                </a:solidFill>
-                <a:latin typeface="Open Sans"/>
-              </a:rPr>
-              <a:t>Servitore</a:t>
-            </a:r>
-            <a:endParaRPr lang="en-US" sz="5199" dirty="0">
-              <a:solidFill>
-                <a:srgbClr val="FFFFFF"/>
-              </a:solidFill>
-              <a:latin typeface="Open Sans"/>
-            </a:endParaRPr>
-          </a:p>
-        </p:txBody>
-      </p:sp>
-      <p:grpSp>
-        <p:nvGrpSpPr>
-          <p:cNvPr id="11" name="Group 11"/>
-          <p:cNvGrpSpPr/>
-          <p:nvPr/>
-        </p:nvGrpSpPr>
-        <p:grpSpPr>
-          <a:xfrm>
-            <a:off x="383721" y="2929943"/>
-            <a:ext cx="1289957" cy="1289957"/>
-            <a:chOff x="0" y="0"/>
-            <a:chExt cx="1719943" cy="1719943"/>
-          </a:xfrm>
-        </p:grpSpPr>
-        <p:grpSp>
-          <p:nvGrpSpPr>
-            <p:cNvPr id="12" name="Group 12"/>
-            <p:cNvGrpSpPr/>
-            <p:nvPr/>
-          </p:nvGrpSpPr>
-          <p:grpSpPr>
-            <a:xfrm>
-              <a:off x="0" y="0"/>
-              <a:ext cx="1719943" cy="1719943"/>
-              <a:chOff x="0" y="0"/>
-              <a:chExt cx="6350000" cy="6350000"/>
-            </a:xfrm>
-          </p:grpSpPr>
-          <p:sp>
-            <p:nvSpPr>
-              <p:cNvPr id="13" name="Freeform 13"/>
-              <p:cNvSpPr/>
-              <p:nvPr/>
-            </p:nvSpPr>
-            <p:spPr>
-              <a:xfrm>
-                <a:off x="14167" y="0"/>
-                <a:ext cx="6321665" cy="6350000"/>
-              </a:xfrm>
-              <a:custGeom>
-                <a:avLst/>
-                <a:gdLst/>
-                <a:ahLst/>
-                <a:cxnLst/>
-                <a:rect l="l" t="t" r="r" b="b"/>
-                <a:pathLst>
-                  <a:path w="6321665" h="6350000">
-                    <a:moveTo>
-                      <a:pt x="3160833" y="0"/>
-                    </a:moveTo>
-                    <a:lnTo>
-                      <a:pt x="3160833" y="0"/>
-                    </a:lnTo>
-                    <a:cubicBezTo>
-                      <a:pt x="4908795" y="7817"/>
-                      <a:pt x="6321666" y="1427021"/>
-                      <a:pt x="6321666" y="3175000"/>
-                    </a:cubicBezTo>
-                    <a:cubicBezTo>
-                      <a:pt x="6321666" y="4922979"/>
-                      <a:pt x="4908795" y="6342183"/>
-                      <a:pt x="3160833" y="6350000"/>
-                    </a:cubicBezTo>
-                    <a:cubicBezTo>
-                      <a:pt x="1412871" y="6342183"/>
-                      <a:pt x="0" y="4922979"/>
-                      <a:pt x="0" y="3175000"/>
-                    </a:cubicBezTo>
-                    <a:cubicBezTo>
-                      <a:pt x="0" y="1427021"/>
-                      <a:pt x="1412871" y="7817"/>
-                      <a:pt x="3160833" y="0"/>
-                    </a:cubicBezTo>
-                    <a:close/>
-                  </a:path>
-                </a:pathLst>
-              </a:custGeom>
-              <a:solidFill>
-                <a:srgbClr val="004AAD"/>
-              </a:solidFill>
-            </p:spPr>
-          </p:sp>
-        </p:grpSp>
-        <p:sp>
-          <p:nvSpPr>
-            <p:cNvPr id="14" name="TextBox 14"/>
-            <p:cNvSpPr txBox="1"/>
-            <p:nvPr/>
-          </p:nvSpPr>
-          <p:spPr>
-            <a:xfrm>
-              <a:off x="696856" y="450820"/>
-              <a:ext cx="326231" cy="751628"/>
-            </a:xfrm>
-            <a:prstGeom prst="rect">
-              <a:avLst/>
-            </a:prstGeom>
-          </p:spPr>
-          <p:txBody>
-            <a:bodyPr lIns="0" tIns="0" rIns="0" bIns="0" rtlCol="0" anchor="t">
-              <a:spAutoFit/>
-            </a:bodyPr>
-            <a:lstStyle/>
-            <a:p>
-              <a:pPr algn="ctr">
-                <a:lnSpc>
-                  <a:spcPts val="4759"/>
-                </a:lnSpc>
-              </a:pPr>
-              <a:r>
-                <a:rPr lang="en-US" sz="3399">
-                  <a:solidFill>
-                    <a:srgbClr val="FFFFFF"/>
-                  </a:solidFill>
-                  <a:latin typeface="Open Sans Light Bold"/>
-                </a:rPr>
-                <a:t>1</a:t>
-              </a:r>
-            </a:p>
-          </p:txBody>
-        </p:sp>
-      </p:grpSp>
-      <p:grpSp>
-        <p:nvGrpSpPr>
-          <p:cNvPr id="15" name="Group 15"/>
-          <p:cNvGrpSpPr/>
-          <p:nvPr/>
-        </p:nvGrpSpPr>
-        <p:grpSpPr>
-          <a:xfrm>
-            <a:off x="383721" y="6360996"/>
-            <a:ext cx="1289957" cy="1289957"/>
-            <a:chOff x="0" y="0"/>
-            <a:chExt cx="1719943" cy="1719943"/>
-          </a:xfrm>
-        </p:grpSpPr>
-        <p:grpSp>
-          <p:nvGrpSpPr>
-            <p:cNvPr id="16" name="Group 16"/>
-            <p:cNvGrpSpPr/>
-            <p:nvPr/>
-          </p:nvGrpSpPr>
-          <p:grpSpPr>
-            <a:xfrm>
-              <a:off x="0" y="0"/>
-              <a:ext cx="1719943" cy="1719943"/>
-              <a:chOff x="0" y="0"/>
-              <a:chExt cx="6350000" cy="6350000"/>
-            </a:xfrm>
-          </p:grpSpPr>
-          <p:sp>
-            <p:nvSpPr>
-              <p:cNvPr id="17" name="Freeform 17"/>
-              <p:cNvSpPr/>
-              <p:nvPr/>
-            </p:nvSpPr>
-            <p:spPr>
-              <a:xfrm>
-                <a:off x="14167" y="0"/>
-                <a:ext cx="6321665" cy="6350000"/>
-              </a:xfrm>
-              <a:custGeom>
-                <a:avLst/>
-                <a:gdLst/>
-                <a:ahLst/>
-                <a:cxnLst/>
-                <a:rect l="l" t="t" r="r" b="b"/>
-                <a:pathLst>
-                  <a:path w="6321665" h="6350000">
-                    <a:moveTo>
-                      <a:pt x="3160833" y="0"/>
-                    </a:moveTo>
-                    <a:lnTo>
-                      <a:pt x="3160833" y="0"/>
-                    </a:lnTo>
-                    <a:cubicBezTo>
-                      <a:pt x="4908795" y="7817"/>
-                      <a:pt x="6321666" y="1427021"/>
-                      <a:pt x="6321666" y="3175000"/>
-                    </a:cubicBezTo>
-                    <a:cubicBezTo>
-                      <a:pt x="6321666" y="4922979"/>
-                      <a:pt x="4908795" y="6342183"/>
-                      <a:pt x="3160833" y="6350000"/>
-                    </a:cubicBezTo>
-                    <a:cubicBezTo>
-                      <a:pt x="1412871" y="6342183"/>
-                      <a:pt x="0" y="4922979"/>
-                      <a:pt x="0" y="3175000"/>
-                    </a:cubicBezTo>
-                    <a:cubicBezTo>
-                      <a:pt x="0" y="1427021"/>
-                      <a:pt x="1412871" y="7817"/>
-                      <a:pt x="3160833" y="0"/>
-                    </a:cubicBezTo>
-                    <a:close/>
-                  </a:path>
-                </a:pathLst>
-              </a:custGeom>
-              <a:solidFill>
-                <a:srgbClr val="004AAD"/>
-              </a:solidFill>
-            </p:spPr>
-          </p:sp>
-        </p:grpSp>
-        <p:sp>
-          <p:nvSpPr>
-            <p:cNvPr id="18" name="TextBox 18"/>
-            <p:cNvSpPr txBox="1"/>
-            <p:nvPr/>
-          </p:nvSpPr>
-          <p:spPr>
-            <a:xfrm>
-              <a:off x="696856" y="450820"/>
-              <a:ext cx="326231" cy="751628"/>
+              <a:ext cx="326231" cy="765595"/>
             </a:xfrm>
             <a:prstGeom prst="rect">
               <a:avLst/>
@@ -7370,640 +5911,81 @@
                   </a:solidFill>
                   <a:latin typeface="Open Sans Light Bold"/>
                 </a:rPr>
-                <a:t>2</a:t>
+                <a:t>5</a:t>
               </a:r>
             </a:p>
           </p:txBody>
         </p:sp>
       </p:grpSp>
-      <p:grpSp>
-        <p:nvGrpSpPr>
-          <p:cNvPr id="19" name="Group 19"/>
-          <p:cNvGrpSpPr/>
-          <p:nvPr/>
-        </p:nvGrpSpPr>
-        <p:grpSpPr>
-          <a:xfrm>
-            <a:off x="383721" y="8473100"/>
-            <a:ext cx="1289957" cy="1289957"/>
-            <a:chOff x="0" y="0"/>
-            <a:chExt cx="1719943" cy="1719943"/>
-          </a:xfrm>
-        </p:grpSpPr>
-        <p:grpSp>
-          <p:nvGrpSpPr>
-            <p:cNvPr id="20" name="Group 20"/>
-            <p:cNvGrpSpPr/>
-            <p:nvPr/>
-          </p:nvGrpSpPr>
-          <p:grpSpPr>
-            <a:xfrm>
-              <a:off x="0" y="0"/>
-              <a:ext cx="1719943" cy="1719943"/>
-              <a:chOff x="0" y="0"/>
-              <a:chExt cx="6350000" cy="6350000"/>
-            </a:xfrm>
-          </p:grpSpPr>
-          <p:sp>
-            <p:nvSpPr>
-              <p:cNvPr id="21" name="Freeform 21"/>
-              <p:cNvSpPr/>
-              <p:nvPr/>
-            </p:nvSpPr>
-            <p:spPr>
-              <a:xfrm>
-                <a:off x="14167" y="0"/>
-                <a:ext cx="6321665" cy="6350000"/>
-              </a:xfrm>
-              <a:custGeom>
-                <a:avLst/>
-                <a:gdLst/>
-                <a:ahLst/>
-                <a:cxnLst/>
-                <a:rect l="l" t="t" r="r" b="b"/>
-                <a:pathLst>
-                  <a:path w="6321665" h="6350000">
-                    <a:moveTo>
-                      <a:pt x="3160833" y="0"/>
-                    </a:moveTo>
-                    <a:lnTo>
-                      <a:pt x="3160833" y="0"/>
-                    </a:lnTo>
-                    <a:cubicBezTo>
-                      <a:pt x="4908795" y="7817"/>
-                      <a:pt x="6321666" y="1427021"/>
-                      <a:pt x="6321666" y="3175000"/>
-                    </a:cubicBezTo>
-                    <a:cubicBezTo>
-                      <a:pt x="6321666" y="4922979"/>
-                      <a:pt x="4908795" y="6342183"/>
-                      <a:pt x="3160833" y="6350000"/>
-                    </a:cubicBezTo>
-                    <a:cubicBezTo>
-                      <a:pt x="1412871" y="6342183"/>
-                      <a:pt x="0" y="4922979"/>
-                      <a:pt x="0" y="3175000"/>
-                    </a:cubicBezTo>
-                    <a:cubicBezTo>
-                      <a:pt x="0" y="1427021"/>
-                      <a:pt x="1412871" y="7817"/>
-                      <a:pt x="3160833" y="0"/>
-                    </a:cubicBezTo>
-                    <a:close/>
-                  </a:path>
-                </a:pathLst>
-              </a:custGeom>
-              <a:solidFill>
-                <a:srgbClr val="004AAD"/>
-              </a:solidFill>
-            </p:spPr>
-          </p:sp>
-        </p:grpSp>
-        <p:sp>
-          <p:nvSpPr>
-            <p:cNvPr id="22" name="TextBox 22"/>
-            <p:cNvSpPr txBox="1"/>
-            <p:nvPr/>
-          </p:nvSpPr>
-          <p:spPr>
-            <a:xfrm>
-              <a:off x="696856" y="450820"/>
-              <a:ext cx="326231" cy="751628"/>
-            </a:xfrm>
-            <a:prstGeom prst="rect">
-              <a:avLst/>
-            </a:prstGeom>
-          </p:spPr>
-          <p:txBody>
-            <a:bodyPr lIns="0" tIns="0" rIns="0" bIns="0" rtlCol="0" anchor="t">
-              <a:spAutoFit/>
-            </a:bodyPr>
-            <a:lstStyle/>
-            <a:p>
-              <a:pPr algn="ctr">
-                <a:lnSpc>
-                  <a:spcPts val="4759"/>
-                </a:lnSpc>
-              </a:pPr>
-              <a:r>
-                <a:rPr lang="en-US" sz="3399">
-                  <a:solidFill>
-                    <a:srgbClr val="FFFFFF"/>
-                  </a:solidFill>
-                  <a:latin typeface="Open Sans Light Bold"/>
-                </a:rPr>
-                <a:t>3</a:t>
-              </a:r>
-            </a:p>
-          </p:txBody>
-        </p:sp>
-      </p:grpSp>
-      <p:grpSp>
-        <p:nvGrpSpPr>
-          <p:cNvPr id="23" name="Group 23"/>
-          <p:cNvGrpSpPr/>
-          <p:nvPr/>
-        </p:nvGrpSpPr>
-        <p:grpSpPr>
-          <a:xfrm>
-            <a:off x="9007983" y="1737967"/>
-            <a:ext cx="1289957" cy="1289957"/>
-            <a:chOff x="0" y="0"/>
-            <a:chExt cx="1719943" cy="1719943"/>
-          </a:xfrm>
-        </p:grpSpPr>
-        <p:grpSp>
-          <p:nvGrpSpPr>
-            <p:cNvPr id="24" name="Group 24"/>
-            <p:cNvGrpSpPr/>
-            <p:nvPr/>
-          </p:nvGrpSpPr>
-          <p:grpSpPr>
-            <a:xfrm>
-              <a:off x="0" y="0"/>
-              <a:ext cx="1719943" cy="1719943"/>
-              <a:chOff x="0" y="0"/>
-              <a:chExt cx="6350000" cy="6350000"/>
-            </a:xfrm>
-          </p:grpSpPr>
-          <p:sp>
-            <p:nvSpPr>
-              <p:cNvPr id="25" name="Freeform 25"/>
-              <p:cNvSpPr/>
-              <p:nvPr/>
-            </p:nvSpPr>
-            <p:spPr>
-              <a:xfrm>
-                <a:off x="14167" y="0"/>
-                <a:ext cx="6321665" cy="6350000"/>
-              </a:xfrm>
-              <a:custGeom>
-                <a:avLst/>
-                <a:gdLst/>
-                <a:ahLst/>
-                <a:cxnLst/>
-                <a:rect l="l" t="t" r="r" b="b"/>
-                <a:pathLst>
-                  <a:path w="6321665" h="6350000">
-                    <a:moveTo>
-                      <a:pt x="3160833" y="0"/>
-                    </a:moveTo>
-                    <a:lnTo>
-                      <a:pt x="3160833" y="0"/>
-                    </a:lnTo>
-                    <a:cubicBezTo>
-                      <a:pt x="4908795" y="7817"/>
-                      <a:pt x="6321666" y="1427021"/>
-                      <a:pt x="6321666" y="3175000"/>
-                    </a:cubicBezTo>
-                    <a:cubicBezTo>
-                      <a:pt x="6321666" y="4922979"/>
-                      <a:pt x="4908795" y="6342183"/>
-                      <a:pt x="3160833" y="6350000"/>
-                    </a:cubicBezTo>
-                    <a:cubicBezTo>
-                      <a:pt x="1412871" y="6342183"/>
-                      <a:pt x="0" y="4922979"/>
-                      <a:pt x="0" y="3175000"/>
-                    </a:cubicBezTo>
-                    <a:cubicBezTo>
-                      <a:pt x="0" y="1427021"/>
-                      <a:pt x="1412871" y="7817"/>
-                      <a:pt x="3160833" y="0"/>
-                    </a:cubicBezTo>
-                    <a:close/>
-                  </a:path>
-                </a:pathLst>
-              </a:custGeom>
-              <a:solidFill>
-                <a:srgbClr val="FF914D"/>
-              </a:solidFill>
-            </p:spPr>
-          </p:sp>
-        </p:grpSp>
-        <p:sp>
-          <p:nvSpPr>
-            <p:cNvPr id="26" name="TextBox 26"/>
-            <p:cNvSpPr txBox="1"/>
-            <p:nvPr/>
-          </p:nvSpPr>
-          <p:spPr>
-            <a:xfrm>
-              <a:off x="696856" y="450820"/>
-              <a:ext cx="326231" cy="751628"/>
-            </a:xfrm>
-            <a:prstGeom prst="rect">
-              <a:avLst/>
-            </a:prstGeom>
-          </p:spPr>
-          <p:txBody>
-            <a:bodyPr lIns="0" tIns="0" rIns="0" bIns="0" rtlCol="0" anchor="t">
-              <a:spAutoFit/>
-            </a:bodyPr>
-            <a:lstStyle/>
-            <a:p>
-              <a:pPr algn="ctr">
-                <a:lnSpc>
-                  <a:spcPts val="4759"/>
-                </a:lnSpc>
-              </a:pPr>
-              <a:r>
-                <a:rPr lang="en-US" sz="3399" dirty="0">
-                  <a:solidFill>
-                    <a:srgbClr val="FFFFFF"/>
-                  </a:solidFill>
-                  <a:latin typeface="Open Sans Light Bold"/>
-                </a:rPr>
-                <a:t>1</a:t>
-              </a:r>
-            </a:p>
-          </p:txBody>
-        </p:sp>
-      </p:grpSp>
-      <p:grpSp>
-        <p:nvGrpSpPr>
-          <p:cNvPr id="27" name="Group 27"/>
-          <p:cNvGrpSpPr/>
-          <p:nvPr/>
-        </p:nvGrpSpPr>
-        <p:grpSpPr>
-          <a:xfrm>
-            <a:off x="8976601" y="6177693"/>
-            <a:ext cx="1289957" cy="1289957"/>
-            <a:chOff x="0" y="0"/>
-            <a:chExt cx="1719943" cy="1719943"/>
-          </a:xfrm>
-        </p:grpSpPr>
-        <p:grpSp>
-          <p:nvGrpSpPr>
-            <p:cNvPr id="28" name="Group 28"/>
-            <p:cNvGrpSpPr/>
-            <p:nvPr/>
-          </p:nvGrpSpPr>
-          <p:grpSpPr>
-            <a:xfrm>
-              <a:off x="0" y="0"/>
-              <a:ext cx="1719943" cy="1719943"/>
-              <a:chOff x="0" y="0"/>
-              <a:chExt cx="6350000" cy="6350000"/>
-            </a:xfrm>
-          </p:grpSpPr>
-          <p:sp>
-            <p:nvSpPr>
-              <p:cNvPr id="29" name="Freeform 29"/>
-              <p:cNvSpPr/>
-              <p:nvPr/>
-            </p:nvSpPr>
-            <p:spPr>
-              <a:xfrm>
-                <a:off x="14167" y="0"/>
-                <a:ext cx="6321665" cy="6350000"/>
-              </a:xfrm>
-              <a:custGeom>
-                <a:avLst/>
-                <a:gdLst/>
-                <a:ahLst/>
-                <a:cxnLst/>
-                <a:rect l="l" t="t" r="r" b="b"/>
-                <a:pathLst>
-                  <a:path w="6321665" h="6350000">
-                    <a:moveTo>
-                      <a:pt x="3160833" y="0"/>
-                    </a:moveTo>
-                    <a:lnTo>
-                      <a:pt x="3160833" y="0"/>
-                    </a:lnTo>
-                    <a:cubicBezTo>
-                      <a:pt x="4908795" y="7817"/>
-                      <a:pt x="6321666" y="1427021"/>
-                      <a:pt x="6321666" y="3175000"/>
-                    </a:cubicBezTo>
-                    <a:cubicBezTo>
-                      <a:pt x="6321666" y="4922979"/>
-                      <a:pt x="4908795" y="6342183"/>
-                      <a:pt x="3160833" y="6350000"/>
-                    </a:cubicBezTo>
-                    <a:cubicBezTo>
-                      <a:pt x="1412871" y="6342183"/>
-                      <a:pt x="0" y="4922979"/>
-                      <a:pt x="0" y="3175000"/>
-                    </a:cubicBezTo>
-                    <a:cubicBezTo>
-                      <a:pt x="0" y="1427021"/>
-                      <a:pt x="1412871" y="7817"/>
-                      <a:pt x="3160833" y="0"/>
-                    </a:cubicBezTo>
-                    <a:close/>
-                  </a:path>
-                </a:pathLst>
-              </a:custGeom>
-              <a:solidFill>
-                <a:srgbClr val="FF914D"/>
-              </a:solidFill>
-            </p:spPr>
-          </p:sp>
-        </p:grpSp>
-        <p:sp>
-          <p:nvSpPr>
-            <p:cNvPr id="30" name="TextBox 30"/>
-            <p:cNvSpPr txBox="1"/>
-            <p:nvPr/>
-          </p:nvSpPr>
-          <p:spPr>
-            <a:xfrm>
-              <a:off x="696856" y="450820"/>
-              <a:ext cx="326231" cy="751628"/>
-            </a:xfrm>
-            <a:prstGeom prst="rect">
-              <a:avLst/>
-            </a:prstGeom>
-          </p:spPr>
-          <p:txBody>
-            <a:bodyPr lIns="0" tIns="0" rIns="0" bIns="0" rtlCol="0" anchor="t">
-              <a:spAutoFit/>
-            </a:bodyPr>
-            <a:lstStyle/>
-            <a:p>
-              <a:pPr algn="ctr">
-                <a:lnSpc>
-                  <a:spcPts val="4759"/>
-                </a:lnSpc>
-              </a:pPr>
-              <a:r>
-                <a:rPr lang="en-US" sz="3399">
-                  <a:solidFill>
-                    <a:srgbClr val="FFFFFF"/>
-                  </a:solidFill>
-                  <a:latin typeface="Open Sans Light Bold"/>
-                </a:rPr>
-                <a:t>2</a:t>
-              </a:r>
-            </a:p>
-          </p:txBody>
-        </p:sp>
-      </p:grpSp>
-      <p:grpSp>
-        <p:nvGrpSpPr>
-          <p:cNvPr id="31" name="Group 31"/>
-          <p:cNvGrpSpPr/>
-          <p:nvPr/>
-        </p:nvGrpSpPr>
-        <p:grpSpPr>
-          <a:xfrm>
-            <a:off x="8976601" y="8289797"/>
-            <a:ext cx="1289957" cy="1289957"/>
-            <a:chOff x="0" y="0"/>
-            <a:chExt cx="1719943" cy="1719943"/>
-          </a:xfrm>
-        </p:grpSpPr>
-        <p:grpSp>
-          <p:nvGrpSpPr>
-            <p:cNvPr id="32" name="Group 32"/>
-            <p:cNvGrpSpPr/>
-            <p:nvPr/>
-          </p:nvGrpSpPr>
-          <p:grpSpPr>
-            <a:xfrm>
-              <a:off x="0" y="0"/>
-              <a:ext cx="1719943" cy="1719943"/>
-              <a:chOff x="0" y="0"/>
-              <a:chExt cx="6350000" cy="6350000"/>
-            </a:xfrm>
-          </p:grpSpPr>
-          <p:sp>
-            <p:nvSpPr>
-              <p:cNvPr id="33" name="Freeform 33"/>
-              <p:cNvSpPr/>
-              <p:nvPr/>
-            </p:nvSpPr>
-            <p:spPr>
-              <a:xfrm>
-                <a:off x="14167" y="0"/>
-                <a:ext cx="6321665" cy="6350000"/>
-              </a:xfrm>
-              <a:custGeom>
-                <a:avLst/>
-                <a:gdLst/>
-                <a:ahLst/>
-                <a:cxnLst/>
-                <a:rect l="l" t="t" r="r" b="b"/>
-                <a:pathLst>
-                  <a:path w="6321665" h="6350000">
-                    <a:moveTo>
-                      <a:pt x="3160833" y="0"/>
-                    </a:moveTo>
-                    <a:lnTo>
-                      <a:pt x="3160833" y="0"/>
-                    </a:lnTo>
-                    <a:cubicBezTo>
-                      <a:pt x="4908795" y="7817"/>
-                      <a:pt x="6321666" y="1427021"/>
-                      <a:pt x="6321666" y="3175000"/>
-                    </a:cubicBezTo>
-                    <a:cubicBezTo>
-                      <a:pt x="6321666" y="4922979"/>
-                      <a:pt x="4908795" y="6342183"/>
-                      <a:pt x="3160833" y="6350000"/>
-                    </a:cubicBezTo>
-                    <a:cubicBezTo>
-                      <a:pt x="1412871" y="6342183"/>
-                      <a:pt x="0" y="4922979"/>
-                      <a:pt x="0" y="3175000"/>
-                    </a:cubicBezTo>
-                    <a:cubicBezTo>
-                      <a:pt x="0" y="1427021"/>
-                      <a:pt x="1412871" y="7817"/>
-                      <a:pt x="3160833" y="0"/>
-                    </a:cubicBezTo>
-                    <a:close/>
-                  </a:path>
-                </a:pathLst>
-              </a:custGeom>
-              <a:solidFill>
-                <a:srgbClr val="FF914D"/>
-              </a:solidFill>
-            </p:spPr>
-          </p:sp>
-        </p:grpSp>
-        <p:sp>
-          <p:nvSpPr>
-            <p:cNvPr id="34" name="TextBox 34"/>
-            <p:cNvSpPr txBox="1"/>
-            <p:nvPr/>
-          </p:nvSpPr>
-          <p:spPr>
-            <a:xfrm>
-              <a:off x="696856" y="450820"/>
-              <a:ext cx="326231" cy="751628"/>
-            </a:xfrm>
-            <a:prstGeom prst="rect">
-              <a:avLst/>
-            </a:prstGeom>
-          </p:spPr>
-          <p:txBody>
-            <a:bodyPr lIns="0" tIns="0" rIns="0" bIns="0" rtlCol="0" anchor="t">
-              <a:spAutoFit/>
-            </a:bodyPr>
-            <a:lstStyle/>
-            <a:p>
-              <a:pPr algn="ctr">
-                <a:lnSpc>
-                  <a:spcPts val="4759"/>
-                </a:lnSpc>
-              </a:pPr>
-              <a:r>
-                <a:rPr lang="en-US" sz="3399">
-                  <a:solidFill>
-                    <a:srgbClr val="FFFFFF"/>
-                  </a:solidFill>
-                  <a:latin typeface="Open Sans Light Bold"/>
-                </a:rPr>
-                <a:t>3</a:t>
-              </a:r>
-            </a:p>
-          </p:txBody>
-        </p:sp>
-      </p:grpSp>
-      <p:sp>
-        <p:nvSpPr>
-          <p:cNvPr id="35" name="TextBox 35"/>
+      <p:sp>
+        <p:nvSpPr>
+          <p:cNvPr id="9" name="TextBox 9"/>
           <p:cNvSpPr txBox="1"/>
           <p:nvPr/>
         </p:nvSpPr>
         <p:spPr>
           <a:xfrm>
-            <a:off x="1828332" y="3027924"/>
-            <a:ext cx="6153852" cy="949089"/>
+            <a:off x="218262" y="222912"/>
+            <a:ext cx="5795440" cy="874214"/>
           </a:xfrm>
           <a:prstGeom prst="rect">
             <a:avLst/>
           </a:prstGeom>
         </p:spPr>
         <p:txBody>
-          <a:bodyPr lIns="0" tIns="0" rIns="0" bIns="0" rtlCol="0" anchor="t">
+          <a:bodyPr wrap="square" lIns="0" tIns="0" rIns="0" bIns="0" rtlCol="0" anchor="t">
             <a:spAutoFit/>
           </a:bodyPr>
           <a:lstStyle/>
           <a:p>
             <a:pPr>
               <a:lnSpc>
-                <a:spcPts val="3863"/>
+                <a:spcPts val="7279"/>
               </a:lnSpc>
-              <a:spcBef>
-                <a:spcPct val="0"/>
-              </a:spcBef>
             </a:pPr>
             <a:r>
-              <a:rPr lang="en-US" sz="2759">
+              <a:rPr lang="en-US" sz="5199" dirty="0" err="1">
                 <a:solidFill>
                   <a:srgbClr val="000000"/>
                 </a:solidFill>
-                <a:latin typeface="Open Sans Light"/>
+                <a:latin typeface="Open Sans"/>
               </a:rPr>
-              <a:t>Recupero riferimento oggetto remoto da RMI Registry</a:t>
-            </a:r>
-          </a:p>
-        </p:txBody>
-      </p:sp>
-      <p:sp>
-        <p:nvSpPr>
-          <p:cNvPr id="36" name="TextBox 36"/>
+              <a:t>cercaTag</a:t>
+            </a:r>
+            <a:r>
+              <a:rPr lang="en-US" sz="5199" dirty="0">
+                <a:solidFill>
+                  <a:srgbClr val="000000"/>
+                </a:solidFill>
+                <a:latin typeface="Open Sans"/>
+              </a:rPr>
+              <a:t> (Tag tag)</a:t>
+            </a:r>
+          </a:p>
+        </p:txBody>
+      </p:sp>
+      <p:sp>
+        <p:nvSpPr>
+          <p:cNvPr id="45" name="TextBox 9">
+            <a:extLst>
+              <a:ext uri="{FF2B5EF4-FFF2-40B4-BE49-F238E27FC236}">
+                <a16:creationId xmlns:a16="http://schemas.microsoft.com/office/drawing/2014/main" id="{EAA91EC1-8B12-4B59-9518-94B4BF59EAB5}"/>
+              </a:ext>
+            </a:extLst>
+          </p:cNvPr>
           <p:cNvSpPr txBox="1"/>
           <p:nvPr/>
         </p:nvSpPr>
         <p:spPr>
           <a:xfrm>
-            <a:off x="1828332" y="6701864"/>
-            <a:ext cx="6153852" cy="463314"/>
+            <a:off x="9170232" y="222912"/>
+            <a:ext cx="8899505" cy="834524"/>
           </a:xfrm>
           <a:prstGeom prst="rect">
             <a:avLst/>
           </a:prstGeom>
         </p:spPr>
         <p:txBody>
-          <a:bodyPr lIns="0" tIns="0" rIns="0" bIns="0" rtlCol="0" anchor="t">
-            <a:spAutoFit/>
-          </a:bodyPr>
-          <a:lstStyle/>
-          <a:p>
-            <a:pPr>
-              <a:lnSpc>
-                <a:spcPts val="3863"/>
-              </a:lnSpc>
-              <a:spcBef>
-                <a:spcPct val="0"/>
-              </a:spcBef>
-            </a:pPr>
-            <a:r>
-              <a:rPr lang="en-US" sz="2759" dirty="0" err="1">
-                <a:solidFill>
-                  <a:srgbClr val="000000"/>
-                </a:solidFill>
-                <a:latin typeface="Open Sans Light"/>
-              </a:rPr>
-              <a:t>Lettura</a:t>
-            </a:r>
-            <a:r>
-              <a:rPr lang="en-US" sz="2759" dirty="0">
-                <a:solidFill>
-                  <a:srgbClr val="000000"/>
-                </a:solidFill>
-                <a:latin typeface="Open Sans Light"/>
-              </a:rPr>
-              <a:t> </a:t>
-            </a:r>
-            <a:r>
-              <a:rPr lang="en-US" sz="2759" dirty="0" err="1">
-                <a:solidFill>
-                  <a:srgbClr val="000000"/>
-                </a:solidFill>
-                <a:latin typeface="Open Sans Light"/>
-              </a:rPr>
-              <a:t>dell'input</a:t>
-            </a:r>
-            <a:r>
-              <a:rPr lang="en-US" sz="2759" dirty="0">
-                <a:solidFill>
-                  <a:srgbClr val="000000"/>
-                </a:solidFill>
-                <a:latin typeface="Open Sans Light"/>
-              </a:rPr>
-              <a:t> </a:t>
-            </a:r>
-            <a:r>
-              <a:rPr lang="en-US" sz="2759" dirty="0" err="1">
-                <a:solidFill>
-                  <a:srgbClr val="000000"/>
-                </a:solidFill>
-                <a:latin typeface="Open Sans Light"/>
-              </a:rPr>
-              <a:t>dall'utente</a:t>
-            </a:r>
-            <a:endParaRPr lang="en-US" sz="2759" dirty="0">
-              <a:solidFill>
-                <a:srgbClr val="000000"/>
-              </a:solidFill>
-              <a:latin typeface="Open Sans Light"/>
-            </a:endParaRPr>
-          </a:p>
-        </p:txBody>
-      </p:sp>
-      <p:sp>
-        <p:nvSpPr>
-          <p:cNvPr id="37" name="TextBox 37"/>
-          <p:cNvSpPr txBox="1"/>
-          <p:nvPr/>
-        </p:nvSpPr>
-        <p:spPr>
-          <a:xfrm>
-            <a:off x="1752132" y="8280568"/>
-            <a:ext cx="7182552" cy="1475952"/>
-          </a:xfrm>
-          <a:prstGeom prst="rect">
-            <a:avLst/>
-          </a:prstGeom>
-        </p:spPr>
-        <p:txBody>
           <a:bodyPr wrap="square" lIns="0" tIns="0" rIns="0" bIns="0" rtlCol="0" anchor="t">
             <a:spAutoFit/>
           </a:bodyPr>
@@ -8011,464 +5993,54 @@
           <a:p>
             <a:pPr>
               <a:lnSpc>
-                <a:spcPts val="3863"/>
+                <a:spcPts val="7279"/>
               </a:lnSpc>
-              <a:spcBef>
-                <a:spcPct val="0"/>
-              </a:spcBef>
             </a:pPr>
             <a:r>
-              <a:rPr lang="en-US" sz="2750" dirty="0" err="1">
+              <a:rPr lang="en-US" sz="4000" dirty="0" err="1">
                 <a:solidFill>
-                  <a:srgbClr val="000000"/>
+                  <a:schemeClr val="bg1"/>
                 </a:solidFill>
-                <a:latin typeface="Open Sans Light"/>
-              </a:rPr>
-              <a:t>Invocazione</a:t>
-            </a:r>
-            <a:r>
-              <a:rPr lang="en-US" sz="2750" dirty="0">
-                <a:solidFill>
-                  <a:srgbClr val="000000"/>
-                </a:solidFill>
-                <a:latin typeface="Open Sans Light"/>
-              </a:rPr>
-              <a:t> </a:t>
-            </a:r>
-            <a:r>
-              <a:rPr lang="en-US" sz="2750" dirty="0" err="1">
-                <a:solidFill>
-                  <a:srgbClr val="000000"/>
-                </a:solidFill>
-                <a:latin typeface="Open Sans Light"/>
-              </a:rPr>
-              <a:t>metodo</a:t>
-            </a:r>
-            <a:r>
-              <a:rPr lang="en-US" sz="2750" dirty="0">
-                <a:solidFill>
-                  <a:srgbClr val="000000"/>
-                </a:solidFill>
-                <a:latin typeface="Open Sans Light"/>
-              </a:rPr>
-              <a:t> </a:t>
-            </a:r>
-            <a:r>
-              <a:rPr lang="en-US" sz="2750" b="1" dirty="0" err="1">
-                <a:solidFill>
-                  <a:srgbClr val="000000"/>
-                </a:solidFill>
-                <a:latin typeface="Open Sans Light"/>
-              </a:rPr>
-              <a:t>remoto</a:t>
-            </a:r>
-            <a:r>
-              <a:rPr lang="en-US" sz="2750" b="1" dirty="0">
-                <a:solidFill>
-                  <a:srgbClr val="000000"/>
-                </a:solidFill>
-                <a:latin typeface="Open Sans Light"/>
-              </a:rPr>
-              <a:t> </a:t>
-            </a:r>
-            <a:r>
-              <a:rPr lang="en-US" sz="2750" b="1" dirty="0" err="1">
-                <a:solidFill>
-                  <a:srgbClr val="000000"/>
-                </a:solidFill>
-                <a:latin typeface="Open Sans Light"/>
-                <a:ea typeface="Open Sans Light"/>
-                <a:cs typeface="Open Sans Light"/>
+                <a:latin typeface="Open Sans"/>
               </a:rPr>
               <a:t>associaTag</a:t>
             </a:r>
             <a:r>
-              <a:rPr lang="en-US" sz="2750" b="1" dirty="0">
+              <a:rPr lang="en-US" sz="4000" dirty="0">
                 <a:solidFill>
-                  <a:srgbClr val="000000"/>
+                  <a:schemeClr val="bg1"/>
                 </a:solidFill>
-                <a:latin typeface="Open Sans Light"/>
-                <a:ea typeface="Open Sans Light"/>
-                <a:cs typeface="Open Sans Light"/>
+                <a:latin typeface="Open Sans"/>
               </a:rPr>
-              <a:t>(</a:t>
-            </a:r>
-            <a:r>
-              <a:rPr lang="en-US" sz="2750" b="1" dirty="0" err="1">
+              <a:t> (String </a:t>
+            </a:r>
+            <a:r>
+              <a:rPr lang="en-US" sz="4000" dirty="0" err="1">
                 <a:solidFill>
-                  <a:srgbClr val="000000"/>
+                  <a:schemeClr val="bg1"/>
                 </a:solidFill>
-                <a:latin typeface="Open Sans Light"/>
-                <a:ea typeface="Open Sans Light"/>
-                <a:cs typeface="Open Sans Light"/>
+                <a:latin typeface="Open Sans"/>
               </a:rPr>
-              <a:t>nome_logico_server</a:t>
-            </a:r>
-            <a:r>
-              <a:rPr lang="en-US" sz="2750" b="1" dirty="0">
+              <a:t>nome</a:t>
+            </a:r>
+            <a:r>
+              <a:rPr lang="en-US" sz="4000" dirty="0">
                 <a:solidFill>
-                  <a:srgbClr val="000000"/>
+                  <a:schemeClr val="bg1"/>
                 </a:solidFill>
-                <a:latin typeface="Open Sans Light"/>
-                <a:ea typeface="Open Sans Light"/>
-                <a:cs typeface="Open Sans Light"/>
+                <a:latin typeface="Open Sans"/>
               </a:rPr>
-              <a:t>, tag)</a:t>
-            </a:r>
-            <a:r>
-              <a:rPr lang="en-US" sz="2750" dirty="0">
-                <a:solidFill>
-                  <a:srgbClr val="000000"/>
-                </a:solidFill>
-                <a:latin typeface="Open Sans Light Bold"/>
-                <a:ea typeface="Open Sans Light Bold"/>
-                <a:cs typeface="Open Sans Light Bold"/>
-              </a:rPr>
-              <a:t> </a:t>
-            </a:r>
-            <a:br>
-              <a:rPr lang="en-US" sz="2750" dirty="0">
-                <a:solidFill>
-                  <a:srgbClr val="000000"/>
-                </a:solidFill>
-                <a:latin typeface="Open Sans Light Bold"/>
-                <a:ea typeface="Open Sans Light Bold"/>
-                <a:cs typeface="Open Sans Light Bold"/>
-              </a:rPr>
-            </a:br>
-            <a:r>
-              <a:rPr lang="en-US" sz="2750" dirty="0">
-                <a:solidFill>
-                  <a:srgbClr val="000000"/>
-                </a:solidFill>
-                <a:latin typeface="Open Sans Light"/>
-              </a:rPr>
-              <a:t>e </a:t>
-            </a:r>
-            <a:r>
-              <a:rPr lang="en-US" sz="2750" dirty="0" err="1">
-                <a:solidFill>
-                  <a:srgbClr val="000000"/>
-                </a:solidFill>
-                <a:latin typeface="Open Sans Light"/>
-              </a:rPr>
-              <a:t>presentazione</a:t>
-            </a:r>
-            <a:r>
-              <a:rPr lang="en-US" sz="2750" dirty="0">
-                <a:solidFill>
-                  <a:srgbClr val="000000"/>
-                </a:solidFill>
-                <a:latin typeface="Open Sans Light"/>
-              </a:rPr>
-              <a:t> del </a:t>
-            </a:r>
-            <a:r>
-              <a:rPr lang="en-US" sz="2750" dirty="0" err="1">
-                <a:solidFill>
-                  <a:srgbClr val="000000"/>
-                </a:solidFill>
-                <a:latin typeface="Open Sans Light"/>
-              </a:rPr>
-              <a:t>risultato</a:t>
-            </a:r>
-            <a:endParaRPr lang="en-US" sz="2750" dirty="0" err="1">
-              <a:solidFill>
-                <a:srgbClr val="000000"/>
-              </a:solidFill>
-              <a:latin typeface="Open Sans Light"/>
-              <a:ea typeface="Open Sans Light"/>
-              <a:cs typeface="Open Sans Light"/>
-            </a:endParaRPr>
-          </a:p>
-        </p:txBody>
-      </p:sp>
-      <p:sp>
-        <p:nvSpPr>
-          <p:cNvPr id="38" name="TextBox 38"/>
-          <p:cNvSpPr txBox="1"/>
-          <p:nvPr/>
-        </p:nvSpPr>
-        <p:spPr>
-          <a:xfrm>
-            <a:off x="10507873" y="8436418"/>
-            <a:ext cx="6387405" cy="949089"/>
-          </a:xfrm>
-          <a:prstGeom prst="rect">
-            <a:avLst/>
-          </a:prstGeom>
-        </p:spPr>
-        <p:txBody>
-          <a:bodyPr lIns="0" tIns="0" rIns="0" bIns="0" rtlCol="0" anchor="t">
-            <a:spAutoFit/>
-          </a:bodyPr>
-          <a:lstStyle/>
-          <a:p>
-            <a:pPr>
-              <a:lnSpc>
-                <a:spcPts val="3863"/>
-              </a:lnSpc>
-            </a:pPr>
-            <a:r>
-              <a:rPr lang="en-US" sz="2759">
-                <a:solidFill>
-                  <a:srgbClr val="FFFFFF"/>
-                </a:solidFill>
-                <a:latin typeface="Open Sans Light"/>
-              </a:rPr>
-              <a:t>Elaborazione richiesta e restituzione del </a:t>
-            </a:r>
-          </a:p>
-          <a:p>
-            <a:pPr>
-              <a:lnSpc>
-                <a:spcPts val="3863"/>
-              </a:lnSpc>
-            </a:pPr>
-            <a:r>
-              <a:rPr lang="en-US" sz="2759">
-                <a:solidFill>
-                  <a:srgbClr val="FFFFFF"/>
-                </a:solidFill>
-                <a:latin typeface="Open Sans Light"/>
-              </a:rPr>
-              <a:t>risultato</a:t>
-            </a:r>
-          </a:p>
-        </p:txBody>
-      </p:sp>
-      <p:sp>
-        <p:nvSpPr>
-          <p:cNvPr id="39" name="TextBox 39"/>
-          <p:cNvSpPr txBox="1"/>
-          <p:nvPr/>
-        </p:nvSpPr>
-        <p:spPr>
-          <a:xfrm>
-            <a:off x="10507873" y="1884589"/>
-            <a:ext cx="7446466" cy="949089"/>
-          </a:xfrm>
-          <a:prstGeom prst="rect">
-            <a:avLst/>
-          </a:prstGeom>
-        </p:spPr>
-        <p:txBody>
-          <a:bodyPr lIns="0" tIns="0" rIns="0" bIns="0" rtlCol="0" anchor="t">
-            <a:spAutoFit/>
-          </a:bodyPr>
-          <a:lstStyle/>
-          <a:p>
-            <a:pPr>
-              <a:lnSpc>
-                <a:spcPts val="3863"/>
-              </a:lnSpc>
-              <a:spcBef>
-                <a:spcPct val="0"/>
-              </a:spcBef>
-            </a:pPr>
-            <a:r>
-              <a:rPr lang="en-US" sz="2759" dirty="0" err="1">
-                <a:solidFill>
-                  <a:srgbClr val="FFFFFF"/>
-                </a:solidFill>
-                <a:latin typeface="Open Sans Light"/>
-              </a:rPr>
-              <a:t>Registrare</a:t>
-            </a:r>
-            <a:r>
-              <a:rPr lang="en-US" sz="2759" dirty="0">
-                <a:solidFill>
-                  <a:srgbClr val="FFFFFF"/>
-                </a:solidFill>
-                <a:latin typeface="Open Sans Light"/>
-              </a:rPr>
-              <a:t> il </a:t>
-            </a:r>
-            <a:r>
-              <a:rPr lang="en-US" sz="2759" dirty="0" err="1">
-                <a:solidFill>
-                  <a:srgbClr val="FFFFFF"/>
-                </a:solidFill>
-                <a:latin typeface="Open Sans Light"/>
-              </a:rPr>
-              <a:t>riferimento</a:t>
-            </a:r>
-            <a:r>
-              <a:rPr lang="en-US" sz="2759" dirty="0">
-                <a:solidFill>
-                  <a:srgbClr val="FFFFFF"/>
-                </a:solidFill>
-                <a:latin typeface="Open Sans Light"/>
-              </a:rPr>
-              <a:t> </a:t>
-            </a:r>
-            <a:r>
-              <a:rPr lang="en-US" sz="2759" dirty="0" err="1">
-                <a:solidFill>
-                  <a:srgbClr val="FFFFFF"/>
-                </a:solidFill>
-                <a:latin typeface="Open Sans Light"/>
-              </a:rPr>
-              <a:t>remoto</a:t>
-            </a:r>
-            <a:r>
-              <a:rPr lang="en-US" sz="2759" dirty="0">
-                <a:solidFill>
-                  <a:srgbClr val="FFFFFF"/>
-                </a:solidFill>
-                <a:latin typeface="Open Sans Light"/>
-              </a:rPr>
-              <a:t> </a:t>
-            </a:r>
-            <a:r>
-              <a:rPr lang="en-US" sz="2759" dirty="0" err="1">
-                <a:solidFill>
-                  <a:srgbClr val="FFFFFF"/>
-                </a:solidFill>
-                <a:latin typeface="Open Sans Light"/>
-              </a:rPr>
-              <a:t>sul</a:t>
-            </a:r>
-            <a:r>
-              <a:rPr lang="en-US" sz="2759" dirty="0">
-                <a:solidFill>
-                  <a:srgbClr val="FFFFFF"/>
-                </a:solidFill>
-                <a:latin typeface="Open Sans Light"/>
-              </a:rPr>
-              <a:t> registry </a:t>
-            </a:r>
-            <a:r>
-              <a:rPr lang="en-US" sz="2759" dirty="0" err="1">
-                <a:solidFill>
-                  <a:srgbClr val="FFFFFF"/>
-                </a:solidFill>
-                <a:latin typeface="Open Sans Light"/>
-              </a:rPr>
-              <a:t>alla</a:t>
-            </a:r>
-            <a:r>
-              <a:rPr lang="en-US" sz="2759" dirty="0">
-                <a:solidFill>
-                  <a:srgbClr val="FFFFFF"/>
-                </a:solidFill>
-                <a:latin typeface="Open Sans Light"/>
-              </a:rPr>
-              <a:t> </a:t>
-            </a:r>
-            <a:r>
-              <a:rPr lang="en-US" sz="2759" dirty="0" err="1">
-                <a:solidFill>
-                  <a:srgbClr val="FFFFFF"/>
-                </a:solidFill>
-                <a:latin typeface="Open Sans Light"/>
-              </a:rPr>
-              <a:t>locazione</a:t>
-            </a:r>
-            <a:r>
-              <a:rPr lang="en-US" sz="2759" dirty="0">
-                <a:solidFill>
-                  <a:srgbClr val="FFFFFF"/>
-                </a:solidFill>
-                <a:latin typeface="Open Sans Light"/>
-              </a:rPr>
-              <a:t> </a:t>
-            </a:r>
-            <a:r>
-              <a:rPr lang="en-US" sz="2759" dirty="0" err="1">
-                <a:solidFill>
-                  <a:srgbClr val="FFFFFF"/>
-                </a:solidFill>
-                <a:latin typeface="Open Sans Light"/>
-              </a:rPr>
-              <a:t>corretta</a:t>
-            </a:r>
-            <a:endParaRPr lang="en-US" sz="2759" dirty="0">
-              <a:solidFill>
-                <a:srgbClr val="FFFFFF"/>
-              </a:solidFill>
-              <a:latin typeface="Open Sans Light"/>
-            </a:endParaRPr>
-          </a:p>
-        </p:txBody>
-      </p:sp>
-      <p:sp>
-        <p:nvSpPr>
-          <p:cNvPr id="40" name="TextBox 40"/>
-          <p:cNvSpPr txBox="1"/>
-          <p:nvPr/>
-        </p:nvSpPr>
-        <p:spPr>
-          <a:xfrm>
-            <a:off x="10507873" y="6567202"/>
-            <a:ext cx="6432352" cy="463314"/>
-          </a:xfrm>
-          <a:prstGeom prst="rect">
-            <a:avLst/>
-          </a:prstGeom>
-        </p:spPr>
-        <p:txBody>
-          <a:bodyPr lIns="0" tIns="0" rIns="0" bIns="0" rtlCol="0" anchor="t">
-            <a:spAutoFit/>
-          </a:bodyPr>
-          <a:lstStyle/>
-          <a:p>
-            <a:pPr>
-              <a:lnSpc>
-                <a:spcPts val="3863"/>
-              </a:lnSpc>
-              <a:spcBef>
-                <a:spcPct val="0"/>
-              </a:spcBef>
-            </a:pPr>
-            <a:r>
-              <a:rPr lang="en-US" sz="2759">
-                <a:solidFill>
-                  <a:srgbClr val="FFFFFF"/>
-                </a:solidFill>
-                <a:latin typeface="Open Sans Light"/>
-              </a:rPr>
-              <a:t>Attesa di invocazioni da parte del cliente </a:t>
+              <a:t>, Tag tag)</a:t>
             </a:r>
           </a:p>
         </p:txBody>
       </p:sp>
       <p:pic>
         <p:nvPicPr>
-          <p:cNvPr id="44" name="Picture 43">
+          <p:cNvPr id="43" name="Immagine 42">
             <a:extLst>
               <a:ext uri="{FF2B5EF4-FFF2-40B4-BE49-F238E27FC236}">
-                <a16:creationId xmlns:a16="http://schemas.microsoft.com/office/drawing/2014/main" id="{B9FEB9AC-3341-4B3A-9FA7-E8488B60467A}"/>
-              </a:ext>
-            </a:extLst>
-          </p:cNvPr>
-          <p:cNvPicPr>
-            <a:picLocks noChangeAspect="1"/>
-          </p:cNvPicPr>
-          <p:nvPr/>
-        </p:nvPicPr>
-        <p:blipFill>
-          <a:blip r:embed="rId2"/>
-          <a:stretch>
-            <a:fillRect/>
-          </a:stretch>
-        </p:blipFill>
-        <p:spPr>
-          <a:xfrm>
-            <a:off x="9499243" y="3330140"/>
-            <a:ext cx="7525800" cy="2619741"/>
-          </a:xfrm>
-          <a:prstGeom prst="rect">
-            <a:avLst/>
-          </a:prstGeom>
-        </p:spPr>
-      </p:pic>
-      <p:pic>
-        <p:nvPicPr>
-          <p:cNvPr id="46" name="Picture 45">
-            <a:extLst>
-              <a:ext uri="{FF2B5EF4-FFF2-40B4-BE49-F238E27FC236}">
-                <a16:creationId xmlns:a16="http://schemas.microsoft.com/office/drawing/2014/main" id="{D071A827-9D14-4490-AD84-F40CAF523C67}"/>
+                <a16:creationId xmlns:a16="http://schemas.microsoft.com/office/drawing/2014/main" id="{4F847C75-E71C-4484-A6E2-C0A637E3B793}"/>
               </a:ext>
             </a:extLst>
           </p:cNvPr>
@@ -8485,8 +6057,38 @@
         </p:blipFill>
         <p:spPr>
           <a:xfrm>
-            <a:off x="906363" y="4323525"/>
-            <a:ext cx="7487695" cy="1933845"/>
+            <a:off x="218262" y="2247900"/>
+            <a:ext cx="8276071" cy="6172200"/>
+          </a:xfrm>
+          <a:prstGeom prst="rect">
+            <a:avLst/>
+          </a:prstGeom>
+        </p:spPr>
+      </p:pic>
+      <p:pic>
+        <p:nvPicPr>
+          <p:cNvPr id="52" name="Immagine 51">
+            <a:extLst>
+              <a:ext uri="{FF2B5EF4-FFF2-40B4-BE49-F238E27FC236}">
+                <a16:creationId xmlns:a16="http://schemas.microsoft.com/office/drawing/2014/main" id="{158DD397-AE34-4876-808F-D2199BF1D14C}"/>
+              </a:ext>
+            </a:extLst>
+          </p:cNvPr>
+          <p:cNvPicPr>
+            <a:picLocks noChangeAspect="1"/>
+          </p:cNvPicPr>
+          <p:nvPr/>
+        </p:nvPicPr>
+        <p:blipFill>
+          <a:blip r:embed="rId4"/>
+          <a:stretch>
+            <a:fillRect/>
+          </a:stretch>
+        </p:blipFill>
+        <p:spPr>
+          <a:xfrm>
+            <a:off x="8877106" y="2944630"/>
+            <a:ext cx="9163437" cy="4397740"/>
           </a:xfrm>
           <a:prstGeom prst="rect">
             <a:avLst/>
@@ -8501,17 +6103,9 @@
 </p:sld>
 </file>
 
-<file path=ppt/slides/slide5.xml><?xml version="1.0" encoding="utf-8"?>
+<file path=ppt/slides/slide6.xml><?xml version="1.0" encoding="utf-8"?>
 <p:sld xmlns:a="http://schemas.openxmlformats.org/drawingml/2006/main" xmlns:r="http://schemas.openxmlformats.org/officeDocument/2006/relationships" xmlns:p="http://schemas.openxmlformats.org/presentationml/2006/main">
   <p:cSld>
-    <p:bg>
-      <p:bgPr>
-        <a:solidFill>
-          <a:srgbClr val="FF914D"/>
-        </a:solidFill>
-        <a:effectLst/>
-      </p:bgPr>
-    </p:bg>
     <p:spTree>
       <p:nvGrpSpPr>
         <p:cNvPr id="1" name=""/>
@@ -8578,11 +6172,6 @@
             <a:solidFill>
               <a:srgbClr val="004AAD"/>
             </a:solidFill>
-            <a:ln>
-              <a:solidFill>
-                <a:srgbClr val="004AAD"/>
-              </a:solidFill>
-            </a:ln>
           </p:spPr>
         </p:sp>
       </p:grpSp>
@@ -8594,7 +6183,7 @@
         </p:nvGrpSpPr>
         <p:grpSpPr>
           <a:xfrm>
-            <a:off x="16648765" y="8740635"/>
+            <a:off x="16658290" y="8740635"/>
             <a:ext cx="1289957" cy="1289957"/>
             <a:chOff x="0" y="0"/>
             <a:chExt cx="1719943" cy="1719943"/>
@@ -8678,7 +6267,7 @@
           <p:spPr>
             <a:xfrm>
               <a:off x="696856" y="450820"/>
-              <a:ext cx="326231" cy="751628"/>
+              <a:ext cx="326231" cy="765595"/>
             </a:xfrm>
             <a:prstGeom prst="rect">
               <a:avLst/>
@@ -8710,88 +6299,21 @@
       </p:grpSp>
       <p:sp>
         <p:nvSpPr>
-          <p:cNvPr id="8" name="TextBox 8"/>
+          <p:cNvPr id="9" name="TextBox 9"/>
           <p:cNvSpPr txBox="1"/>
           <p:nvPr/>
         </p:nvSpPr>
         <p:spPr>
           <a:xfrm>
-            <a:off x="350490" y="181872"/>
-            <a:ext cx="7924949" cy="688974"/>
+            <a:off x="218262" y="222912"/>
+            <a:ext cx="5795440" cy="874214"/>
           </a:xfrm>
           <a:prstGeom prst="rect">
             <a:avLst/>
           </a:prstGeom>
         </p:spPr>
         <p:txBody>
-          <a:bodyPr lIns="0" tIns="0" rIns="0" bIns="0" rtlCol="0" anchor="t">
-            <a:spAutoFit/>
-          </a:bodyPr>
-          <a:lstStyle/>
-          <a:p>
-            <a:pPr>
-              <a:lnSpc>
-                <a:spcPts val="5600"/>
-              </a:lnSpc>
-            </a:pPr>
-            <a:r>
-              <a:rPr lang="en-US" sz="4000" dirty="0" err="1">
-                <a:solidFill>
-                  <a:srgbClr val="000000"/>
-                </a:solidFill>
-                <a:latin typeface="Open Sans Extra Bold"/>
-              </a:rPr>
-              <a:t>Implementazione</a:t>
-            </a:r>
-            <a:r>
-              <a:rPr lang="en-US" sz="4000" dirty="0">
-                <a:solidFill>
-                  <a:srgbClr val="000000"/>
-                </a:solidFill>
-                <a:latin typeface="Open Sans Extra Bold"/>
-              </a:rPr>
-              <a:t> </a:t>
-            </a:r>
-            <a:r>
-              <a:rPr lang="en-US" sz="4000" dirty="0" err="1">
-                <a:ea typeface="+mn-lt"/>
-                <a:cs typeface="+mn-lt"/>
-              </a:rPr>
-              <a:t>cercaTag</a:t>
-            </a:r>
-            <a:r>
-              <a:rPr lang="en-US" sz="4000" dirty="0">
-                <a:ea typeface="+mn-lt"/>
-                <a:cs typeface="+mn-lt"/>
-              </a:rPr>
-              <a:t>(tag)</a:t>
-            </a:r>
-            <a:endParaRPr lang="en-US" sz="4000" dirty="0">
-              <a:solidFill>
-                <a:srgbClr val="000000"/>
-              </a:solidFill>
-              <a:latin typeface="Open Sans Extra Bold"/>
-            </a:endParaRPr>
-          </a:p>
-        </p:txBody>
-      </p:sp>
-      <p:sp>
-        <p:nvSpPr>
-          <p:cNvPr id="9" name="TextBox 9"/>
-          <p:cNvSpPr txBox="1"/>
-          <p:nvPr/>
-        </p:nvSpPr>
-        <p:spPr>
-          <a:xfrm>
-            <a:off x="475538" y="3397118"/>
-            <a:ext cx="5470497" cy="877570"/>
-          </a:xfrm>
-          <a:prstGeom prst="rect">
-            <a:avLst/>
-          </a:prstGeom>
-        </p:spPr>
-        <p:txBody>
-          <a:bodyPr lIns="0" tIns="0" rIns="0" bIns="0" rtlCol="0" anchor="t">
+          <a:bodyPr wrap="square" lIns="0" tIns="0" rIns="0" bIns="0" rtlCol="0" anchor="t">
             <a:spAutoFit/>
           </a:bodyPr>
           <a:lstStyle/>
@@ -8808,7 +6330,7 @@
                 </a:solidFill>
                 <a:latin typeface="Open Sans"/>
               </a:rPr>
-              <a:t>Cliente</a:t>
+              <a:t>ServerCongresso</a:t>
             </a:r>
             <a:endParaRPr lang="en-US" sz="5199" dirty="0">
               <a:solidFill>
@@ -8821,21 +6343,27 @@
       </p:sp>
       <p:sp>
         <p:nvSpPr>
-          <p:cNvPr id="10" name="TextBox 10"/>
+          <p:cNvPr id="45" name="TextBox 9">
+            <a:extLst>
+              <a:ext uri="{FF2B5EF4-FFF2-40B4-BE49-F238E27FC236}">
+                <a16:creationId xmlns:a16="http://schemas.microsoft.com/office/drawing/2014/main" id="{EAA91EC1-8B12-4B59-9518-94B4BF59EAB5}"/>
+              </a:ext>
+            </a:extLst>
+          </p:cNvPr>
           <p:cNvSpPr txBox="1"/>
           <p:nvPr/>
         </p:nvSpPr>
         <p:spPr>
           <a:xfrm>
-            <a:off x="9170003" y="1316621"/>
-            <a:ext cx="6951218" cy="877570"/>
+            <a:off x="9144000" y="203519"/>
+            <a:ext cx="8899505" cy="861070"/>
           </a:xfrm>
           <a:prstGeom prst="rect">
             <a:avLst/>
           </a:prstGeom>
         </p:spPr>
         <p:txBody>
-          <a:bodyPr lIns="0" tIns="0" rIns="0" bIns="0" rtlCol="0" anchor="t">
+          <a:bodyPr wrap="square" lIns="0" tIns="0" rIns="0" bIns="0" rtlCol="0" anchor="t">
             <a:spAutoFit/>
           </a:bodyPr>
           <a:lstStyle/>
@@ -8846,17 +6374,17 @@
               </a:lnSpc>
             </a:pPr>
             <a:r>
-              <a:rPr lang="en-US" sz="5199" dirty="0" err="1">
+              <a:rPr lang="en-US" sz="4800" dirty="0" err="1">
                 <a:solidFill>
-                  <a:srgbClr val="FFFFFF"/>
+                  <a:schemeClr val="bg1"/>
                 </a:solidFill>
                 <a:latin typeface="Open Sans"/>
               </a:rPr>
-              <a:t>Servitore</a:t>
-            </a:r>
-            <a:endParaRPr lang="en-US" sz="5199" dirty="0">
+              <a:t>ServerEcho</a:t>
+            </a:r>
+            <a:endParaRPr lang="en-US" sz="4000" dirty="0">
               <a:solidFill>
-                <a:srgbClr val="FFFFFF"/>
+                <a:schemeClr val="bg1"/>
               </a:solidFill>
               <a:latin typeface="Open Sans"/>
             </a:endParaRPr>
@@ -8865,40 +6393,10 @@
       </p:sp>
       <p:pic>
         <p:nvPicPr>
-          <p:cNvPr id="12" name="Picture 11">
+          <p:cNvPr id="10" name="Immagine 9">
             <a:extLst>
               <a:ext uri="{FF2B5EF4-FFF2-40B4-BE49-F238E27FC236}">
-                <a16:creationId xmlns:a16="http://schemas.microsoft.com/office/drawing/2014/main" id="{0A6683B1-FA56-495C-8ED5-1C88C4E27F7B}"/>
-              </a:ext>
-            </a:extLst>
-          </p:cNvPr>
-          <p:cNvPicPr>
-            <a:picLocks noChangeAspect="1"/>
-          </p:cNvPicPr>
-          <p:nvPr/>
-        </p:nvPicPr>
-        <p:blipFill>
-          <a:blip r:embed="rId2"/>
-          <a:stretch>
-            <a:fillRect/>
-          </a:stretch>
-        </p:blipFill>
-        <p:spPr>
-          <a:xfrm>
-            <a:off x="381866" y="4732617"/>
-            <a:ext cx="7992590" cy="5182323"/>
-          </a:xfrm>
-          <a:prstGeom prst="rect">
-            <a:avLst/>
-          </a:prstGeom>
-        </p:spPr>
-      </p:pic>
-      <p:pic>
-        <p:nvPicPr>
-          <p:cNvPr id="14" name="Picture 13">
-            <a:extLst>
-              <a:ext uri="{FF2B5EF4-FFF2-40B4-BE49-F238E27FC236}">
-                <a16:creationId xmlns:a16="http://schemas.microsoft.com/office/drawing/2014/main" id="{A3D6A194-9DA6-4178-AD45-A266BB8647CA}"/>
+                <a16:creationId xmlns:a16="http://schemas.microsoft.com/office/drawing/2014/main" id="{295F5287-5D8A-4084-9A87-9E4DEE6A2A32}"/>
               </a:ext>
             </a:extLst>
           </p:cNvPr>
@@ -8915,8 +6413,8 @@
         </p:blipFill>
         <p:spPr>
           <a:xfrm>
-            <a:off x="9152074" y="2644548"/>
-            <a:ext cx="7411484" cy="6716062"/>
+            <a:off x="263982" y="1911881"/>
+            <a:ext cx="8087538" cy="1699844"/>
           </a:xfrm>
           <a:prstGeom prst="rect">
             <a:avLst/>
@@ -8925,10 +6423,10 @@
       </p:pic>
       <p:pic>
         <p:nvPicPr>
-          <p:cNvPr id="22" name="Picture 21">
+          <p:cNvPr id="14" name="Immagine 13">
             <a:extLst>
               <a:ext uri="{FF2B5EF4-FFF2-40B4-BE49-F238E27FC236}">
-                <a16:creationId xmlns:a16="http://schemas.microsoft.com/office/drawing/2014/main" id="{CB70312E-C218-4EE1-9BAD-CB2B374E2BF3}"/>
+                <a16:creationId xmlns:a16="http://schemas.microsoft.com/office/drawing/2014/main" id="{3857DB1A-B65E-4A79-B382-B9833FD2E447}"/>
               </a:ext>
             </a:extLst>
           </p:cNvPr>
@@ -8945,15 +6443,180 @@
         </p:blipFill>
         <p:spPr>
           <a:xfrm>
-            <a:off x="475538" y="1336455"/>
-            <a:ext cx="7059010" cy="1390844"/>
+            <a:off x="177452" y="6310343"/>
+            <a:ext cx="8260598" cy="2430292"/>
           </a:xfrm>
           <a:prstGeom prst="rect">
             <a:avLst/>
           </a:prstGeom>
         </p:spPr>
       </p:pic>
+      <p:sp>
+        <p:nvSpPr>
+          <p:cNvPr id="18" name="TextBox 9">
+            <a:extLst>
+              <a:ext uri="{FF2B5EF4-FFF2-40B4-BE49-F238E27FC236}">
+                <a16:creationId xmlns:a16="http://schemas.microsoft.com/office/drawing/2014/main" id="{E9E45C85-848B-4C30-B8B7-BD2BF23247DE}"/>
+              </a:ext>
+            </a:extLst>
+          </p:cNvPr>
+          <p:cNvSpPr txBox="1"/>
+          <p:nvPr/>
+        </p:nvSpPr>
+        <p:spPr>
+          <a:xfrm>
+            <a:off x="233502" y="4559937"/>
+            <a:ext cx="6853098" cy="874214"/>
+          </a:xfrm>
+          <a:prstGeom prst="rect">
+            <a:avLst/>
+          </a:prstGeom>
+        </p:spPr>
+        <p:txBody>
+          <a:bodyPr wrap="square" lIns="0" tIns="0" rIns="0" bIns="0" rtlCol="0" anchor="t">
+            <a:spAutoFit/>
+          </a:bodyPr>
+          <a:lstStyle/>
+          <a:p>
+            <a:pPr>
+              <a:lnSpc>
+                <a:spcPts val="7279"/>
+              </a:lnSpc>
+            </a:pPr>
+            <a:r>
+              <a:rPr lang="en-US" sz="5199" dirty="0" err="1">
+                <a:solidFill>
+                  <a:srgbClr val="000000"/>
+                </a:solidFill>
+                <a:latin typeface="Open Sans"/>
+              </a:rPr>
+              <a:t>ServerCongressoImpl</a:t>
+            </a:r>
+            <a:endParaRPr lang="en-US" sz="5199" dirty="0">
+              <a:solidFill>
+                <a:srgbClr val="000000"/>
+              </a:solidFill>
+              <a:latin typeface="Open Sans"/>
+            </a:endParaRPr>
+          </a:p>
+        </p:txBody>
+      </p:sp>
+      <p:pic>
+        <p:nvPicPr>
+          <p:cNvPr id="16" name="Immagine 15">
+            <a:extLst>
+              <a:ext uri="{FF2B5EF4-FFF2-40B4-BE49-F238E27FC236}">
+                <a16:creationId xmlns:a16="http://schemas.microsoft.com/office/drawing/2014/main" id="{82912BDF-59A9-474F-BD9E-94F95D30F3DF}"/>
+              </a:ext>
+            </a:extLst>
+          </p:cNvPr>
+          <p:cNvPicPr>
+            <a:picLocks noChangeAspect="1"/>
+          </p:cNvPicPr>
+          <p:nvPr/>
+        </p:nvPicPr>
+        <p:blipFill>
+          <a:blip r:embed="rId5"/>
+          <a:stretch>
+            <a:fillRect/>
+          </a:stretch>
+        </p:blipFill>
+        <p:spPr>
+          <a:xfrm>
+            <a:off x="9953625" y="1887625"/>
+            <a:ext cx="7010400" cy="1748356"/>
+          </a:xfrm>
+          <a:prstGeom prst="rect">
+            <a:avLst/>
+          </a:prstGeom>
+        </p:spPr>
+      </p:pic>
+      <p:pic>
+        <p:nvPicPr>
+          <p:cNvPr id="19" name="Immagine 18">
+            <a:extLst>
+              <a:ext uri="{FF2B5EF4-FFF2-40B4-BE49-F238E27FC236}">
+                <a16:creationId xmlns:a16="http://schemas.microsoft.com/office/drawing/2014/main" id="{9EDF3F2D-57F9-4A03-AF71-ADC22C3FE9A9}"/>
+              </a:ext>
+            </a:extLst>
+          </p:cNvPr>
+          <p:cNvPicPr>
+            <a:picLocks noChangeAspect="1"/>
+          </p:cNvPicPr>
+          <p:nvPr/>
+        </p:nvPicPr>
+        <p:blipFill>
+          <a:blip r:embed="rId6"/>
+          <a:stretch>
+            <a:fillRect/>
+          </a:stretch>
+        </p:blipFill>
+        <p:spPr>
+          <a:xfrm>
+            <a:off x="9028202" y="6310342"/>
+            <a:ext cx="8899505" cy="2390761"/>
+          </a:xfrm>
+          <a:prstGeom prst="rect">
+            <a:avLst/>
+          </a:prstGeom>
+        </p:spPr>
+      </p:pic>
+      <p:sp>
+        <p:nvSpPr>
+          <p:cNvPr id="23" name="TextBox 9">
+            <a:extLst>
+              <a:ext uri="{FF2B5EF4-FFF2-40B4-BE49-F238E27FC236}">
+                <a16:creationId xmlns:a16="http://schemas.microsoft.com/office/drawing/2014/main" id="{E3258580-CFD1-4C98-9E94-4739BD03E791}"/>
+              </a:ext>
+            </a:extLst>
+          </p:cNvPr>
+          <p:cNvSpPr txBox="1"/>
+          <p:nvPr/>
+        </p:nvSpPr>
+        <p:spPr>
+          <a:xfrm>
+            <a:off x="9028202" y="4559937"/>
+            <a:ext cx="6853098" cy="874214"/>
+          </a:xfrm>
+          <a:prstGeom prst="rect">
+            <a:avLst/>
+          </a:prstGeom>
+        </p:spPr>
+        <p:txBody>
+          <a:bodyPr wrap="square" lIns="0" tIns="0" rIns="0" bIns="0" rtlCol="0" anchor="t">
+            <a:spAutoFit/>
+          </a:bodyPr>
+          <a:lstStyle/>
+          <a:p>
+            <a:pPr>
+              <a:lnSpc>
+                <a:spcPts val="7279"/>
+              </a:lnSpc>
+            </a:pPr>
+            <a:r>
+              <a:rPr lang="en-US" sz="5199" dirty="0" err="1">
+                <a:solidFill>
+                  <a:schemeClr val="bg1"/>
+                </a:solidFill>
+                <a:latin typeface="Open Sans"/>
+              </a:rPr>
+              <a:t>ServerEchoImpl</a:t>
+            </a:r>
+            <a:endParaRPr lang="en-US" sz="5199" dirty="0">
+              <a:solidFill>
+                <a:schemeClr val="bg1"/>
+              </a:solidFill>
+              <a:latin typeface="Open Sans"/>
+            </a:endParaRPr>
+          </a:p>
+        </p:txBody>
+      </p:sp>
     </p:spTree>
+    <p:extLst>
+      <p:ext uri="{BB962C8B-B14F-4D97-AF65-F5344CB8AC3E}">
+        <p14:creationId xmlns:p14="http://schemas.microsoft.com/office/powerpoint/2010/main" val="3873979484"/>
+      </p:ext>
+    </p:extLst>
   </p:cSld>
   <p:clrMapOvr>
     <a:masterClrMapping/>
@@ -8961,17 +6624,9 @@
 </p:sld>
 </file>
 
-<file path=ppt/slides/slide6.xml><?xml version="1.0" encoding="utf-8"?>
+<file path=ppt/slides/slide7.xml><?xml version="1.0" encoding="utf-8"?>
 <p:sld xmlns:a="http://schemas.openxmlformats.org/drawingml/2006/main" xmlns:r="http://schemas.openxmlformats.org/officeDocument/2006/relationships" xmlns:p="http://schemas.openxmlformats.org/presentationml/2006/main">
   <p:cSld>
-    <p:bg>
-      <p:bgPr>
-        <a:solidFill>
-          <a:srgbClr val="FF914D"/>
-        </a:solidFill>
-        <a:effectLst/>
-      </p:bgPr>
-    </p:bg>
     <p:spTree>
       <p:nvGrpSpPr>
         <p:cNvPr id="1" name=""/>
@@ -8994,8 +6649,8 @@
         </p:nvGrpSpPr>
         <p:grpSpPr>
           <a:xfrm>
-            <a:off x="8629650" y="0"/>
-            <a:ext cx="9658350" cy="10287000"/>
+            <a:off x="0" y="0"/>
+            <a:ext cx="18288000" cy="10287000"/>
             <a:chOff x="0" y="0"/>
             <a:chExt cx="3267146" cy="3479800"/>
           </a:xfrm>
@@ -9043,14 +6698,20 @@
       </p:grpSp>
       <p:sp>
         <p:nvSpPr>
-          <p:cNvPr id="8" name="TextBox 8"/>
+          <p:cNvPr id="14" name="TextBox 9">
+            <a:extLst>
+              <a:ext uri="{FF2B5EF4-FFF2-40B4-BE49-F238E27FC236}">
+                <a16:creationId xmlns:a16="http://schemas.microsoft.com/office/drawing/2014/main" id="{1A50DB5C-87A0-406F-8F95-827126644126}"/>
+              </a:ext>
+            </a:extLst>
+          </p:cNvPr>
           <p:cNvSpPr txBox="1"/>
           <p:nvPr/>
         </p:nvSpPr>
         <p:spPr>
           <a:xfrm>
-            <a:off x="217867" y="191250"/>
-            <a:ext cx="8267700" cy="1365695"/>
+            <a:off x="304800" y="190500"/>
+            <a:ext cx="6853098" cy="874214"/>
           </a:xfrm>
           <a:prstGeom prst="rect">
             <a:avLst/>
@@ -9058,87 +6719,6 @@
         </p:spPr>
         <p:txBody>
           <a:bodyPr wrap="square" lIns="0" tIns="0" rIns="0" bIns="0" rtlCol="0" anchor="t">
-            <a:spAutoFit/>
-          </a:bodyPr>
-          <a:lstStyle/>
-          <a:p>
-            <a:pPr>
-              <a:lnSpc>
-                <a:spcPts val="5460"/>
-              </a:lnSpc>
-            </a:pPr>
-            <a:r>
-              <a:rPr lang="en-US" sz="3900" dirty="0" err="1">
-                <a:solidFill>
-                  <a:srgbClr val="000000"/>
-                </a:solidFill>
-                <a:latin typeface="Open Sans Extra Bold"/>
-              </a:rPr>
-              <a:t>Implementazione</a:t>
-            </a:r>
-            <a:r>
-              <a:rPr lang="en-US" sz="3900" dirty="0">
-                <a:solidFill>
-                  <a:srgbClr val="000000"/>
-                </a:solidFill>
-                <a:latin typeface="Open Sans Extra Bold"/>
-              </a:rPr>
-              <a:t> </a:t>
-            </a:r>
-            <a:r>
-              <a:rPr lang="en-US" sz="3900" dirty="0" err="1">
-                <a:ea typeface="+mn-lt"/>
-                <a:cs typeface="+mn-lt"/>
-              </a:rPr>
-              <a:t>associaTag</a:t>
-            </a:r>
-            <a:r>
-              <a:rPr lang="en-US" sz="3900" dirty="0">
-                <a:ea typeface="+mn-lt"/>
-                <a:cs typeface="+mn-lt"/>
-              </a:rPr>
-              <a:t>(</a:t>
-            </a:r>
-            <a:r>
-              <a:rPr lang="en-US" sz="3900" dirty="0" err="1">
-                <a:ea typeface="+mn-lt"/>
-                <a:cs typeface="+mn-lt"/>
-              </a:rPr>
-              <a:t>nome_logico_server</a:t>
-            </a:r>
-            <a:r>
-              <a:rPr lang="en-US" sz="3900" dirty="0">
-                <a:ea typeface="+mn-lt"/>
-                <a:cs typeface="+mn-lt"/>
-              </a:rPr>
-              <a:t>, tag)</a:t>
-            </a:r>
-            <a:endParaRPr lang="en-US" sz="3900" dirty="0">
-              <a:solidFill>
-                <a:srgbClr val="000000"/>
-              </a:solidFill>
-              <a:latin typeface="Open Sans Extra Bold"/>
-            </a:endParaRPr>
-          </a:p>
-        </p:txBody>
-      </p:sp>
-      <p:sp>
-        <p:nvSpPr>
-          <p:cNvPr id="9" name="TextBox 9"/>
-          <p:cNvSpPr txBox="1"/>
-          <p:nvPr/>
-        </p:nvSpPr>
-        <p:spPr>
-          <a:xfrm>
-            <a:off x="450645" y="3162300"/>
-            <a:ext cx="5470497" cy="877570"/>
-          </a:xfrm>
-          <a:prstGeom prst="rect">
-            <a:avLst/>
-          </a:prstGeom>
-        </p:spPr>
-        <p:txBody>
-          <a:bodyPr lIns="0" tIns="0" rIns="0" bIns="0" rtlCol="0" anchor="t">
             <a:spAutoFit/>
           </a:bodyPr>
           <a:lstStyle/>
@@ -9149,67 +6729,23 @@
               </a:lnSpc>
             </a:pPr>
             <a:r>
-              <a:rPr lang="en-US" sz="5199">
+              <a:rPr lang="en-US" sz="5199" dirty="0">
                 <a:solidFill>
-                  <a:srgbClr val="000000"/>
+                  <a:schemeClr val="bg1"/>
                 </a:solidFill>
                 <a:latin typeface="Open Sans"/>
               </a:rPr>
-              <a:t>Cliente</a:t>
-            </a:r>
-          </a:p>
-        </p:txBody>
-      </p:sp>
-      <p:sp>
-        <p:nvSpPr>
-          <p:cNvPr id="10" name="TextBox 10"/>
-          <p:cNvSpPr txBox="1"/>
-          <p:nvPr/>
-        </p:nvSpPr>
-        <p:spPr>
-          <a:xfrm>
-            <a:off x="9144000" y="1353677"/>
-            <a:ext cx="6951218" cy="877570"/>
-          </a:xfrm>
-          <a:prstGeom prst="rect">
-            <a:avLst/>
-          </a:prstGeom>
-        </p:spPr>
-        <p:txBody>
-          <a:bodyPr lIns="0" tIns="0" rIns="0" bIns="0" rtlCol="0" anchor="t">
-            <a:spAutoFit/>
-          </a:bodyPr>
-          <a:lstStyle/>
-          <a:p>
-            <a:pPr>
-              <a:lnSpc>
-                <a:spcPts val="7279"/>
-              </a:lnSpc>
-            </a:pPr>
-            <a:r>
-              <a:rPr lang="en-US" sz="5199" dirty="0" err="1">
-                <a:solidFill>
-                  <a:srgbClr val="FFFFFF"/>
-                </a:solidFill>
-                <a:latin typeface="Open Sans"/>
-              </a:rPr>
-              <a:t>Servitore</a:t>
-            </a:r>
-            <a:endParaRPr lang="en-US" sz="5199" dirty="0">
-              <a:solidFill>
-                <a:srgbClr val="FFFFFF"/>
-              </a:solidFill>
-              <a:latin typeface="Open Sans"/>
-            </a:endParaRPr>
+              <a:t>Client</a:t>
+            </a:r>
           </a:p>
         </p:txBody>
       </p:sp>
       <p:pic>
         <p:nvPicPr>
-          <p:cNvPr id="15" name="Picture 14">
+          <p:cNvPr id="7" name="Immagine 6">
             <a:extLst>
               <a:ext uri="{FF2B5EF4-FFF2-40B4-BE49-F238E27FC236}">
-                <a16:creationId xmlns:a16="http://schemas.microsoft.com/office/drawing/2014/main" id="{7108F02C-4513-4FD6-ABE8-57753BBDDCCD}"/>
+                <a16:creationId xmlns:a16="http://schemas.microsoft.com/office/drawing/2014/main" id="{4545568A-D1BE-41A3-9125-B9AD2DE806D7}"/>
               </a:ext>
             </a:extLst>
           </p:cNvPr>
@@ -9226,8 +6762,8 @@
         </p:blipFill>
         <p:spPr>
           <a:xfrm>
-            <a:off x="217867" y="1550115"/>
-            <a:ext cx="7211431" cy="1362265"/>
+            <a:off x="116430" y="1909351"/>
+            <a:ext cx="8482054" cy="1617098"/>
           </a:xfrm>
           <a:prstGeom prst="rect">
             <a:avLst/>
@@ -9236,10 +6772,10 @@
       </p:pic>
       <p:pic>
         <p:nvPicPr>
-          <p:cNvPr id="21" name="Picture 20">
+          <p:cNvPr id="12" name="Immagine 11">
             <a:extLst>
               <a:ext uri="{FF2B5EF4-FFF2-40B4-BE49-F238E27FC236}">
-                <a16:creationId xmlns:a16="http://schemas.microsoft.com/office/drawing/2014/main" id="{036CF5DD-D5A2-40D7-9FDA-EA693F7795AA}"/>
+                <a16:creationId xmlns:a16="http://schemas.microsoft.com/office/drawing/2014/main" id="{59C7BBEC-1B43-4E10-9C94-4666BF57D2C9}"/>
               </a:ext>
             </a:extLst>
           </p:cNvPr>
@@ -9256,8 +6792,38 @@
         </p:blipFill>
         <p:spPr>
           <a:xfrm>
-            <a:off x="9105779" y="2552700"/>
-            <a:ext cx="8592749" cy="7630590"/>
+            <a:off x="214438" y="5080340"/>
+            <a:ext cx="8329505" cy="2913205"/>
+          </a:xfrm>
+          <a:prstGeom prst="rect">
+            <a:avLst/>
+          </a:prstGeom>
+        </p:spPr>
+      </p:pic>
+      <p:pic>
+        <p:nvPicPr>
+          <p:cNvPr id="20" name="Immagine 19">
+            <a:extLst>
+              <a:ext uri="{FF2B5EF4-FFF2-40B4-BE49-F238E27FC236}">
+                <a16:creationId xmlns:a16="http://schemas.microsoft.com/office/drawing/2014/main" id="{9003273F-0098-4BE7-ADE4-169A093242D7}"/>
+              </a:ext>
+            </a:extLst>
+          </p:cNvPr>
+          <p:cNvPicPr>
+            <a:picLocks noChangeAspect="1"/>
+          </p:cNvPicPr>
+          <p:nvPr/>
+        </p:nvPicPr>
+        <p:blipFill>
+          <a:blip r:embed="rId4"/>
+          <a:stretch>
+            <a:fillRect/>
+          </a:stretch>
+        </p:blipFill>
+        <p:spPr>
+          <a:xfrm>
+            <a:off x="8750884" y="140380"/>
+            <a:ext cx="9384716" cy="9879920"/>
           </a:xfrm>
           <a:prstGeom prst="rect">
             <a:avLst/>
@@ -9278,8 +6844,8 @@
         </p:nvSpPr>
         <p:spPr>
           <a:xfrm>
-            <a:off x="16896601" y="8724900"/>
-            <a:ext cx="1284201" cy="1289957"/>
+            <a:off x="17145000" y="9029700"/>
+            <a:ext cx="1035802" cy="985157"/>
           </a:xfrm>
           <a:custGeom>
             <a:avLst/>
@@ -9338,15 +6904,15 @@
         </p:nvSpPr>
         <p:spPr>
           <a:xfrm>
-            <a:off x="17416363" y="9063015"/>
-            <a:ext cx="244673" cy="563721"/>
+            <a:off x="17564227" y="9235180"/>
+            <a:ext cx="197347" cy="574196"/>
           </a:xfrm>
           <a:prstGeom prst="rect">
             <a:avLst/>
           </a:prstGeom>
         </p:spPr>
         <p:txBody>
-          <a:bodyPr lIns="0" tIns="0" rIns="0" bIns="0" rtlCol="0" anchor="t">
+          <a:bodyPr wrap="square" lIns="0" tIns="0" rIns="0" bIns="0" rtlCol="0" anchor="t">
             <a:spAutoFit/>
           </a:bodyPr>
           <a:lstStyle/>
@@ -9368,246 +6934,72 @@
           </a:p>
         </p:txBody>
       </p:sp>
-      <p:pic>
-        <p:nvPicPr>
-          <p:cNvPr id="25" name="Picture 24">
+      <p:sp>
+        <p:nvSpPr>
+          <p:cNvPr id="26" name="Freeform 6">
             <a:extLst>
               <a:ext uri="{FF2B5EF4-FFF2-40B4-BE49-F238E27FC236}">
-                <a16:creationId xmlns:a16="http://schemas.microsoft.com/office/drawing/2014/main" id="{A31FBA86-FE7E-4A22-8975-68014548B898}"/>
+                <a16:creationId xmlns:a16="http://schemas.microsoft.com/office/drawing/2014/main" id="{0EA23141-B9D0-443B-B859-BA0BC88A7307}"/>
               </a:ext>
             </a:extLst>
           </p:cNvPr>
-          <p:cNvPicPr>
-            <a:picLocks noChangeAspect="1"/>
-          </p:cNvPicPr>
+          <p:cNvSpPr/>
           <p:nvPr/>
-        </p:nvPicPr>
-        <p:blipFill>
-          <a:blip r:embed="rId4"/>
-          <a:stretch>
-            <a:fillRect/>
-          </a:stretch>
-        </p:blipFill>
+        </p:nvSpPr>
         <p:spPr>
           <a:xfrm>
-            <a:off x="217867" y="4287611"/>
-            <a:ext cx="7697274" cy="5553850"/>
-          </a:xfrm>
-          <a:prstGeom prst="rect">
+            <a:off x="7772400" y="1562100"/>
+            <a:ext cx="826084" cy="839829"/>
+          </a:xfrm>
+          <a:custGeom>
             <a:avLst/>
-          </a:prstGeom>
+            <a:gdLst/>
+            <a:ahLst/>
+            <a:cxnLst/>
+            <a:rect l="l" t="t" r="r" b="b"/>
+            <a:pathLst>
+              <a:path w="6321665" h="6350000">
+                <a:moveTo>
+                  <a:pt x="3160833" y="0"/>
+                </a:moveTo>
+                <a:lnTo>
+                  <a:pt x="3160833" y="0"/>
+                </a:lnTo>
+                <a:cubicBezTo>
+                  <a:pt x="4908795" y="7817"/>
+                  <a:pt x="6321666" y="1427021"/>
+                  <a:pt x="6321666" y="3175000"/>
+                </a:cubicBezTo>
+                <a:cubicBezTo>
+                  <a:pt x="6321666" y="4922979"/>
+                  <a:pt x="4908795" y="6342183"/>
+                  <a:pt x="3160833" y="6350000"/>
+                </a:cubicBezTo>
+                <a:cubicBezTo>
+                  <a:pt x="1412871" y="6342183"/>
+                  <a:pt x="0" y="4922979"/>
+                  <a:pt x="0" y="3175000"/>
+                </a:cubicBezTo>
+                <a:cubicBezTo>
+                  <a:pt x="0" y="1427021"/>
+                  <a:pt x="1412871" y="7817"/>
+                  <a:pt x="3160833" y="0"/>
+                </a:cubicBezTo>
+                <a:close/>
+              </a:path>
+            </a:pathLst>
+          </a:custGeom>
+          <a:solidFill>
+            <a:srgbClr val="FF914D"/>
+          </a:solidFill>
         </p:spPr>
-      </p:pic>
-    </p:spTree>
-  </p:cSld>
-  <p:clrMapOvr>
-    <a:masterClrMapping/>
-  </p:clrMapOvr>
-</p:sld>
-</file>
-
-<file path=ppt/slides/slide7.xml><?xml version="1.0" encoding="utf-8"?>
-<p:sld xmlns:a="http://schemas.openxmlformats.org/drawingml/2006/main" xmlns:r="http://schemas.openxmlformats.org/officeDocument/2006/relationships" xmlns:p="http://schemas.openxmlformats.org/presentationml/2006/main">
-  <p:cSld>
-    <p:bg>
-      <p:bgPr>
-        <a:solidFill>
-          <a:srgbClr val="FF914D"/>
-        </a:solidFill>
-        <a:effectLst/>
-      </p:bgPr>
-    </p:bg>
-    <p:spTree>
-      <p:nvGrpSpPr>
-        <p:cNvPr id="1" name=""/>
-        <p:cNvGrpSpPr/>
-        <p:nvPr/>
-      </p:nvGrpSpPr>
-      <p:grpSpPr>
-        <a:xfrm>
-          <a:off x="0" y="0"/>
-          <a:ext cx="0" cy="0"/>
-          <a:chOff x="0" y="0"/>
-          <a:chExt cx="0" cy="0"/>
-        </a:xfrm>
-      </p:grpSpPr>
-      <p:grpSp>
-        <p:nvGrpSpPr>
-          <p:cNvPr id="4" name="Group 4"/>
-          <p:cNvGrpSpPr/>
-          <p:nvPr/>
-        </p:nvGrpSpPr>
-        <p:grpSpPr>
-          <a:xfrm>
-            <a:off x="16648765" y="8740635"/>
-            <a:ext cx="1289957" cy="1289957"/>
-            <a:chOff x="0" y="0"/>
-            <a:chExt cx="1719943" cy="1719943"/>
-          </a:xfrm>
-          <a:solidFill>
-            <a:srgbClr val="004AAD"/>
-          </a:solidFill>
-        </p:grpSpPr>
-        <p:grpSp>
-          <p:nvGrpSpPr>
-            <p:cNvPr id="5" name="Group 5"/>
-            <p:cNvGrpSpPr/>
-            <p:nvPr/>
-          </p:nvGrpSpPr>
-          <p:grpSpPr>
-            <a:xfrm>
-              <a:off x="0" y="0"/>
-              <a:ext cx="1719943" cy="1719943"/>
-              <a:chOff x="0" y="0"/>
-              <a:chExt cx="6350000" cy="6350000"/>
-            </a:xfrm>
-            <a:grpFill/>
-          </p:grpSpPr>
-          <p:sp>
-            <p:nvSpPr>
-              <p:cNvPr id="6" name="Freeform 6"/>
-              <p:cNvSpPr/>
-              <p:nvPr/>
-            </p:nvSpPr>
-            <p:spPr>
-              <a:xfrm>
-                <a:off x="14167" y="0"/>
-                <a:ext cx="6321665" cy="6350000"/>
-              </a:xfrm>
-              <a:custGeom>
-                <a:avLst/>
-                <a:gdLst/>
-                <a:ahLst/>
-                <a:cxnLst/>
-                <a:rect l="l" t="t" r="r" b="b"/>
-                <a:pathLst>
-                  <a:path w="6321665" h="6350000">
-                    <a:moveTo>
-                      <a:pt x="3160833" y="0"/>
-                    </a:moveTo>
-                    <a:lnTo>
-                      <a:pt x="3160833" y="0"/>
-                    </a:lnTo>
-                    <a:cubicBezTo>
-                      <a:pt x="4908795" y="7817"/>
-                      <a:pt x="6321666" y="1427021"/>
-                      <a:pt x="6321666" y="3175000"/>
-                    </a:cubicBezTo>
-                    <a:cubicBezTo>
-                      <a:pt x="6321666" y="4922979"/>
-                      <a:pt x="4908795" y="6342183"/>
-                      <a:pt x="3160833" y="6350000"/>
-                    </a:cubicBezTo>
-                    <a:cubicBezTo>
-                      <a:pt x="1412871" y="6342183"/>
-                      <a:pt x="0" y="4922979"/>
-                      <a:pt x="0" y="3175000"/>
-                    </a:cubicBezTo>
-                    <a:cubicBezTo>
-                      <a:pt x="0" y="1427021"/>
-                      <a:pt x="1412871" y="7817"/>
-                      <a:pt x="3160833" y="0"/>
-                    </a:cubicBezTo>
-                    <a:close/>
-                  </a:path>
-                </a:pathLst>
-              </a:custGeom>
-              <a:grpFill/>
-              <a:ln>
-                <a:solidFill>
-                  <a:srgbClr val="FF914D"/>
-                </a:solidFill>
-              </a:ln>
-            </p:spPr>
-          </p:sp>
-        </p:grpSp>
-        <p:sp>
-          <p:nvSpPr>
-            <p:cNvPr id="7" name="TextBox 7"/>
-            <p:cNvSpPr txBox="1"/>
-            <p:nvPr/>
-          </p:nvSpPr>
-          <p:spPr>
-            <a:xfrm>
-              <a:off x="696856" y="450820"/>
-              <a:ext cx="326231" cy="751628"/>
-            </a:xfrm>
-            <a:prstGeom prst="rect">
-              <a:avLst/>
-            </a:prstGeom>
-            <a:grpFill/>
-            <a:ln>
-              <a:noFill/>
-            </a:ln>
-          </p:spPr>
-          <p:txBody>
-            <a:bodyPr lIns="0" tIns="0" rIns="0" bIns="0" rtlCol="0" anchor="t">
-              <a:spAutoFit/>
-            </a:bodyPr>
-            <a:lstStyle/>
-            <a:p>
-              <a:pPr algn="ctr">
-                <a:lnSpc>
-                  <a:spcPts val="4759"/>
-                </a:lnSpc>
-              </a:pPr>
-              <a:r>
-                <a:rPr lang="en-US" sz="3399" dirty="0">
-                  <a:solidFill>
-                    <a:srgbClr val="FFFFFF"/>
-                  </a:solidFill>
-                  <a:latin typeface="Open Sans Light Bold"/>
-                </a:rPr>
-                <a:t>7</a:t>
-              </a:r>
-            </a:p>
-          </p:txBody>
-        </p:sp>
-      </p:grpSp>
-      <p:sp>
-        <p:nvSpPr>
-          <p:cNvPr id="14" name="TextBox 14"/>
-          <p:cNvSpPr txBox="1"/>
-          <p:nvPr/>
-        </p:nvSpPr>
-        <p:spPr>
-          <a:xfrm>
-            <a:off x="533932" y="516255"/>
-            <a:ext cx="12191468" cy="909736"/>
-          </a:xfrm>
-          <a:prstGeom prst="rect">
-            <a:avLst/>
-          </a:prstGeom>
-        </p:spPr>
-        <p:txBody>
-          <a:bodyPr wrap="square" lIns="0" tIns="0" rIns="0" bIns="0" rtlCol="0" anchor="t">
-            <a:spAutoFit/>
-          </a:bodyPr>
-          <a:lstStyle/>
-          <a:p>
-            <a:pPr>
-              <a:lnSpc>
-                <a:spcPts val="7559"/>
-              </a:lnSpc>
-            </a:pPr>
-            <a:r>
-              <a:rPr lang="en-US" sz="5400" dirty="0">
-                <a:solidFill>
-                  <a:srgbClr val="000000"/>
-                </a:solidFill>
-                <a:latin typeface="Open Sans Extra Bold"/>
-              </a:rPr>
-              <a:t>Benchmark</a:t>
-            </a:r>
-          </a:p>
-        </p:txBody>
-      </p:sp>
-      <p:sp>
-        <p:nvSpPr>
-          <p:cNvPr id="28" name="TextBox 8">
+      </p:sp>
+      <p:sp>
+        <p:nvSpPr>
+          <p:cNvPr id="27" name="TextBox 7">
             <a:extLst>
               <a:ext uri="{FF2B5EF4-FFF2-40B4-BE49-F238E27FC236}">
-                <a16:creationId xmlns:a16="http://schemas.microsoft.com/office/drawing/2014/main" id="{A3FFC28A-EA6B-4C35-B2CE-4D7BD2BBCA8E}"/>
+                <a16:creationId xmlns:a16="http://schemas.microsoft.com/office/drawing/2014/main" id="{3D2C9A29-BD03-4823-B57F-A1A334625196}"/>
               </a:ext>
             </a:extLst>
           </p:cNvPr>
@@ -9616,8 +7008,8 @@
         </p:nvSpPr>
         <p:spPr>
           <a:xfrm>
-            <a:off x="501711" y="1606009"/>
-            <a:ext cx="17284578" cy="618054"/>
+            <a:off x="8145059" y="1648353"/>
+            <a:ext cx="80766" cy="521996"/>
           </a:xfrm>
           <a:prstGeom prst="rect">
             <a:avLst/>
@@ -9631,35 +7023,87 @@
           <a:p>
             <a:pPr algn="ctr">
               <a:lnSpc>
-                <a:spcPts val="5600"/>
+                <a:spcPts val="4759"/>
               </a:lnSpc>
             </a:pPr>
             <a:r>
-              <a:rPr lang="en-US" sz="2400" dirty="0" err="1">
+              <a:rPr lang="en-US" sz="3399" dirty="0">
                 <a:solidFill>
-                  <a:srgbClr val="000000"/>
+                  <a:srgbClr val="FFFFFF"/>
                 </a:solidFill>
-                <a:latin typeface="Open Sans Extra Bold"/>
+                <a:latin typeface="Open Sans Light Bold"/>
               </a:rPr>
-              <a:t>descrizione</a:t>
-            </a:r>
-            <a:endParaRPr lang="en-US" sz="2400" dirty="0" err="1">
-              <a:solidFill>
-                <a:srgbClr val="000000"/>
-              </a:solidFill>
-              <a:latin typeface="Open Sans Extra Bold"/>
-              <a:ea typeface="Open Sans Extra Bold"/>
-              <a:cs typeface="Open Sans Extra Bold"/>
-            </a:endParaRPr>
-          </a:p>
-        </p:txBody>
-      </p:sp>
-      <p:sp>
-        <p:nvSpPr>
-          <p:cNvPr id="29" name="TextBox 8">
+              <a:t>A</a:t>
+            </a:r>
+          </a:p>
+        </p:txBody>
+      </p:sp>
+      <p:sp>
+        <p:nvSpPr>
+          <p:cNvPr id="28" name="Freeform 6">
             <a:extLst>
               <a:ext uri="{FF2B5EF4-FFF2-40B4-BE49-F238E27FC236}">
-                <a16:creationId xmlns:a16="http://schemas.microsoft.com/office/drawing/2014/main" id="{6664802B-16AA-4661-A500-6D150D6733DC}"/>
+                <a16:creationId xmlns:a16="http://schemas.microsoft.com/office/drawing/2014/main" id="{00DF1C8F-1FBB-4638-92EB-1E94F6726AF0}"/>
+              </a:ext>
+            </a:extLst>
+          </p:cNvPr>
+          <p:cNvSpPr/>
+          <p:nvPr/>
+        </p:nvSpPr>
+        <p:spPr>
+          <a:xfrm>
+            <a:off x="7717859" y="4942375"/>
+            <a:ext cx="826084" cy="839829"/>
+          </a:xfrm>
+          <a:custGeom>
+            <a:avLst/>
+            <a:gdLst/>
+            <a:ahLst/>
+            <a:cxnLst/>
+            <a:rect l="l" t="t" r="r" b="b"/>
+            <a:pathLst>
+              <a:path w="6321665" h="6350000">
+                <a:moveTo>
+                  <a:pt x="3160833" y="0"/>
+                </a:moveTo>
+                <a:lnTo>
+                  <a:pt x="3160833" y="0"/>
+                </a:lnTo>
+                <a:cubicBezTo>
+                  <a:pt x="4908795" y="7817"/>
+                  <a:pt x="6321666" y="1427021"/>
+                  <a:pt x="6321666" y="3175000"/>
+                </a:cubicBezTo>
+                <a:cubicBezTo>
+                  <a:pt x="6321666" y="4922979"/>
+                  <a:pt x="4908795" y="6342183"/>
+                  <a:pt x="3160833" y="6350000"/>
+                </a:cubicBezTo>
+                <a:cubicBezTo>
+                  <a:pt x="1412871" y="6342183"/>
+                  <a:pt x="0" y="4922979"/>
+                  <a:pt x="0" y="3175000"/>
+                </a:cubicBezTo>
+                <a:cubicBezTo>
+                  <a:pt x="0" y="1427021"/>
+                  <a:pt x="1412871" y="7817"/>
+                  <a:pt x="3160833" y="0"/>
+                </a:cubicBezTo>
+                <a:close/>
+              </a:path>
+            </a:pathLst>
+          </a:custGeom>
+          <a:solidFill>
+            <a:srgbClr val="FF914D"/>
+          </a:solidFill>
+        </p:spPr>
+      </p:sp>
+      <p:sp>
+        <p:nvSpPr>
+          <p:cNvPr id="29" name="TextBox 7">
+            <a:extLst>
+              <a:ext uri="{FF2B5EF4-FFF2-40B4-BE49-F238E27FC236}">
+                <a16:creationId xmlns:a16="http://schemas.microsoft.com/office/drawing/2014/main" id="{D048A778-A23F-424E-A898-E885FE668A92}"/>
               </a:ext>
             </a:extLst>
           </p:cNvPr>
@@ -9668,8 +7112,8 @@
         </p:nvSpPr>
         <p:spPr>
           <a:xfrm>
-            <a:off x="551138" y="8600666"/>
-            <a:ext cx="17284578" cy="616066"/>
+            <a:off x="8090518" y="5075191"/>
+            <a:ext cx="80766" cy="574196"/>
           </a:xfrm>
           <a:prstGeom prst="rect">
             <a:avLst/>
@@ -9683,62 +7127,126 @@
           <a:p>
             <a:pPr algn="ctr">
               <a:lnSpc>
-                <a:spcPts val="5600"/>
+                <a:spcPts val="4759"/>
               </a:lnSpc>
             </a:pPr>
             <a:r>
-              <a:rPr lang="en-US" sz="2400" dirty="0" err="1">
+              <a:rPr lang="en-US" sz="3399" dirty="0">
                 <a:solidFill>
-                  <a:srgbClr val="000000"/>
+                  <a:srgbClr val="FFFFFF"/>
                 </a:solidFill>
-                <a:latin typeface="Open Sans Extra Bold"/>
+                <a:latin typeface="Open Sans Light Bold"/>
               </a:rPr>
-              <a:t>Caratteristiche</a:t>
-            </a:r>
-            <a:r>
-              <a:rPr lang="en-US" sz="2400" dirty="0">
+              <a:t>B</a:t>
+            </a:r>
+          </a:p>
+        </p:txBody>
+      </p:sp>
+      <p:sp>
+        <p:nvSpPr>
+          <p:cNvPr id="30" name="Freeform 6">
+            <a:extLst>
+              <a:ext uri="{FF2B5EF4-FFF2-40B4-BE49-F238E27FC236}">
+                <a16:creationId xmlns:a16="http://schemas.microsoft.com/office/drawing/2014/main" id="{C8A194C6-E9CA-40C8-AAE2-5B4E4C570CAE}"/>
+              </a:ext>
+            </a:extLst>
+          </p:cNvPr>
+          <p:cNvSpPr/>
+          <p:nvPr/>
+        </p:nvSpPr>
+        <p:spPr>
+          <a:xfrm>
+            <a:off x="17157116" y="190500"/>
+            <a:ext cx="826084" cy="839829"/>
+          </a:xfrm>
+          <a:custGeom>
+            <a:avLst/>
+            <a:gdLst/>
+            <a:ahLst/>
+            <a:cxnLst/>
+            <a:rect l="l" t="t" r="r" b="b"/>
+            <a:pathLst>
+              <a:path w="6321665" h="6350000">
+                <a:moveTo>
+                  <a:pt x="3160833" y="0"/>
+                </a:moveTo>
+                <a:lnTo>
+                  <a:pt x="3160833" y="0"/>
+                </a:lnTo>
+                <a:cubicBezTo>
+                  <a:pt x="4908795" y="7817"/>
+                  <a:pt x="6321666" y="1427021"/>
+                  <a:pt x="6321666" y="3175000"/>
+                </a:cubicBezTo>
+                <a:cubicBezTo>
+                  <a:pt x="6321666" y="4922979"/>
+                  <a:pt x="4908795" y="6342183"/>
+                  <a:pt x="3160833" y="6350000"/>
+                </a:cubicBezTo>
+                <a:cubicBezTo>
+                  <a:pt x="1412871" y="6342183"/>
+                  <a:pt x="0" y="4922979"/>
+                  <a:pt x="0" y="3175000"/>
+                </a:cubicBezTo>
+                <a:cubicBezTo>
+                  <a:pt x="0" y="1427021"/>
+                  <a:pt x="1412871" y="7817"/>
+                  <a:pt x="3160833" y="0"/>
+                </a:cubicBezTo>
+                <a:close/>
+              </a:path>
+            </a:pathLst>
+          </a:custGeom>
+          <a:solidFill>
+            <a:srgbClr val="FF914D"/>
+          </a:solidFill>
+        </p:spPr>
+      </p:sp>
+      <p:sp>
+        <p:nvSpPr>
+          <p:cNvPr id="31" name="TextBox 7">
+            <a:extLst>
+              <a:ext uri="{FF2B5EF4-FFF2-40B4-BE49-F238E27FC236}">
+                <a16:creationId xmlns:a16="http://schemas.microsoft.com/office/drawing/2014/main" id="{5EE27765-7EB1-43B5-8564-F36A4A91F7AD}"/>
+              </a:ext>
+            </a:extLst>
+          </p:cNvPr>
+          <p:cNvSpPr txBox="1"/>
+          <p:nvPr/>
+        </p:nvSpPr>
+        <p:spPr>
+          <a:xfrm>
+            <a:off x="17529775" y="302385"/>
+            <a:ext cx="80766" cy="574196"/>
+          </a:xfrm>
+          <a:prstGeom prst="rect">
+            <a:avLst/>
+          </a:prstGeom>
+        </p:spPr>
+        <p:txBody>
+          <a:bodyPr wrap="square" lIns="0" tIns="0" rIns="0" bIns="0" rtlCol="0" anchor="t">
+            <a:spAutoFit/>
+          </a:bodyPr>
+          <a:lstStyle/>
+          <a:p>
+            <a:pPr algn="ctr">
+              <a:lnSpc>
+                <a:spcPts val="4759"/>
+              </a:lnSpc>
+            </a:pPr>
+            <a:r>
+              <a:rPr lang="en-US" sz="3399" dirty="0">
                 <a:solidFill>
-                  <a:srgbClr val="000000"/>
+                  <a:srgbClr val="FFFFFF"/>
                 </a:solidFill>
-                <a:latin typeface="Open Sans Extra Bold"/>
+                <a:latin typeface="Open Sans Light Bold"/>
               </a:rPr>
-              <a:t> </a:t>
-            </a:r>
-            <a:r>
-              <a:rPr lang="en-US" sz="2400" dirty="0" err="1">
-                <a:solidFill>
-                  <a:srgbClr val="000000"/>
-                </a:solidFill>
-                <a:latin typeface="Open Sans Extra Bold"/>
-              </a:rPr>
-              <a:t>elaboratore</a:t>
-            </a:r>
-            <a:r>
-              <a:rPr lang="en-US" sz="2400" dirty="0">
-                <a:solidFill>
-                  <a:srgbClr val="000000"/>
-                </a:solidFill>
-                <a:latin typeface="Open Sans Extra Bold"/>
-              </a:rPr>
-              <a:t>: </a:t>
-            </a:r>
-            <a:endParaRPr lang="it-IT" sz="2400" dirty="0">
-              <a:solidFill>
-                <a:srgbClr val="000000"/>
-              </a:solidFill>
-              <a:latin typeface="Open Sans Extra Bold"/>
-              <a:ea typeface="Open Sans Extra Bold"/>
-              <a:cs typeface="Open Sans Extra Bold"/>
-            </a:endParaRPr>
+              <a:t>C</a:t>
+            </a:r>
           </a:p>
         </p:txBody>
       </p:sp>
     </p:spTree>
-    <p:extLst>
-      <p:ext uri="{BB962C8B-B14F-4D97-AF65-F5344CB8AC3E}">
-        <p14:creationId xmlns:p14="http://schemas.microsoft.com/office/powerpoint/2010/main" val="2348509409"/>
-      </p:ext>
-    </p:extLst>
   </p:cSld>
   <p:clrMapOvr>
     <a:masterClrMapping/>
@@ -9749,401 +7257,6 @@
 <file path=ppt/slides/slide8.xml><?xml version="1.0" encoding="utf-8"?>
 <p:sld xmlns:a="http://schemas.openxmlformats.org/drawingml/2006/main" xmlns:r="http://schemas.openxmlformats.org/officeDocument/2006/relationships" xmlns:p="http://schemas.openxmlformats.org/presentationml/2006/main">
   <p:cSld>
-    <p:spTree>
-      <p:nvGrpSpPr>
-        <p:cNvPr id="1" name=""/>
-        <p:cNvGrpSpPr/>
-        <p:nvPr/>
-      </p:nvGrpSpPr>
-      <p:grpSpPr>
-        <a:xfrm>
-          <a:off x="0" y="0"/>
-          <a:ext cx="0" cy="0"/>
-          <a:chOff x="0" y="0"/>
-          <a:chExt cx="0" cy="0"/>
-        </a:xfrm>
-      </p:grpSpPr>
-      <p:grpSp>
-        <p:nvGrpSpPr>
-          <p:cNvPr id="2" name="Group 2"/>
-          <p:cNvGrpSpPr/>
-          <p:nvPr/>
-        </p:nvGrpSpPr>
-        <p:grpSpPr>
-          <a:xfrm>
-            <a:off x="0" y="0"/>
-            <a:ext cx="18288000" cy="10287000"/>
-            <a:chOff x="0" y="0"/>
-            <a:chExt cx="2199731" cy="3479800"/>
-          </a:xfrm>
-        </p:grpSpPr>
-        <p:sp>
-          <p:nvSpPr>
-            <p:cNvPr id="3" name="Freeform 3"/>
-            <p:cNvSpPr/>
-            <p:nvPr/>
-          </p:nvSpPr>
-          <p:spPr>
-            <a:xfrm>
-              <a:off x="0" y="0"/>
-              <a:ext cx="2199731" cy="3479800"/>
-            </a:xfrm>
-            <a:custGeom>
-              <a:avLst/>
-              <a:gdLst/>
-              <a:ahLst/>
-              <a:cxnLst/>
-              <a:rect l="l" t="t" r="r" b="b"/>
-              <a:pathLst>
-                <a:path w="2199731" h="3479800">
-                  <a:moveTo>
-                    <a:pt x="0" y="0"/>
-                  </a:moveTo>
-                  <a:lnTo>
-                    <a:pt x="2199731" y="0"/>
-                  </a:lnTo>
-                  <a:lnTo>
-                    <a:pt x="2199731" y="3479800"/>
-                  </a:lnTo>
-                  <a:lnTo>
-                    <a:pt x="0" y="3479800"/>
-                  </a:lnTo>
-                  <a:close/>
-                </a:path>
-              </a:pathLst>
-            </a:custGeom>
-            <a:solidFill>
-              <a:srgbClr val="004AAD"/>
-            </a:solidFill>
-          </p:spPr>
-        </p:sp>
-      </p:grpSp>
-      <p:grpSp>
-        <p:nvGrpSpPr>
-          <p:cNvPr id="9" name="Group 9"/>
-          <p:cNvGrpSpPr/>
-          <p:nvPr/>
-        </p:nvGrpSpPr>
-        <p:grpSpPr>
-          <a:xfrm>
-            <a:off x="16658290" y="8740635"/>
-            <a:ext cx="1289957" cy="1289957"/>
-            <a:chOff x="0" y="0"/>
-            <a:chExt cx="1719943" cy="1719943"/>
-          </a:xfrm>
-          <a:solidFill>
-            <a:srgbClr val="FF914D"/>
-          </a:solidFill>
-        </p:grpSpPr>
-        <p:grpSp>
-          <p:nvGrpSpPr>
-            <p:cNvPr id="10" name="Group 10"/>
-            <p:cNvGrpSpPr/>
-            <p:nvPr/>
-          </p:nvGrpSpPr>
-          <p:grpSpPr>
-            <a:xfrm>
-              <a:off x="0" y="0"/>
-              <a:ext cx="1719943" cy="1719943"/>
-              <a:chOff x="0" y="0"/>
-              <a:chExt cx="6350000" cy="6350000"/>
-            </a:xfrm>
-            <a:grpFill/>
-          </p:grpSpPr>
-          <p:sp>
-            <p:nvSpPr>
-              <p:cNvPr id="11" name="Freeform 11"/>
-              <p:cNvSpPr/>
-              <p:nvPr/>
-            </p:nvSpPr>
-            <p:spPr>
-              <a:xfrm>
-                <a:off x="14167" y="0"/>
-                <a:ext cx="6321665" cy="6350000"/>
-              </a:xfrm>
-              <a:custGeom>
-                <a:avLst/>
-                <a:gdLst/>
-                <a:ahLst/>
-                <a:cxnLst/>
-                <a:rect l="l" t="t" r="r" b="b"/>
-                <a:pathLst>
-                  <a:path w="6321665" h="6350000">
-                    <a:moveTo>
-                      <a:pt x="3160833" y="0"/>
-                    </a:moveTo>
-                    <a:lnTo>
-                      <a:pt x="3160833" y="0"/>
-                    </a:lnTo>
-                    <a:cubicBezTo>
-                      <a:pt x="4908795" y="7817"/>
-                      <a:pt x="6321666" y="1427021"/>
-                      <a:pt x="6321666" y="3175000"/>
-                    </a:cubicBezTo>
-                    <a:cubicBezTo>
-                      <a:pt x="6321666" y="4922979"/>
-                      <a:pt x="4908795" y="6342183"/>
-                      <a:pt x="3160833" y="6350000"/>
-                    </a:cubicBezTo>
-                    <a:cubicBezTo>
-                      <a:pt x="1412871" y="6342183"/>
-                      <a:pt x="0" y="4922979"/>
-                      <a:pt x="0" y="3175000"/>
-                    </a:cubicBezTo>
-                    <a:cubicBezTo>
-                      <a:pt x="0" y="1427021"/>
-                      <a:pt x="1412871" y="7817"/>
-                      <a:pt x="3160833" y="0"/>
-                    </a:cubicBezTo>
-                    <a:close/>
-                  </a:path>
-                </a:pathLst>
-              </a:custGeom>
-              <a:grpFill/>
-            </p:spPr>
-          </p:sp>
-        </p:grpSp>
-        <p:sp>
-          <p:nvSpPr>
-            <p:cNvPr id="12" name="TextBox 12"/>
-            <p:cNvSpPr txBox="1"/>
-            <p:nvPr/>
-          </p:nvSpPr>
-          <p:spPr>
-            <a:xfrm>
-              <a:off x="696856" y="450820"/>
-              <a:ext cx="326231" cy="751628"/>
-            </a:xfrm>
-            <a:prstGeom prst="rect">
-              <a:avLst/>
-            </a:prstGeom>
-            <a:grpFill/>
-          </p:spPr>
-          <p:txBody>
-            <a:bodyPr lIns="0" tIns="0" rIns="0" bIns="0" rtlCol="0" anchor="t">
-              <a:spAutoFit/>
-            </a:bodyPr>
-            <a:lstStyle/>
-            <a:p>
-              <a:pPr algn="ctr">
-                <a:lnSpc>
-                  <a:spcPts val="4759"/>
-                </a:lnSpc>
-              </a:pPr>
-              <a:r>
-                <a:rPr lang="en-US" sz="3399">
-                  <a:solidFill>
-                    <a:srgbClr val="FFFFFF"/>
-                  </a:solidFill>
-                  <a:latin typeface="Open Sans Light Bold"/>
-                </a:rPr>
-                <a:t>8</a:t>
-              </a:r>
-            </a:p>
-          </p:txBody>
-        </p:sp>
-      </p:grpSp>
-      <p:sp>
-        <p:nvSpPr>
-          <p:cNvPr id="14" name="TextBox 14">
-            <a:extLst>
-              <a:ext uri="{FF2B5EF4-FFF2-40B4-BE49-F238E27FC236}">
-                <a16:creationId xmlns:a16="http://schemas.microsoft.com/office/drawing/2014/main" id="{6FA4F431-DAA4-4A8D-B235-8F221F01F4F0}"/>
-              </a:ext>
-            </a:extLst>
-          </p:cNvPr>
-          <p:cNvSpPr txBox="1"/>
-          <p:nvPr/>
-        </p:nvSpPr>
-        <p:spPr>
-          <a:xfrm>
-            <a:off x="501711" y="362972"/>
-            <a:ext cx="12191468" cy="909736"/>
-          </a:xfrm>
-          <a:prstGeom prst="rect">
-            <a:avLst/>
-          </a:prstGeom>
-        </p:spPr>
-        <p:txBody>
-          <a:bodyPr wrap="square" lIns="0" tIns="0" rIns="0" bIns="0" rtlCol="0" anchor="t">
-            <a:spAutoFit/>
-          </a:bodyPr>
-          <a:lstStyle/>
-          <a:p>
-            <a:pPr>
-              <a:lnSpc>
-                <a:spcPts val="7559"/>
-              </a:lnSpc>
-            </a:pPr>
-            <a:r>
-              <a:rPr lang="en-US" sz="5400" dirty="0">
-                <a:solidFill>
-                  <a:schemeClr val="bg1"/>
-                </a:solidFill>
-                <a:latin typeface="Open Sans Extra Bold"/>
-              </a:rPr>
-              <a:t>Benchmark </a:t>
-            </a:r>
-            <a:endParaRPr lang="en-US" sz="5400" dirty="0">
-              <a:solidFill>
-                <a:schemeClr val="bg1"/>
-              </a:solidFill>
-              <a:latin typeface="Open Sans Extra Bold"/>
-              <a:ea typeface="Open Sans Extra Bold"/>
-              <a:cs typeface="Open Sans Extra Bold"/>
-            </a:endParaRPr>
-          </a:p>
-        </p:txBody>
-      </p:sp>
-      <p:sp>
-        <p:nvSpPr>
-          <p:cNvPr id="16" name="TextBox 8">
-            <a:extLst>
-              <a:ext uri="{FF2B5EF4-FFF2-40B4-BE49-F238E27FC236}">
-                <a16:creationId xmlns:a16="http://schemas.microsoft.com/office/drawing/2014/main" id="{A395B70E-15CC-420D-A038-BCA05C9265B7}"/>
-              </a:ext>
-            </a:extLst>
-          </p:cNvPr>
-          <p:cNvSpPr txBox="1"/>
-          <p:nvPr/>
-        </p:nvSpPr>
-        <p:spPr>
-          <a:xfrm>
-            <a:off x="2046463" y="1485900"/>
-            <a:ext cx="14585889" cy="618054"/>
-          </a:xfrm>
-          <a:prstGeom prst="rect">
-            <a:avLst/>
-          </a:prstGeom>
-        </p:spPr>
-        <p:txBody>
-          <a:bodyPr wrap="square" lIns="0" tIns="0" rIns="0" bIns="0" rtlCol="0" anchor="t">
-            <a:spAutoFit/>
-          </a:bodyPr>
-          <a:lstStyle/>
-          <a:p>
-            <a:pPr algn="ctr">
-              <a:lnSpc>
-                <a:spcPts val="5600"/>
-              </a:lnSpc>
-            </a:pPr>
-            <a:r>
-              <a:rPr lang="en-US" sz="2400" dirty="0" err="1">
-                <a:solidFill>
-                  <a:schemeClr val="bg1"/>
-                </a:solidFill>
-                <a:latin typeface="Open Sans Extra Bold"/>
-                <a:ea typeface="Open Sans Extra Bold"/>
-                <a:cs typeface="Open Sans Extra Bold"/>
-              </a:rPr>
-              <a:t>descrizione</a:t>
-            </a:r>
-          </a:p>
-        </p:txBody>
-      </p:sp>
-      <p:sp>
-        <p:nvSpPr>
-          <p:cNvPr id="17" name="TextBox 8">
-            <a:extLst>
-              <a:ext uri="{FF2B5EF4-FFF2-40B4-BE49-F238E27FC236}">
-                <a16:creationId xmlns:a16="http://schemas.microsoft.com/office/drawing/2014/main" id="{D5389795-F800-4935-AF47-D127AC0F22E4}"/>
-              </a:ext>
-            </a:extLst>
-          </p:cNvPr>
-          <p:cNvSpPr txBox="1"/>
-          <p:nvPr/>
-        </p:nvSpPr>
-        <p:spPr>
-          <a:xfrm>
-            <a:off x="501711" y="9026405"/>
-            <a:ext cx="17284578" cy="616066"/>
-          </a:xfrm>
-          <a:prstGeom prst="rect">
-            <a:avLst/>
-          </a:prstGeom>
-        </p:spPr>
-        <p:txBody>
-          <a:bodyPr wrap="square" lIns="0" tIns="0" rIns="0" bIns="0" rtlCol="0" anchor="t">
-            <a:spAutoFit/>
-          </a:bodyPr>
-          <a:lstStyle/>
-          <a:p>
-            <a:pPr algn="ctr">
-              <a:lnSpc>
-                <a:spcPts val="5600"/>
-              </a:lnSpc>
-            </a:pPr>
-            <a:r>
-              <a:rPr lang="en-US" sz="2400" dirty="0" err="1">
-                <a:solidFill>
-                  <a:schemeClr val="bg1"/>
-                </a:solidFill>
-                <a:latin typeface="Open Sans Extra Bold"/>
-              </a:rPr>
-              <a:t>Caratteristiche</a:t>
-            </a:r>
-            <a:r>
-              <a:rPr lang="en-US" sz="2400" dirty="0">
-                <a:solidFill>
-                  <a:schemeClr val="bg1"/>
-                </a:solidFill>
-                <a:latin typeface="Open Sans Extra Bold"/>
-              </a:rPr>
-              <a:t> </a:t>
-            </a:r>
-            <a:r>
-              <a:rPr lang="en-US" sz="2400" dirty="0" err="1">
-                <a:solidFill>
-                  <a:schemeClr val="bg1"/>
-                </a:solidFill>
-                <a:latin typeface="Open Sans Extra Bold"/>
-              </a:rPr>
-              <a:t>elaboratore</a:t>
-            </a:r>
-            <a:r>
-              <a:rPr lang="en-US" sz="2400" dirty="0">
-                <a:solidFill>
-                  <a:schemeClr val="bg1"/>
-                </a:solidFill>
-                <a:latin typeface="Open Sans Extra Bold"/>
-              </a:rPr>
-              <a:t>: </a:t>
-            </a:r>
-            <a:endParaRPr lang="it-IT" sz="2400" dirty="0">
-              <a:solidFill>
-                <a:schemeClr val="bg1"/>
-              </a:solidFill>
-              <a:latin typeface="Open Sans Extra Bold"/>
-              <a:ea typeface="Open Sans Extra Bold"/>
-              <a:cs typeface="Open Sans Extra Bold"/>
-            </a:endParaRPr>
-          </a:p>
-        </p:txBody>
-      </p:sp>
-    </p:spTree>
-    <p:extLst>
-      <p:ext uri="{BB962C8B-B14F-4D97-AF65-F5344CB8AC3E}">
-        <p14:creationId xmlns:p14="http://schemas.microsoft.com/office/powerpoint/2010/main" val="1930754640"/>
-      </p:ext>
-    </p:extLst>
-  </p:cSld>
-  <p:clrMapOvr>
-    <a:masterClrMapping/>
-  </p:clrMapOvr>
-</p:sld>
-</file>
-
-<file path=ppt/slides/slide9.xml><?xml version="1.0" encoding="utf-8"?>
-<p:sld xmlns:a="http://schemas.openxmlformats.org/drawingml/2006/main" xmlns:r="http://schemas.openxmlformats.org/officeDocument/2006/relationships" xmlns:p="http://schemas.openxmlformats.org/presentationml/2006/main">
-  <p:cSld>
-    <p:bg>
-      <p:bgPr>
-        <a:solidFill>
-          <a:srgbClr val="FF914D"/>
-        </a:solidFill>
-        <a:effectLst/>
-      </p:bgPr>
-    </p:bg>
     <p:spTree>
       <p:nvGrpSpPr>
         <p:cNvPr id="1" name=""/>
@@ -10599,6 +7712,404 @@
           </a:p>
         </p:txBody>
       </p:sp>
+    </p:spTree>
+  </p:cSld>
+  <p:clrMapOvr>
+    <a:masterClrMapping/>
+  </p:clrMapOvr>
+</p:sld>
+</file>
+
+<file path=ppt/slides/slide9.xml><?xml version="1.0" encoding="utf-8"?>
+<p:sld xmlns:a="http://schemas.openxmlformats.org/drawingml/2006/main" xmlns:r="http://schemas.openxmlformats.org/officeDocument/2006/relationships" xmlns:p="http://schemas.openxmlformats.org/presentationml/2006/main">
+  <p:cSld>
+    <p:spTree>
+      <p:nvGrpSpPr>
+        <p:cNvPr id="1" name=""/>
+        <p:cNvGrpSpPr/>
+        <p:nvPr/>
+      </p:nvGrpSpPr>
+      <p:grpSpPr>
+        <a:xfrm>
+          <a:off x="0" y="0"/>
+          <a:ext cx="0" cy="0"/>
+          <a:chOff x="0" y="0"/>
+          <a:chExt cx="0" cy="0"/>
+        </a:xfrm>
+      </p:grpSpPr>
+      <p:grpSp>
+        <p:nvGrpSpPr>
+          <p:cNvPr id="2" name="Group 2"/>
+          <p:cNvGrpSpPr/>
+          <p:nvPr/>
+        </p:nvGrpSpPr>
+        <p:grpSpPr>
+          <a:xfrm>
+            <a:off x="0" y="0"/>
+            <a:ext cx="6502854" cy="10287000"/>
+            <a:chOff x="0" y="0"/>
+            <a:chExt cx="2199731" cy="3479800"/>
+          </a:xfrm>
+        </p:grpSpPr>
+        <p:sp>
+          <p:nvSpPr>
+            <p:cNvPr id="3" name="Freeform 3"/>
+            <p:cNvSpPr/>
+            <p:nvPr/>
+          </p:nvSpPr>
+          <p:spPr>
+            <a:xfrm>
+              <a:off x="0" y="0"/>
+              <a:ext cx="2199731" cy="3479800"/>
+            </a:xfrm>
+            <a:custGeom>
+              <a:avLst/>
+              <a:gdLst/>
+              <a:ahLst/>
+              <a:cxnLst/>
+              <a:rect l="l" t="t" r="r" b="b"/>
+              <a:pathLst>
+                <a:path w="2199731" h="3479800">
+                  <a:moveTo>
+                    <a:pt x="0" y="0"/>
+                  </a:moveTo>
+                  <a:lnTo>
+                    <a:pt x="2199731" y="0"/>
+                  </a:lnTo>
+                  <a:lnTo>
+                    <a:pt x="2199731" y="3479800"/>
+                  </a:lnTo>
+                  <a:lnTo>
+                    <a:pt x="0" y="3479800"/>
+                  </a:lnTo>
+                  <a:close/>
+                </a:path>
+              </a:pathLst>
+            </a:custGeom>
+            <a:solidFill>
+              <a:srgbClr val="004AAD"/>
+            </a:solidFill>
+          </p:spPr>
+        </p:sp>
+      </p:grpSp>
+      <p:pic>
+        <p:nvPicPr>
+          <p:cNvPr id="4" name="Picture 4"/>
+          <p:cNvPicPr>
+            <a:picLocks noChangeAspect="1"/>
+          </p:cNvPicPr>
+          <p:nvPr/>
+        </p:nvPicPr>
+        <p:blipFill>
+          <a:blip r:embed="rId2">
+            <a:extLst>
+              <a:ext uri="{28A0092B-C50C-407E-A947-70E740481C1C}">
+                <a14:useLocalDpi xmlns:a14="http://schemas.microsoft.com/office/drawing/2010/main" val="0"/>
+              </a:ext>
+              <a:ext uri="{96DAC541-7B7A-43D3-8B79-37D633B846F1}">
+                <asvg:svgBlip xmlns:asvg="http://schemas.microsoft.com/office/drawing/2016/SVG/main" r:embed="rId3"/>
+              </a:ext>
+            </a:extLst>
+          </a:blip>
+          <a:srcRect/>
+          <a:stretch>
+            <a:fillRect/>
+          </a:stretch>
+        </p:blipFill>
+        <p:spPr>
+          <a:xfrm>
+            <a:off x="1280064" y="1714500"/>
+            <a:ext cx="3942727" cy="4114800"/>
+          </a:xfrm>
+          <a:prstGeom prst="rect">
+            <a:avLst/>
+          </a:prstGeom>
+        </p:spPr>
+      </p:pic>
+      <p:sp>
+        <p:nvSpPr>
+          <p:cNvPr id="5" name="TextBox 5"/>
+          <p:cNvSpPr txBox="1"/>
+          <p:nvPr/>
+        </p:nvSpPr>
+        <p:spPr>
+          <a:xfrm>
+            <a:off x="10204581" y="3904615"/>
+            <a:ext cx="4083695" cy="1533525"/>
+          </a:xfrm>
+          <a:prstGeom prst="rect">
+            <a:avLst/>
+          </a:prstGeom>
+        </p:spPr>
+        <p:txBody>
+          <a:bodyPr lIns="0" tIns="0" rIns="0" bIns="0" rtlCol="0" anchor="t">
+            <a:spAutoFit/>
+          </a:bodyPr>
+          <a:lstStyle/>
+          <a:p>
+            <a:pPr algn="ctr">
+              <a:lnSpc>
+                <a:spcPts val="12599"/>
+              </a:lnSpc>
+            </a:pPr>
+            <a:r>
+              <a:rPr lang="en-US" sz="9000">
+                <a:solidFill>
+                  <a:srgbClr val="000000"/>
+                </a:solidFill>
+                <a:latin typeface="Open Sans Extra Bold"/>
+              </a:rPr>
+              <a:t>Grazie!</a:t>
+            </a:r>
+          </a:p>
+        </p:txBody>
+      </p:sp>
+      <p:sp>
+        <p:nvSpPr>
+          <p:cNvPr id="7" name="TextBox 7"/>
+          <p:cNvSpPr txBox="1"/>
+          <p:nvPr/>
+        </p:nvSpPr>
+        <p:spPr>
+          <a:xfrm>
+            <a:off x="1698483" y="6360020"/>
+            <a:ext cx="3681264" cy="2380615"/>
+          </a:xfrm>
+          <a:prstGeom prst="rect">
+            <a:avLst/>
+          </a:prstGeom>
+        </p:spPr>
+        <p:txBody>
+          <a:bodyPr lIns="0" tIns="0" rIns="0" bIns="0" rtlCol="0" anchor="t">
+            <a:spAutoFit/>
+          </a:bodyPr>
+          <a:lstStyle/>
+          <a:p>
+            <a:pPr algn="ctr">
+              <a:lnSpc>
+                <a:spcPts val="4759"/>
+              </a:lnSpc>
+            </a:pPr>
+            <a:r>
+              <a:rPr lang="en-US" sz="3399">
+                <a:solidFill>
+                  <a:srgbClr val="FFFFFF"/>
+                </a:solidFill>
+                <a:latin typeface="Open Sans Light"/>
+              </a:rPr>
+              <a:t>Bernardini Claudio</a:t>
+            </a:r>
+          </a:p>
+          <a:p>
+            <a:pPr algn="ctr">
+              <a:lnSpc>
+                <a:spcPts val="4759"/>
+              </a:lnSpc>
+            </a:pPr>
+            <a:r>
+              <a:rPr lang="en-US" sz="3399">
+                <a:solidFill>
+                  <a:srgbClr val="FFFFFF"/>
+                </a:solidFill>
+                <a:latin typeface="Open Sans Light"/>
+              </a:rPr>
+              <a:t>Corsetti Luca</a:t>
+            </a:r>
+          </a:p>
+          <a:p>
+            <a:pPr algn="ctr">
+              <a:lnSpc>
+                <a:spcPts val="4759"/>
+              </a:lnSpc>
+            </a:pPr>
+            <a:r>
+              <a:rPr lang="en-US" sz="3399">
+                <a:solidFill>
+                  <a:srgbClr val="FFFFFF"/>
+                </a:solidFill>
+                <a:latin typeface="Open Sans Light"/>
+              </a:rPr>
+              <a:t> Giardina Gianluca</a:t>
+            </a:r>
+          </a:p>
+          <a:p>
+            <a:pPr algn="ctr">
+              <a:lnSpc>
+                <a:spcPts val="4759"/>
+              </a:lnSpc>
+            </a:pPr>
+            <a:r>
+              <a:rPr lang="en-US" sz="3399">
+                <a:solidFill>
+                  <a:srgbClr val="FFFFFF"/>
+                </a:solidFill>
+                <a:latin typeface="Open Sans Light"/>
+              </a:rPr>
+              <a:t>Straccali Leonardo </a:t>
+            </a:r>
+          </a:p>
+        </p:txBody>
+      </p:sp>
+      <p:sp>
+        <p:nvSpPr>
+          <p:cNvPr id="8" name="TextBox 8"/>
+          <p:cNvSpPr txBox="1"/>
+          <p:nvPr/>
+        </p:nvSpPr>
+        <p:spPr>
+          <a:xfrm>
+            <a:off x="13793242" y="448310"/>
+            <a:ext cx="3718471" cy="580390"/>
+          </a:xfrm>
+          <a:prstGeom prst="rect">
+            <a:avLst/>
+          </a:prstGeom>
+        </p:spPr>
+        <p:txBody>
+          <a:bodyPr lIns="0" tIns="0" rIns="0" bIns="0" rtlCol="0" anchor="t">
+            <a:spAutoFit/>
+          </a:bodyPr>
+          <a:lstStyle/>
+          <a:p>
+            <a:pPr algn="ctr">
+              <a:lnSpc>
+                <a:spcPts val="4759"/>
+              </a:lnSpc>
+            </a:pPr>
+            <a:r>
+              <a:rPr lang="en-US" sz="3350" dirty="0">
+                <a:solidFill>
+                  <a:srgbClr val="000000"/>
+                </a:solidFill>
+                <a:latin typeface="Open Sans Light"/>
+              </a:rPr>
+              <a:t>30 Novembre 2021</a:t>
+            </a:r>
+          </a:p>
+        </p:txBody>
+      </p:sp>
+      <p:grpSp>
+        <p:nvGrpSpPr>
+          <p:cNvPr id="9" name="Group 9"/>
+          <p:cNvGrpSpPr/>
+          <p:nvPr/>
+        </p:nvGrpSpPr>
+        <p:grpSpPr>
+          <a:xfrm>
+            <a:off x="16658290" y="8740635"/>
+            <a:ext cx="1289957" cy="1289957"/>
+            <a:chOff x="0" y="0"/>
+            <a:chExt cx="1719943" cy="1719943"/>
+          </a:xfrm>
+        </p:grpSpPr>
+        <p:grpSp>
+          <p:nvGrpSpPr>
+            <p:cNvPr id="10" name="Group 10"/>
+            <p:cNvGrpSpPr/>
+            <p:nvPr/>
+          </p:nvGrpSpPr>
+          <p:grpSpPr>
+            <a:xfrm>
+              <a:off x="0" y="0"/>
+              <a:ext cx="1719943" cy="1719943"/>
+              <a:chOff x="0" y="0"/>
+              <a:chExt cx="6350000" cy="6350000"/>
+            </a:xfrm>
+          </p:grpSpPr>
+          <p:sp>
+            <p:nvSpPr>
+              <p:cNvPr id="11" name="Freeform 11"/>
+              <p:cNvSpPr/>
+              <p:nvPr/>
+            </p:nvSpPr>
+            <p:spPr>
+              <a:xfrm>
+                <a:off x="14167" y="0"/>
+                <a:ext cx="6321665" cy="6350000"/>
+              </a:xfrm>
+              <a:custGeom>
+                <a:avLst/>
+                <a:gdLst/>
+                <a:ahLst/>
+                <a:cxnLst/>
+                <a:rect l="l" t="t" r="r" b="b"/>
+                <a:pathLst>
+                  <a:path w="6321665" h="6350000">
+                    <a:moveTo>
+                      <a:pt x="3160833" y="0"/>
+                    </a:moveTo>
+                    <a:lnTo>
+                      <a:pt x="3160833" y="0"/>
+                    </a:lnTo>
+                    <a:cubicBezTo>
+                      <a:pt x="4908795" y="7817"/>
+                      <a:pt x="6321666" y="1427021"/>
+                      <a:pt x="6321666" y="3175000"/>
+                    </a:cubicBezTo>
+                    <a:cubicBezTo>
+                      <a:pt x="6321666" y="4922979"/>
+                      <a:pt x="4908795" y="6342183"/>
+                      <a:pt x="3160833" y="6350000"/>
+                    </a:cubicBezTo>
+                    <a:cubicBezTo>
+                      <a:pt x="1412871" y="6342183"/>
+                      <a:pt x="0" y="4922979"/>
+                      <a:pt x="0" y="3175000"/>
+                    </a:cubicBezTo>
+                    <a:cubicBezTo>
+                      <a:pt x="0" y="1427021"/>
+                      <a:pt x="1412871" y="7817"/>
+                      <a:pt x="3160833" y="0"/>
+                    </a:cubicBezTo>
+                    <a:close/>
+                  </a:path>
+                </a:pathLst>
+              </a:custGeom>
+              <a:solidFill>
+                <a:srgbClr val="004AAD"/>
+              </a:solidFill>
+            </p:spPr>
+          </p:sp>
+        </p:grpSp>
+        <p:sp>
+          <p:nvSpPr>
+            <p:cNvPr id="12" name="TextBox 12"/>
+            <p:cNvSpPr txBox="1"/>
+            <p:nvPr/>
+          </p:nvSpPr>
+          <p:spPr>
+            <a:xfrm>
+              <a:off x="350345" y="477173"/>
+              <a:ext cx="1019250" cy="765595"/>
+            </a:xfrm>
+            <a:prstGeom prst="rect">
+              <a:avLst/>
+            </a:prstGeom>
+          </p:spPr>
+          <p:txBody>
+            <a:bodyPr wrap="square" lIns="0" tIns="0" rIns="0" bIns="0" rtlCol="0" anchor="t">
+              <a:spAutoFit/>
+            </a:bodyPr>
+            <a:lstStyle/>
+            <a:p>
+              <a:pPr algn="ctr">
+                <a:lnSpc>
+                  <a:spcPts val="4759"/>
+                </a:lnSpc>
+              </a:pPr>
+              <a:r>
+                <a:rPr lang="en-US" sz="3399" dirty="0">
+                  <a:solidFill>
+                    <a:srgbClr val="FFFFFF"/>
+                  </a:solidFill>
+                  <a:latin typeface="Open Sans Light Bold"/>
+                </a:rPr>
+                <a:t>10</a:t>
+              </a:r>
+            </a:p>
+          </p:txBody>
+        </p:sp>
+      </p:grpSp>
     </p:spTree>
   </p:cSld>
   <p:clrMapOvr>
@@ -10888,4 +8399,299 @@
   <a:objectDefaults/>
   <a:extraClrSchemeLst/>
 </a:theme>
+</file>
+
+<file path=ppt/theme/theme2.xml><?xml version="1.0" encoding="utf-8"?>
+<a:theme xmlns:a="http://schemas.openxmlformats.org/drawingml/2006/main" name="Tema di Office">
+  <a:themeElements>
+    <a:clrScheme name="Office">
+      <a:dk1>
+        <a:sysClr val="windowText" lastClr="000000"/>
+      </a:dk1>
+      <a:lt1>
+        <a:sysClr val="window" lastClr="FFFFFF"/>
+      </a:lt1>
+      <a:dk2>
+        <a:srgbClr val="44546A"/>
+      </a:dk2>
+      <a:lt2>
+        <a:srgbClr val="E7E6E6"/>
+      </a:lt2>
+      <a:accent1>
+        <a:srgbClr val="4472C4"/>
+      </a:accent1>
+      <a:accent2>
+        <a:srgbClr val="ED7D31"/>
+      </a:accent2>
+      <a:accent3>
+        <a:srgbClr val="A5A5A5"/>
+      </a:accent3>
+      <a:accent4>
+        <a:srgbClr val="FFC000"/>
+      </a:accent4>
+      <a:accent5>
+        <a:srgbClr val="5B9BD5"/>
+      </a:accent5>
+      <a:accent6>
+        <a:srgbClr val="70AD47"/>
+      </a:accent6>
+      <a:hlink>
+        <a:srgbClr val="0563C1"/>
+      </a:hlink>
+      <a:folHlink>
+        <a:srgbClr val="954F72"/>
+      </a:folHlink>
+    </a:clrScheme>
+    <a:fontScheme name="Office">
+      <a:majorFont>
+        <a:latin typeface="Calibri Light" panose="020F0302020204030204"/>
+        <a:ea typeface=""/>
+        <a:cs typeface=""/>
+        <a:font script="Jpan" typeface="游ゴシック Light"/>
+        <a:font script="Hang" typeface="맑은 고딕"/>
+        <a:font script="Hans" typeface="等线 Light"/>
+        <a:font script="Hant" typeface="新細明體"/>
+        <a:font script="Arab" typeface="Times New Roman"/>
+        <a:font script="Hebr" typeface="Times New Roman"/>
+        <a:font script="Thai" typeface="Angsana New"/>
+        <a:font script="Ethi" typeface="Nyala"/>
+        <a:font script="Beng" typeface="Vrinda"/>
+        <a:font script="Gujr" typeface="Shruti"/>
+        <a:font script="Khmr" typeface="MoolBoran"/>
+        <a:font script="Knda" typeface="Tunga"/>
+        <a:font script="Guru" typeface="Raavi"/>
+        <a:font script="Cans" typeface="Euphemia"/>
+        <a:font script="Cher" typeface="Plantagenet Cherokee"/>
+        <a:font script="Yiii" typeface="Microsoft Yi Baiti"/>
+        <a:font script="Tibt" typeface="Microsoft Himalaya"/>
+        <a:font script="Thaa" typeface="MV Boli"/>
+        <a:font script="Deva" typeface="Mangal"/>
+        <a:font script="Telu" typeface="Gautami"/>
+        <a:font script="Taml" typeface="Latha"/>
+        <a:font script="Syrc" typeface="Estrangelo Edessa"/>
+        <a:font script="Orya" typeface="Kalinga"/>
+        <a:font script="Mlym" typeface="Kartika"/>
+        <a:font script="Laoo" typeface="DokChampa"/>
+        <a:font script="Sinh" typeface="Iskoola Pota"/>
+        <a:font script="Mong" typeface="Mongolian Baiti"/>
+        <a:font script="Viet" typeface="Times New Roman"/>
+        <a:font script="Uigh" typeface="Microsoft Uighur"/>
+        <a:font script="Geor" typeface="Sylfaen"/>
+        <a:font script="Armn" typeface="Arial"/>
+        <a:font script="Bugi" typeface="Leelawadee UI"/>
+        <a:font script="Bopo" typeface="Microsoft JhengHei"/>
+        <a:font script="Java" typeface="Javanese Text"/>
+        <a:font script="Lisu" typeface="Segoe UI"/>
+        <a:font script="Mymr" typeface="Myanmar Text"/>
+        <a:font script="Nkoo" typeface="Ebrima"/>
+        <a:font script="Olck" typeface="Nirmala UI"/>
+        <a:font script="Osma" typeface="Ebrima"/>
+        <a:font script="Phag" typeface="Phagspa"/>
+        <a:font script="Syrn" typeface="Estrangelo Edessa"/>
+        <a:font script="Syrj" typeface="Estrangelo Edessa"/>
+        <a:font script="Syre" typeface="Estrangelo Edessa"/>
+        <a:font script="Sora" typeface="Nirmala UI"/>
+        <a:font script="Tale" typeface="Microsoft Tai Le"/>
+        <a:font script="Talu" typeface="Microsoft New Tai Lue"/>
+        <a:font script="Tfng" typeface="Ebrima"/>
+      </a:majorFont>
+      <a:minorFont>
+        <a:latin typeface="Calibri" panose="020F0502020204030204"/>
+        <a:ea typeface=""/>
+        <a:cs typeface=""/>
+        <a:font script="Jpan" typeface="游ゴシック"/>
+        <a:font script="Hang" typeface="맑은 고딕"/>
+        <a:font script="Hans" typeface="等线"/>
+        <a:font script="Hant" typeface="新細明體"/>
+        <a:font script="Arab" typeface="Arial"/>
+        <a:font script="Hebr" typeface="Arial"/>
+        <a:font script="Thai" typeface="Cordia New"/>
+        <a:font script="Ethi" typeface="Nyala"/>
+        <a:font script="Beng" typeface="Vrinda"/>
+        <a:font script="Gujr" typeface="Shruti"/>
+        <a:font script="Khmr" typeface="DaunPenh"/>
+        <a:font script="Knda" typeface="Tunga"/>
+        <a:font script="Guru" typeface="Raavi"/>
+        <a:font script="Cans" typeface="Euphemia"/>
+        <a:font script="Cher" typeface="Plantagenet Cherokee"/>
+        <a:font script="Yiii" typeface="Microsoft Yi Baiti"/>
+        <a:font script="Tibt" typeface="Microsoft Himalaya"/>
+        <a:font script="Thaa" typeface="MV Boli"/>
+        <a:font script="Deva" typeface="Mangal"/>
+        <a:font script="Telu" typeface="Gautami"/>
+        <a:font script="Taml" typeface="Latha"/>
+        <a:font script="Syrc" typeface="Estrangelo Edessa"/>
+        <a:font script="Orya" typeface="Kalinga"/>
+        <a:font script="Mlym" typeface="Kartika"/>
+        <a:font script="Laoo" typeface="DokChampa"/>
+        <a:font script="Sinh" typeface="Iskoola Pota"/>
+        <a:font script="Mong" typeface="Mongolian Baiti"/>
+        <a:font script="Viet" typeface="Arial"/>
+        <a:font script="Uigh" typeface="Microsoft Uighur"/>
+        <a:font script="Geor" typeface="Sylfaen"/>
+        <a:font script="Armn" typeface="Arial"/>
+        <a:font script="Bugi" typeface="Leelawadee UI"/>
+        <a:font script="Bopo" typeface="Microsoft JhengHei"/>
+        <a:font script="Java" typeface="Javanese Text"/>
+        <a:font script="Lisu" typeface="Segoe UI"/>
+        <a:font script="Mymr" typeface="Myanmar Text"/>
+        <a:font script="Nkoo" typeface="Ebrima"/>
+        <a:font script="Olck" typeface="Nirmala UI"/>
+        <a:font script="Osma" typeface="Ebrima"/>
+        <a:font script="Phag" typeface="Phagspa"/>
+        <a:font script="Syrn" typeface="Estrangelo Edessa"/>
+        <a:font script="Syrj" typeface="Estrangelo Edessa"/>
+        <a:font script="Syre" typeface="Estrangelo Edessa"/>
+        <a:font script="Sora" typeface="Nirmala UI"/>
+        <a:font script="Tale" typeface="Microsoft Tai Le"/>
+        <a:font script="Talu" typeface="Microsoft New Tai Lue"/>
+        <a:font script="Tfng" typeface="Ebrima"/>
+      </a:minorFont>
+    </a:fontScheme>
+    <a:fmtScheme name="Office">
+      <a:fillStyleLst>
+        <a:solidFill>
+          <a:schemeClr val="phClr"/>
+        </a:solidFill>
+        <a:gradFill rotWithShape="1">
+          <a:gsLst>
+            <a:gs pos="0">
+              <a:schemeClr val="phClr">
+                <a:lumMod val="110000"/>
+                <a:satMod val="105000"/>
+                <a:tint val="67000"/>
+              </a:schemeClr>
+            </a:gs>
+            <a:gs pos="50000">
+              <a:schemeClr val="phClr">
+                <a:lumMod val="105000"/>
+                <a:satMod val="103000"/>
+                <a:tint val="73000"/>
+              </a:schemeClr>
+            </a:gs>
+            <a:gs pos="100000">
+              <a:schemeClr val="phClr">
+                <a:lumMod val="105000"/>
+                <a:satMod val="109000"/>
+                <a:tint val="81000"/>
+              </a:schemeClr>
+            </a:gs>
+          </a:gsLst>
+          <a:lin ang="5400000" scaled="0"/>
+        </a:gradFill>
+        <a:gradFill rotWithShape="1">
+          <a:gsLst>
+            <a:gs pos="0">
+              <a:schemeClr val="phClr">
+                <a:satMod val="103000"/>
+                <a:lumMod val="102000"/>
+                <a:tint val="94000"/>
+              </a:schemeClr>
+            </a:gs>
+            <a:gs pos="50000">
+              <a:schemeClr val="phClr">
+                <a:satMod val="110000"/>
+                <a:lumMod val="100000"/>
+                <a:shade val="100000"/>
+              </a:schemeClr>
+            </a:gs>
+            <a:gs pos="100000">
+              <a:schemeClr val="phClr">
+                <a:lumMod val="99000"/>
+                <a:satMod val="120000"/>
+                <a:shade val="78000"/>
+              </a:schemeClr>
+            </a:gs>
+          </a:gsLst>
+          <a:lin ang="5400000" scaled="0"/>
+        </a:gradFill>
+      </a:fillStyleLst>
+      <a:lnStyleLst>
+        <a:ln w="6350" cap="flat" cmpd="sng" algn="ctr">
+          <a:solidFill>
+            <a:schemeClr val="phClr"/>
+          </a:solidFill>
+          <a:prstDash val="solid"/>
+          <a:miter lim="800000"/>
+        </a:ln>
+        <a:ln w="12700" cap="flat" cmpd="sng" algn="ctr">
+          <a:solidFill>
+            <a:schemeClr val="phClr"/>
+          </a:solidFill>
+          <a:prstDash val="solid"/>
+          <a:miter lim="800000"/>
+        </a:ln>
+        <a:ln w="19050" cap="flat" cmpd="sng" algn="ctr">
+          <a:solidFill>
+            <a:schemeClr val="phClr"/>
+          </a:solidFill>
+          <a:prstDash val="solid"/>
+          <a:miter lim="800000"/>
+        </a:ln>
+      </a:lnStyleLst>
+      <a:effectStyleLst>
+        <a:effectStyle>
+          <a:effectLst/>
+        </a:effectStyle>
+        <a:effectStyle>
+          <a:effectLst/>
+        </a:effectStyle>
+        <a:effectStyle>
+          <a:effectLst>
+            <a:outerShdw blurRad="57150" dist="19050" dir="5400000" algn="ctr" rotWithShape="0">
+              <a:srgbClr val="000000">
+                <a:alpha val="63000"/>
+              </a:srgbClr>
+            </a:outerShdw>
+          </a:effectLst>
+        </a:effectStyle>
+      </a:effectStyleLst>
+      <a:bgFillStyleLst>
+        <a:solidFill>
+          <a:schemeClr val="phClr"/>
+        </a:solidFill>
+        <a:solidFill>
+          <a:schemeClr val="phClr">
+            <a:tint val="95000"/>
+            <a:satMod val="170000"/>
+          </a:schemeClr>
+        </a:solidFill>
+        <a:gradFill rotWithShape="1">
+          <a:gsLst>
+            <a:gs pos="0">
+              <a:schemeClr val="phClr">
+                <a:tint val="93000"/>
+                <a:satMod val="150000"/>
+                <a:shade val="98000"/>
+                <a:lumMod val="102000"/>
+              </a:schemeClr>
+            </a:gs>
+            <a:gs pos="50000">
+              <a:schemeClr val="phClr">
+                <a:tint val="98000"/>
+                <a:satMod val="130000"/>
+                <a:shade val="90000"/>
+                <a:lumMod val="103000"/>
+              </a:schemeClr>
+            </a:gs>
+            <a:gs pos="100000">
+              <a:schemeClr val="phClr">
+                <a:shade val="63000"/>
+                <a:satMod val="120000"/>
+              </a:schemeClr>
+            </a:gs>
+          </a:gsLst>
+          <a:lin ang="5400000" scaled="0"/>
+        </a:gradFill>
+      </a:bgFillStyleLst>
+    </a:fmtScheme>
+  </a:themeElements>
+  <a:objectDefaults/>
+  <a:extraClrSchemeLst/>
+  <a:extLst>
+    <a:ext uri="{05A4C25C-085E-4340-85A3-A5531E510DB2}">
+      <thm15:themeFamily xmlns:thm15="http://schemas.microsoft.com/office/thememl/2012/main" name="Office Theme" id="{62F939B6-93AF-4DB8-9C6B-D6C7DFDC589F}" vid="{4A3C46E8-61CC-4603-A589-7422A47A8E4A}"/>
+    </a:ext>
+  </a:extLst>
+</a:theme>
 </file>
--- a/esercitazione_7/documents/Esercitazione 7.pptx
+++ b/esercitazione_7/documents/Esercitazione 7.pptx
@@ -6291,7 +6291,7 @@
                   </a:solidFill>
                   <a:latin typeface="Open Sans Light Bold"/>
                 </a:rPr>
-                <a:t>5</a:t>
+                <a:t>6</a:t>
               </a:r>
             </a:p>
           </p:txBody>
@@ -6929,7 +6929,7 @@
                 </a:solidFill>
                 <a:latin typeface="Open Sans Light Bold"/>
               </a:rPr>
-              <a:t>6</a:t>
+              <a:t>7</a:t>
             </a:r>
           </a:p>
         </p:txBody>
@@ -7442,7 +7442,7 @@
                   </a:solidFill>
                   <a:latin typeface="Open Sans Light Bold"/>
                 </a:rPr>
-                <a:t>9</a:t>
+                <a:t>8</a:t>
               </a:r>
             </a:p>
           </p:txBody>
@@ -8104,7 +8104,7 @@
                   </a:solidFill>
                   <a:latin typeface="Open Sans Light Bold"/>
                 </a:rPr>
-                <a:t>10</a:t>
+                <a:t>9</a:t>
               </a:r>
             </a:p>
           </p:txBody>
